--- a/Whiteboard design session/media/diagrams.pptx
+++ b/Whiteboard design session/media/diagrams.pptx
@@ -5,12 +5,13 @@
     <p:sldMasterId id="2147483648" r:id="rId1"/>
   </p:sldMasterIdLst>
   <p:notesMasterIdLst>
-    <p:notesMasterId r:id="rId5"/>
+    <p:notesMasterId r:id="rId6"/>
   </p:notesMasterIdLst>
   <p:sldIdLst>
     <p:sldId id="256" r:id="rId2"/>
     <p:sldId id="257" r:id="rId3"/>
     <p:sldId id="258" r:id="rId4"/>
+    <p:sldId id="259" r:id="rId5"/>
   </p:sldIdLst>
   <p:sldSz cx="12192000" cy="6858000"/>
   <p:notesSz cx="6858000" cy="9144000"/>
@@ -109,6 +110,11 @@
       </a:defRPr>
     </a:lvl9pPr>
   </p:defaultTextStyle>
+  <p:extLst>
+    <p:ext uri="{EFAFB233-063F-42B5-8137-9DF3F51BA10A}">
+      <p15:sldGuideLst xmlns:p15="http://schemas.microsoft.com/office/powerpoint/2012/main"/>
+    </p:ext>
+  </p:extLst>
 </p:presentation>
 </file>
 
@@ -194,7 +200,7 @@
           <a:p>
             <a:fld id="{90D82B7B-9A37-0949-A600-BA30C7EE531A}" type="datetimeFigureOut">
               <a:rPr lang="en-US" smtClean="0"/>
-              <a:t>6/21/19</a:t>
+              <a:t>6/22/2019</a:t>
             </a:fld>
             <a:endParaRPr lang="en-US"/>
           </a:p>
@@ -258,38 +264,37 @@
           <a:p>
             <a:pPr lvl="0"/>
             <a:r>
-              <a:rPr lang="en-US" smtClean="0"/>
+              <a:rPr lang="en-US"/>
               <a:t>Click to edit Master text styles</a:t>
             </a:r>
           </a:p>
           <a:p>
             <a:pPr lvl="1"/>
             <a:r>
-              <a:rPr lang="en-US" smtClean="0"/>
+              <a:rPr lang="en-US"/>
               <a:t>Second level</a:t>
             </a:r>
           </a:p>
           <a:p>
             <a:pPr lvl="2"/>
             <a:r>
-              <a:rPr lang="en-US" smtClean="0"/>
+              <a:rPr lang="en-US"/>
               <a:t>Third level</a:t>
             </a:r>
           </a:p>
           <a:p>
             <a:pPr lvl="3"/>
             <a:r>
-              <a:rPr lang="en-US" smtClean="0"/>
+              <a:rPr lang="en-US"/>
               <a:t>Fourth level</a:t>
             </a:r>
           </a:p>
           <a:p>
             <a:pPr lvl="4"/>
             <a:r>
-              <a:rPr lang="en-US" smtClean="0"/>
+              <a:rPr lang="en-US"/>
               <a:t>Fifth level</a:t>
             </a:r>
-            <a:endParaRPr lang="en-US"/>
           </a:p>
         </p:txBody>
       </p:sp>
@@ -507,11 +512,11 @@
           <a:lstStyle/>
           <a:p>
             <a:r>
-              <a:rPr lang="en-US" dirty="0" smtClean="0"/>
+              <a:rPr lang="en-US" dirty="0"/>
               <a:t>SQL</a:t>
             </a:r>
             <a:r>
-              <a:rPr lang="en-US" baseline="0" dirty="0" smtClean="0"/>
+              <a:rPr lang="en-US" baseline="0" dirty="0"/>
               <a:t> Server 2019 Data Lake</a:t>
             </a:r>
             <a:endParaRPr lang="en-US" dirty="0"/>
@@ -599,11 +604,11 @@
           <a:lstStyle/>
           <a:p>
             <a:r>
-              <a:rPr lang="en-US" dirty="0" smtClean="0"/>
+              <a:rPr lang="en-US" dirty="0"/>
               <a:t>SQL Server 2019 Integrated AI and Machine</a:t>
             </a:r>
             <a:r>
-              <a:rPr lang="en-US" baseline="0" dirty="0" smtClean="0"/>
+              <a:rPr lang="en-US" baseline="0" dirty="0"/>
               <a:t> Learning</a:t>
             </a:r>
             <a:endParaRPr lang="en-US" dirty="0"/>
@@ -691,11 +696,11 @@
           <a:lstStyle/>
           <a:p>
             <a:r>
-              <a:rPr lang="en-US" dirty="0" smtClean="0"/>
+              <a:rPr lang="en-US" dirty="0"/>
               <a:t>SQL</a:t>
             </a:r>
             <a:r>
-              <a:rPr lang="en-US" baseline="0" dirty="0" smtClean="0"/>
+              <a:rPr lang="en-US" baseline="0" dirty="0"/>
               <a:t> Server 2019 Big Data Cluster</a:t>
             </a:r>
             <a:endParaRPr lang="en-US" dirty="0"/>
@@ -780,10 +785,9 @@
           </a:lstStyle>
           <a:p>
             <a:r>
-              <a:rPr lang="en-US" smtClean="0"/>
+              <a:rPr lang="en-US"/>
               <a:t>Click to edit Master title style</a:t>
             </a:r>
-            <a:endParaRPr lang="en-US"/>
           </a:p>
         </p:txBody>
       </p:sp>
@@ -845,10 +849,9 @@
           </a:lstStyle>
           <a:p>
             <a:r>
-              <a:rPr lang="en-US" smtClean="0"/>
+              <a:rPr lang="en-US"/>
               <a:t>Click to edit Master subtitle style</a:t>
             </a:r>
-            <a:endParaRPr lang="en-US"/>
           </a:p>
         </p:txBody>
       </p:sp>
@@ -869,7 +872,7 @@
           <a:p>
             <a:fld id="{232015E6-04D3-AA46-8EB6-5FC99D770932}" type="datetimeFigureOut">
               <a:rPr lang="en-US" smtClean="0"/>
-              <a:t>6/21/19</a:t>
+              <a:t>6/22/2019</a:t>
             </a:fld>
             <a:endParaRPr lang="en-US"/>
           </a:p>
@@ -963,10 +966,9 @@
           <a:lstStyle/>
           <a:p>
             <a:r>
-              <a:rPr lang="en-US" smtClean="0"/>
+              <a:rPr lang="en-US"/>
               <a:t>Click to edit Master title style</a:t>
             </a:r>
-            <a:endParaRPr lang="en-US"/>
           </a:p>
         </p:txBody>
       </p:sp>
@@ -987,38 +989,37 @@
           <a:p>
             <a:pPr lvl="0"/>
             <a:r>
-              <a:rPr lang="en-US" smtClean="0"/>
+              <a:rPr lang="en-US"/>
               <a:t>Click to edit Master text styles</a:t>
             </a:r>
           </a:p>
           <a:p>
             <a:pPr lvl="1"/>
             <a:r>
-              <a:rPr lang="en-US" smtClean="0"/>
+              <a:rPr lang="en-US"/>
               <a:t>Second level</a:t>
             </a:r>
           </a:p>
           <a:p>
             <a:pPr lvl="2"/>
             <a:r>
-              <a:rPr lang="en-US" smtClean="0"/>
+              <a:rPr lang="en-US"/>
               <a:t>Third level</a:t>
             </a:r>
           </a:p>
           <a:p>
             <a:pPr lvl="3"/>
             <a:r>
-              <a:rPr lang="en-US" smtClean="0"/>
+              <a:rPr lang="en-US"/>
               <a:t>Fourth level</a:t>
             </a:r>
           </a:p>
           <a:p>
             <a:pPr lvl="4"/>
             <a:r>
-              <a:rPr lang="en-US" smtClean="0"/>
+              <a:rPr lang="en-US"/>
               <a:t>Fifth level</a:t>
             </a:r>
-            <a:endParaRPr lang="en-US"/>
           </a:p>
         </p:txBody>
       </p:sp>
@@ -1039,7 +1040,7 @@
           <a:p>
             <a:fld id="{232015E6-04D3-AA46-8EB6-5FC99D770932}" type="datetimeFigureOut">
               <a:rPr lang="en-US" smtClean="0"/>
-              <a:t>6/21/19</a:t>
+              <a:t>6/22/2019</a:t>
             </a:fld>
             <a:endParaRPr lang="en-US"/>
           </a:p>
@@ -1138,10 +1139,9 @@
           <a:lstStyle/>
           <a:p>
             <a:r>
-              <a:rPr lang="en-US" smtClean="0"/>
+              <a:rPr lang="en-US"/>
               <a:t>Click to edit Master title style</a:t>
             </a:r>
-            <a:endParaRPr lang="en-US"/>
           </a:p>
         </p:txBody>
       </p:sp>
@@ -1167,38 +1167,37 @@
           <a:p>
             <a:pPr lvl="0"/>
             <a:r>
-              <a:rPr lang="en-US" smtClean="0"/>
+              <a:rPr lang="en-US"/>
               <a:t>Click to edit Master text styles</a:t>
             </a:r>
           </a:p>
           <a:p>
             <a:pPr lvl="1"/>
             <a:r>
-              <a:rPr lang="en-US" smtClean="0"/>
+              <a:rPr lang="en-US"/>
               <a:t>Second level</a:t>
             </a:r>
           </a:p>
           <a:p>
             <a:pPr lvl="2"/>
             <a:r>
-              <a:rPr lang="en-US" smtClean="0"/>
+              <a:rPr lang="en-US"/>
               <a:t>Third level</a:t>
             </a:r>
           </a:p>
           <a:p>
             <a:pPr lvl="3"/>
             <a:r>
-              <a:rPr lang="en-US" smtClean="0"/>
+              <a:rPr lang="en-US"/>
               <a:t>Fourth level</a:t>
             </a:r>
           </a:p>
           <a:p>
             <a:pPr lvl="4"/>
             <a:r>
-              <a:rPr lang="en-US" smtClean="0"/>
+              <a:rPr lang="en-US"/>
               <a:t>Fifth level</a:t>
             </a:r>
-            <a:endParaRPr lang="en-US"/>
           </a:p>
         </p:txBody>
       </p:sp>
@@ -1219,7 +1218,7 @@
           <a:p>
             <a:fld id="{232015E6-04D3-AA46-8EB6-5FC99D770932}" type="datetimeFigureOut">
               <a:rPr lang="en-US" smtClean="0"/>
-              <a:t>6/21/19</a:t>
+              <a:t>6/22/2019</a:t>
             </a:fld>
             <a:endParaRPr lang="en-US"/>
           </a:p>
@@ -1313,10 +1312,9 @@
           <a:lstStyle/>
           <a:p>
             <a:r>
-              <a:rPr lang="en-US" smtClean="0"/>
+              <a:rPr lang="en-US"/>
               <a:t>Click to edit Master title style</a:t>
             </a:r>
-            <a:endParaRPr lang="en-US"/>
           </a:p>
         </p:txBody>
       </p:sp>
@@ -1337,38 +1335,37 @@
           <a:p>
             <a:pPr lvl="0"/>
             <a:r>
-              <a:rPr lang="en-US" smtClean="0"/>
+              <a:rPr lang="en-US"/>
               <a:t>Click to edit Master text styles</a:t>
             </a:r>
           </a:p>
           <a:p>
             <a:pPr lvl="1"/>
             <a:r>
-              <a:rPr lang="en-US" smtClean="0"/>
+              <a:rPr lang="en-US"/>
               <a:t>Second level</a:t>
             </a:r>
           </a:p>
           <a:p>
             <a:pPr lvl="2"/>
             <a:r>
-              <a:rPr lang="en-US" smtClean="0"/>
+              <a:rPr lang="en-US"/>
               <a:t>Third level</a:t>
             </a:r>
           </a:p>
           <a:p>
             <a:pPr lvl="3"/>
             <a:r>
-              <a:rPr lang="en-US" smtClean="0"/>
+              <a:rPr lang="en-US"/>
               <a:t>Fourth level</a:t>
             </a:r>
           </a:p>
           <a:p>
             <a:pPr lvl="4"/>
             <a:r>
-              <a:rPr lang="en-US" smtClean="0"/>
+              <a:rPr lang="en-US"/>
               <a:t>Fifth level</a:t>
             </a:r>
-            <a:endParaRPr lang="en-US"/>
           </a:p>
         </p:txBody>
       </p:sp>
@@ -1389,7 +1386,7 @@
           <a:p>
             <a:fld id="{232015E6-04D3-AA46-8EB6-5FC99D770932}" type="datetimeFigureOut">
               <a:rPr lang="en-US" smtClean="0"/>
-              <a:t>6/21/19</a:t>
+              <a:t>6/22/2019</a:t>
             </a:fld>
             <a:endParaRPr lang="en-US"/>
           </a:p>
@@ -1492,10 +1489,9 @@
           </a:lstStyle>
           <a:p>
             <a:r>
-              <a:rPr lang="en-US" smtClean="0"/>
+              <a:rPr lang="en-US"/>
               <a:t>Click to edit Master title style</a:t>
             </a:r>
-            <a:endParaRPr lang="en-US"/>
           </a:p>
         </p:txBody>
       </p:sp>
@@ -1612,7 +1608,7 @@
           <a:p>
             <a:pPr lvl="0"/>
             <a:r>
-              <a:rPr lang="en-US" smtClean="0"/>
+              <a:rPr lang="en-US"/>
               <a:t>Click to edit Master text styles</a:t>
             </a:r>
           </a:p>
@@ -1635,7 +1631,7 @@
           <a:p>
             <a:fld id="{232015E6-04D3-AA46-8EB6-5FC99D770932}" type="datetimeFigureOut">
               <a:rPr lang="en-US" smtClean="0"/>
-              <a:t>6/21/19</a:t>
+              <a:t>6/22/2019</a:t>
             </a:fld>
             <a:endParaRPr lang="en-US"/>
           </a:p>
@@ -1729,10 +1725,9 @@
           <a:lstStyle/>
           <a:p>
             <a:r>
-              <a:rPr lang="en-US" smtClean="0"/>
+              <a:rPr lang="en-US"/>
               <a:t>Click to edit Master title style</a:t>
             </a:r>
-            <a:endParaRPr lang="en-US"/>
           </a:p>
         </p:txBody>
       </p:sp>
@@ -1758,38 +1753,37 @@
           <a:p>
             <a:pPr lvl="0"/>
             <a:r>
-              <a:rPr lang="en-US" smtClean="0"/>
+              <a:rPr lang="en-US"/>
               <a:t>Click to edit Master text styles</a:t>
             </a:r>
           </a:p>
           <a:p>
             <a:pPr lvl="1"/>
             <a:r>
-              <a:rPr lang="en-US" smtClean="0"/>
+              <a:rPr lang="en-US"/>
               <a:t>Second level</a:t>
             </a:r>
           </a:p>
           <a:p>
             <a:pPr lvl="2"/>
             <a:r>
-              <a:rPr lang="en-US" smtClean="0"/>
+              <a:rPr lang="en-US"/>
               <a:t>Third level</a:t>
             </a:r>
           </a:p>
           <a:p>
             <a:pPr lvl="3"/>
             <a:r>
-              <a:rPr lang="en-US" smtClean="0"/>
+              <a:rPr lang="en-US"/>
               <a:t>Fourth level</a:t>
             </a:r>
           </a:p>
           <a:p>
             <a:pPr lvl="4"/>
             <a:r>
-              <a:rPr lang="en-US" smtClean="0"/>
+              <a:rPr lang="en-US"/>
               <a:t>Fifth level</a:t>
             </a:r>
-            <a:endParaRPr lang="en-US"/>
           </a:p>
         </p:txBody>
       </p:sp>
@@ -1815,38 +1809,37 @@
           <a:p>
             <a:pPr lvl="0"/>
             <a:r>
-              <a:rPr lang="en-US" smtClean="0"/>
+              <a:rPr lang="en-US"/>
               <a:t>Click to edit Master text styles</a:t>
             </a:r>
           </a:p>
           <a:p>
             <a:pPr lvl="1"/>
             <a:r>
-              <a:rPr lang="en-US" smtClean="0"/>
+              <a:rPr lang="en-US"/>
               <a:t>Second level</a:t>
             </a:r>
           </a:p>
           <a:p>
             <a:pPr lvl="2"/>
             <a:r>
-              <a:rPr lang="en-US" smtClean="0"/>
+              <a:rPr lang="en-US"/>
               <a:t>Third level</a:t>
             </a:r>
           </a:p>
           <a:p>
             <a:pPr lvl="3"/>
             <a:r>
-              <a:rPr lang="en-US" smtClean="0"/>
+              <a:rPr lang="en-US"/>
               <a:t>Fourth level</a:t>
             </a:r>
           </a:p>
           <a:p>
             <a:pPr lvl="4"/>
             <a:r>
-              <a:rPr lang="en-US" smtClean="0"/>
+              <a:rPr lang="en-US"/>
               <a:t>Fifth level</a:t>
             </a:r>
-            <a:endParaRPr lang="en-US"/>
           </a:p>
         </p:txBody>
       </p:sp>
@@ -1867,7 +1860,7 @@
           <a:p>
             <a:fld id="{232015E6-04D3-AA46-8EB6-5FC99D770932}" type="datetimeFigureOut">
               <a:rPr lang="en-US" smtClean="0"/>
-              <a:t>6/21/19</a:t>
+              <a:t>6/22/2019</a:t>
             </a:fld>
             <a:endParaRPr lang="en-US"/>
           </a:p>
@@ -1966,10 +1959,9 @@
           <a:lstStyle/>
           <a:p>
             <a:r>
-              <a:rPr lang="en-US" smtClean="0"/>
+              <a:rPr lang="en-US"/>
               <a:t>Click to edit Master title style</a:t>
             </a:r>
-            <a:endParaRPr lang="en-US"/>
           </a:p>
         </p:txBody>
       </p:sp>
@@ -2032,7 +2024,7 @@
           <a:p>
             <a:pPr lvl="0"/>
             <a:r>
-              <a:rPr lang="en-US" smtClean="0"/>
+              <a:rPr lang="en-US"/>
               <a:t>Click to edit Master text styles</a:t>
             </a:r>
           </a:p>
@@ -2060,38 +2052,37 @@
           <a:p>
             <a:pPr lvl="0"/>
             <a:r>
-              <a:rPr lang="en-US" smtClean="0"/>
+              <a:rPr lang="en-US"/>
               <a:t>Click to edit Master text styles</a:t>
             </a:r>
           </a:p>
           <a:p>
             <a:pPr lvl="1"/>
             <a:r>
-              <a:rPr lang="en-US" smtClean="0"/>
+              <a:rPr lang="en-US"/>
               <a:t>Second level</a:t>
             </a:r>
           </a:p>
           <a:p>
             <a:pPr lvl="2"/>
             <a:r>
-              <a:rPr lang="en-US" smtClean="0"/>
+              <a:rPr lang="en-US"/>
               <a:t>Third level</a:t>
             </a:r>
           </a:p>
           <a:p>
             <a:pPr lvl="3"/>
             <a:r>
-              <a:rPr lang="en-US" smtClean="0"/>
+              <a:rPr lang="en-US"/>
               <a:t>Fourth level</a:t>
             </a:r>
           </a:p>
           <a:p>
             <a:pPr lvl="4"/>
             <a:r>
-              <a:rPr lang="en-US" smtClean="0"/>
+              <a:rPr lang="en-US"/>
               <a:t>Fifth level</a:t>
             </a:r>
-            <a:endParaRPr lang="en-US"/>
           </a:p>
         </p:txBody>
       </p:sp>
@@ -2154,7 +2145,7 @@
           <a:p>
             <a:pPr lvl="0"/>
             <a:r>
-              <a:rPr lang="en-US" smtClean="0"/>
+              <a:rPr lang="en-US"/>
               <a:t>Click to edit Master text styles</a:t>
             </a:r>
           </a:p>
@@ -2182,38 +2173,37 @@
           <a:p>
             <a:pPr lvl="0"/>
             <a:r>
-              <a:rPr lang="en-US" smtClean="0"/>
+              <a:rPr lang="en-US"/>
               <a:t>Click to edit Master text styles</a:t>
             </a:r>
           </a:p>
           <a:p>
             <a:pPr lvl="1"/>
             <a:r>
-              <a:rPr lang="en-US" smtClean="0"/>
+              <a:rPr lang="en-US"/>
               <a:t>Second level</a:t>
             </a:r>
           </a:p>
           <a:p>
             <a:pPr lvl="2"/>
             <a:r>
-              <a:rPr lang="en-US" smtClean="0"/>
+              <a:rPr lang="en-US"/>
               <a:t>Third level</a:t>
             </a:r>
           </a:p>
           <a:p>
             <a:pPr lvl="3"/>
             <a:r>
-              <a:rPr lang="en-US" smtClean="0"/>
+              <a:rPr lang="en-US"/>
               <a:t>Fourth level</a:t>
             </a:r>
           </a:p>
           <a:p>
             <a:pPr lvl="4"/>
             <a:r>
-              <a:rPr lang="en-US" smtClean="0"/>
+              <a:rPr lang="en-US"/>
               <a:t>Fifth level</a:t>
             </a:r>
-            <a:endParaRPr lang="en-US"/>
           </a:p>
         </p:txBody>
       </p:sp>
@@ -2234,7 +2224,7 @@
           <a:p>
             <a:fld id="{232015E6-04D3-AA46-8EB6-5FC99D770932}" type="datetimeFigureOut">
               <a:rPr lang="en-US" smtClean="0"/>
-              <a:t>6/21/19</a:t>
+              <a:t>6/22/2019</a:t>
             </a:fld>
             <a:endParaRPr lang="en-US"/>
           </a:p>
@@ -2328,10 +2318,9 @@
           <a:lstStyle/>
           <a:p>
             <a:r>
-              <a:rPr lang="en-US" smtClean="0"/>
+              <a:rPr lang="en-US"/>
               <a:t>Click to edit Master title style</a:t>
             </a:r>
-            <a:endParaRPr lang="en-US"/>
           </a:p>
         </p:txBody>
       </p:sp>
@@ -2352,7 +2341,7 @@
           <a:p>
             <a:fld id="{232015E6-04D3-AA46-8EB6-5FC99D770932}" type="datetimeFigureOut">
               <a:rPr lang="en-US" smtClean="0"/>
-              <a:t>6/21/19</a:t>
+              <a:t>6/22/2019</a:t>
             </a:fld>
             <a:endParaRPr lang="en-US"/>
           </a:p>
@@ -2447,7 +2436,7 @@
           <a:p>
             <a:fld id="{232015E6-04D3-AA46-8EB6-5FC99D770932}" type="datetimeFigureOut">
               <a:rPr lang="en-US" smtClean="0"/>
-              <a:t>6/21/19</a:t>
+              <a:t>6/22/2019</a:t>
             </a:fld>
             <a:endParaRPr lang="en-US"/>
           </a:p>
@@ -2550,10 +2539,9 @@
           </a:lstStyle>
           <a:p>
             <a:r>
-              <a:rPr lang="en-US" smtClean="0"/>
+              <a:rPr lang="en-US"/>
               <a:t>Click to edit Master title style</a:t>
             </a:r>
-            <a:endParaRPr lang="en-US"/>
           </a:p>
         </p:txBody>
       </p:sp>
@@ -2607,38 +2595,37 @@
           <a:p>
             <a:pPr lvl="0"/>
             <a:r>
-              <a:rPr lang="en-US" smtClean="0"/>
+              <a:rPr lang="en-US"/>
               <a:t>Click to edit Master text styles</a:t>
             </a:r>
           </a:p>
           <a:p>
             <a:pPr lvl="1"/>
             <a:r>
-              <a:rPr lang="en-US" smtClean="0"/>
+              <a:rPr lang="en-US"/>
               <a:t>Second level</a:t>
             </a:r>
           </a:p>
           <a:p>
             <a:pPr lvl="2"/>
             <a:r>
-              <a:rPr lang="en-US" smtClean="0"/>
+              <a:rPr lang="en-US"/>
               <a:t>Third level</a:t>
             </a:r>
           </a:p>
           <a:p>
             <a:pPr lvl="3"/>
             <a:r>
-              <a:rPr lang="en-US" smtClean="0"/>
+              <a:rPr lang="en-US"/>
               <a:t>Fourth level</a:t>
             </a:r>
           </a:p>
           <a:p>
             <a:pPr lvl="4"/>
             <a:r>
-              <a:rPr lang="en-US" smtClean="0"/>
+              <a:rPr lang="en-US"/>
               <a:t>Fifth level</a:t>
             </a:r>
-            <a:endParaRPr lang="en-US"/>
           </a:p>
         </p:txBody>
       </p:sp>
@@ -2701,7 +2688,7 @@
           <a:p>
             <a:pPr lvl="0"/>
             <a:r>
-              <a:rPr lang="en-US" smtClean="0"/>
+              <a:rPr lang="en-US"/>
               <a:t>Click to edit Master text styles</a:t>
             </a:r>
           </a:p>
@@ -2724,7 +2711,7 @@
           <a:p>
             <a:fld id="{232015E6-04D3-AA46-8EB6-5FC99D770932}" type="datetimeFigureOut">
               <a:rPr lang="en-US" smtClean="0"/>
-              <a:t>6/21/19</a:t>
+              <a:t>6/22/2019</a:t>
             </a:fld>
             <a:endParaRPr lang="en-US"/>
           </a:p>
@@ -2827,10 +2814,9 @@
           </a:lstStyle>
           <a:p>
             <a:r>
-              <a:rPr lang="en-US" smtClean="0"/>
+              <a:rPr lang="en-US"/>
               <a:t>Click to edit Master title style</a:t>
             </a:r>
-            <a:endParaRPr lang="en-US"/>
           </a:p>
         </p:txBody>
       </p:sp>
@@ -2954,7 +2940,7 @@
           <a:p>
             <a:pPr lvl="0"/>
             <a:r>
-              <a:rPr lang="en-US" smtClean="0"/>
+              <a:rPr lang="en-US"/>
               <a:t>Click to edit Master text styles</a:t>
             </a:r>
           </a:p>
@@ -2977,7 +2963,7 @@
           <a:p>
             <a:fld id="{232015E6-04D3-AA46-8EB6-5FC99D770932}" type="datetimeFigureOut">
               <a:rPr lang="en-US" smtClean="0"/>
-              <a:t>6/21/19</a:t>
+              <a:t>6/22/2019</a:t>
             </a:fld>
             <a:endParaRPr lang="en-US"/>
           </a:p>
@@ -3086,10 +3072,9 @@
           <a:lstStyle/>
           <a:p>
             <a:r>
-              <a:rPr lang="en-US" smtClean="0"/>
+              <a:rPr lang="en-US"/>
               <a:t>Click to edit Master title style</a:t>
             </a:r>
-            <a:endParaRPr lang="en-US"/>
           </a:p>
         </p:txBody>
       </p:sp>
@@ -3120,38 +3105,37 @@
           <a:p>
             <a:pPr lvl="0"/>
             <a:r>
-              <a:rPr lang="en-US" smtClean="0"/>
+              <a:rPr lang="en-US"/>
               <a:t>Click to edit Master text styles</a:t>
             </a:r>
           </a:p>
           <a:p>
             <a:pPr lvl="1"/>
             <a:r>
-              <a:rPr lang="en-US" smtClean="0"/>
+              <a:rPr lang="en-US"/>
               <a:t>Second level</a:t>
             </a:r>
           </a:p>
           <a:p>
             <a:pPr lvl="2"/>
             <a:r>
-              <a:rPr lang="en-US" smtClean="0"/>
+              <a:rPr lang="en-US"/>
               <a:t>Third level</a:t>
             </a:r>
           </a:p>
           <a:p>
             <a:pPr lvl="3"/>
             <a:r>
-              <a:rPr lang="en-US" smtClean="0"/>
+              <a:rPr lang="en-US"/>
               <a:t>Fourth level</a:t>
             </a:r>
           </a:p>
           <a:p>
             <a:pPr lvl="4"/>
             <a:r>
-              <a:rPr lang="en-US" smtClean="0"/>
+              <a:rPr lang="en-US"/>
               <a:t>Fifth level</a:t>
             </a:r>
-            <a:endParaRPr lang="en-US"/>
           </a:p>
         </p:txBody>
       </p:sp>
@@ -3190,7 +3174,7 @@
           <a:p>
             <a:fld id="{232015E6-04D3-AA46-8EB6-5FC99D770932}" type="datetimeFigureOut">
               <a:rPr lang="en-US" smtClean="0"/>
-              <a:t>6/21/19</a:t>
+              <a:t>6/22/2019</a:t>
             </a:fld>
             <a:endParaRPr lang="en-US"/>
           </a:p>
@@ -3632,10 +3616,9 @@
           <a:p>
             <a:pPr algn="ctr"/>
             <a:r>
-              <a:rPr lang="en-US" sz="3600" dirty="0" smtClean="0"/>
+              <a:rPr lang="en-US" sz="3600" dirty="0"/>
               <a:t>Scalable, shared storage HDFS</a:t>
             </a:r>
-            <a:endParaRPr lang="en-US" sz="3600" dirty="0"/>
           </a:p>
         </p:txBody>
       </p:sp>
@@ -3933,18 +3916,13 @@
           <a:p>
             <a:pPr algn="ctr"/>
             <a:r>
-              <a:rPr lang="en-US" sz="3600" dirty="0" smtClean="0">
+              <a:rPr lang="en-US" sz="3600" dirty="0">
                 <a:solidFill>
                   <a:schemeClr val="tx1"/>
                 </a:solidFill>
               </a:rPr>
               <a:t>Spark</a:t>
             </a:r>
-            <a:endParaRPr lang="en-US" sz="3600" dirty="0">
-              <a:solidFill>
-                <a:schemeClr val="tx1"/>
-              </a:solidFill>
-            </a:endParaRPr>
           </a:p>
         </p:txBody>
       </p:sp>
@@ -3993,18 +3971,13 @@
           <a:p>
             <a:pPr algn="ctr"/>
             <a:r>
-              <a:rPr lang="en-US" sz="3600" dirty="0" smtClean="0">
+              <a:rPr lang="en-US" sz="3600" dirty="0">
                 <a:solidFill>
                   <a:schemeClr val="tx1"/>
                 </a:solidFill>
               </a:rPr>
               <a:t>Spark</a:t>
             </a:r>
-            <a:endParaRPr lang="en-US" sz="3600" dirty="0">
-              <a:solidFill>
-                <a:schemeClr val="tx1"/>
-              </a:solidFill>
-            </a:endParaRPr>
           </a:p>
         </p:txBody>
       </p:sp>
@@ -4253,10 +4226,9 @@
           <a:lstStyle/>
           <a:p>
             <a:r>
-              <a:rPr lang="en-US" sz="2400" dirty="0" smtClean="0"/>
+              <a:rPr lang="en-US" sz="2400" dirty="0"/>
               <a:t>Ingest</a:t>
             </a:r>
-            <a:endParaRPr lang="en-US" sz="2400" dirty="0"/>
           </a:p>
         </p:txBody>
       </p:sp>
@@ -4283,7 +4255,7 @@
           <a:lstStyle/>
           <a:p>
             <a:r>
-              <a:rPr lang="en-US" sz="2400" smtClean="0"/>
+              <a:rPr lang="en-US" sz="2400"/>
               <a:t>Store</a:t>
             </a:r>
             <a:endParaRPr lang="en-US" sz="2400" dirty="0"/>
@@ -4313,7 +4285,7 @@
           <a:lstStyle/>
           <a:p>
             <a:r>
-              <a:rPr lang="en-US" sz="2400" smtClean="0"/>
+              <a:rPr lang="en-US" sz="2400"/>
               <a:t>Prep &amp; train</a:t>
             </a:r>
             <a:endParaRPr lang="en-US" sz="2400" dirty="0"/>
@@ -4344,17 +4316,16 @@
           <a:p>
             <a:pPr algn="ctr"/>
             <a:r>
-              <a:rPr lang="en-US" sz="2400" dirty="0" smtClean="0"/>
+              <a:rPr lang="en-US" sz="2400" dirty="0"/>
               <a:t>Model &amp;</a:t>
             </a:r>
           </a:p>
           <a:p>
             <a:pPr algn="ctr"/>
             <a:r>
-              <a:rPr lang="en-US" sz="2400" dirty="0" smtClean="0"/>
+              <a:rPr lang="en-US" sz="2400" dirty="0"/>
               <a:t>serve</a:t>
             </a:r>
-            <a:endParaRPr lang="en-US" sz="2400" dirty="0"/>
           </a:p>
         </p:txBody>
       </p:sp>
@@ -4577,17 +4548,16 @@
           <a:p>
             <a:pPr algn="ctr"/>
             <a:r>
-              <a:rPr lang="en-US" sz="2400" dirty="0" smtClean="0"/>
+              <a:rPr lang="en-US" sz="2400" dirty="0"/>
               <a:t>SQL Server</a:t>
             </a:r>
           </a:p>
           <a:p>
             <a:pPr algn="ctr"/>
             <a:r>
-              <a:rPr lang="en-US" sz="2400" dirty="0" smtClean="0"/>
+              <a:rPr lang="en-US" sz="2400" dirty="0"/>
               <a:t>data pools</a:t>
             </a:r>
-            <a:endParaRPr lang="en-US" sz="2400" dirty="0"/>
           </a:p>
         </p:txBody>
       </p:sp>
@@ -4614,7 +4584,7 @@
           <a:lstStyle/>
           <a:p>
             <a:r>
-              <a:rPr lang="en-US" sz="2400" smtClean="0"/>
+              <a:rPr lang="en-US" sz="2400"/>
               <a:t>HDFS</a:t>
             </a:r>
             <a:endParaRPr lang="en-US" sz="2400" dirty="0"/>
@@ -4645,10 +4615,9 @@
           <a:p>
             <a:pPr algn="ctr"/>
             <a:r>
-              <a:rPr lang="en-US" sz="2400" dirty="0" smtClean="0"/>
+              <a:rPr lang="en-US" sz="2400" dirty="0"/>
               <a:t>Machine Learning Services</a:t>
             </a:r>
-            <a:endParaRPr lang="en-US" sz="2400" dirty="0"/>
           </a:p>
         </p:txBody>
       </p:sp>
@@ -4711,24 +4680,23 @@
           <a:p>
             <a:pPr algn="ctr"/>
             <a:r>
-              <a:rPr lang="en-US" sz="2400" dirty="0" smtClean="0"/>
+              <a:rPr lang="en-US" sz="2400" dirty="0"/>
               <a:t>SQL Server</a:t>
             </a:r>
           </a:p>
           <a:p>
             <a:pPr algn="ctr"/>
             <a:r>
-              <a:rPr lang="en-US" sz="2400" dirty="0" smtClean="0"/>
+              <a:rPr lang="en-US" sz="2400" dirty="0"/>
               <a:t>master</a:t>
             </a:r>
           </a:p>
           <a:p>
             <a:pPr algn="ctr"/>
             <a:r>
-              <a:rPr lang="en-US" sz="2400" dirty="0" smtClean="0"/>
+              <a:rPr lang="en-US" sz="2400" dirty="0"/>
               <a:t>instance</a:t>
             </a:r>
-            <a:endParaRPr lang="en-US" sz="2400" dirty="0"/>
           </a:p>
         </p:txBody>
       </p:sp>
@@ -4790,7 +4758,7 @@
           <a:lstStyle/>
           <a:p>
             <a:r>
-              <a:rPr lang="en-US" sz="2400" smtClean="0"/>
+              <a:rPr lang="en-US" sz="2400"/>
               <a:t>Kafka</a:t>
             </a:r>
             <a:endParaRPr lang="en-US" sz="2400" dirty="0"/>
@@ -4991,24 +4959,23 @@
           <a:p>
             <a:pPr algn="ctr"/>
             <a:r>
-              <a:rPr lang="en-US" sz="2400" dirty="0" smtClean="0"/>
+              <a:rPr lang="en-US" sz="2400" dirty="0"/>
               <a:t>Logs, files</a:t>
             </a:r>
           </a:p>
           <a:p>
             <a:pPr algn="ctr"/>
             <a:r>
-              <a:rPr lang="en-US" sz="2400" dirty="0" smtClean="0"/>
+              <a:rPr lang="en-US" sz="2400" dirty="0"/>
               <a:t>and media</a:t>
             </a:r>
           </a:p>
           <a:p>
             <a:pPr algn="ctr"/>
             <a:r>
-              <a:rPr lang="en-US" sz="2400" dirty="0" smtClean="0"/>
+              <a:rPr lang="en-US" sz="2400" dirty="0"/>
               <a:t>(unstructured)</a:t>
             </a:r>
-            <a:endParaRPr lang="en-US" sz="2400" dirty="0"/>
           </a:p>
         </p:txBody>
       </p:sp>
@@ -5036,17 +5003,16 @@
           <a:p>
             <a:pPr algn="ctr"/>
             <a:r>
-              <a:rPr lang="en-US" sz="2400" dirty="0" smtClean="0"/>
+              <a:rPr lang="en-US" sz="2400" dirty="0"/>
               <a:t>Sensors and IoT</a:t>
             </a:r>
           </a:p>
           <a:p>
             <a:pPr algn="ctr"/>
             <a:r>
-              <a:rPr lang="en-US" sz="2400" dirty="0" smtClean="0"/>
+              <a:rPr lang="en-US" sz="2400" dirty="0"/>
               <a:t>(unstructured)</a:t>
             </a:r>
-            <a:endParaRPr lang="en-US" sz="2400" dirty="0"/>
           </a:p>
         </p:txBody>
       </p:sp>
@@ -5074,28 +5040,27 @@
           <a:p>
             <a:pPr algn="ctr"/>
             <a:r>
-              <a:rPr lang="en-US" sz="2400" smtClean="0"/>
+              <a:rPr lang="en-US" sz="2400"/>
               <a:t>Business /</a:t>
             </a:r>
             <a:br>
-              <a:rPr lang="en-US" sz="2400" smtClean="0"/>
+              <a:rPr lang="en-US" sz="2400"/>
             </a:br>
             <a:r>
-              <a:rPr lang="en-US" sz="2400" smtClean="0"/>
+              <a:rPr lang="en-US" sz="2400"/>
               <a:t>custom </a:t>
             </a:r>
             <a:r>
-              <a:rPr lang="en-US" sz="2400" dirty="0" smtClean="0"/>
+              <a:rPr lang="en-US" sz="2400" dirty="0"/>
               <a:t>apps</a:t>
             </a:r>
           </a:p>
           <a:p>
             <a:pPr algn="ctr"/>
             <a:r>
-              <a:rPr lang="en-US" sz="2400" dirty="0" smtClean="0"/>
+              <a:rPr lang="en-US" sz="2400" dirty="0"/>
               <a:t>(structured)</a:t>
             </a:r>
-            <a:endParaRPr lang="en-US" sz="2400" dirty="0"/>
           </a:p>
         </p:txBody>
       </p:sp>
@@ -5405,17 +5370,16 @@
           <a:p>
             <a:pPr algn="ctr"/>
             <a:r>
-              <a:rPr lang="en-US" sz="2400" dirty="0" smtClean="0"/>
+              <a:rPr lang="en-US" sz="2400" dirty="0"/>
               <a:t>Predictive</a:t>
             </a:r>
           </a:p>
           <a:p>
             <a:pPr algn="ctr"/>
             <a:r>
-              <a:rPr lang="en-US" sz="2400" dirty="0" smtClean="0"/>
+              <a:rPr lang="en-US" sz="2400" dirty="0"/>
               <a:t>apps</a:t>
             </a:r>
-            <a:endParaRPr lang="en-US" sz="2400" dirty="0"/>
           </a:p>
         </p:txBody>
       </p:sp>
@@ -5443,10 +5407,9 @@
           <a:p>
             <a:pPr algn="ctr"/>
             <a:r>
-              <a:rPr lang="en-US" sz="2400" dirty="0" smtClean="0"/>
+              <a:rPr lang="en-US" sz="2400" dirty="0"/>
               <a:t>BI tools</a:t>
             </a:r>
-            <a:endParaRPr lang="en-US" sz="2400" dirty="0"/>
           </a:p>
         </p:txBody>
       </p:sp>
@@ -5579,10 +5542,9 @@
           <a:p>
             <a:pPr algn="ctr"/>
             <a:r>
-              <a:rPr lang="en-US" dirty="0" smtClean="0"/>
+              <a:rPr lang="en-US" dirty="0"/>
               <a:t>Compute Plane</a:t>
             </a:r>
-            <a:endParaRPr lang="en-US" dirty="0"/>
           </a:p>
         </p:txBody>
       </p:sp>
@@ -5629,7 +5591,7 @@
           <a:p>
             <a:pPr algn="ctr"/>
             <a:r>
-              <a:rPr lang="en-US" dirty="0" smtClean="0">
+              <a:rPr lang="en-US" dirty="0">
                 <a:solidFill>
                   <a:schemeClr val="accent1">
                     <a:lumMod val="75000"/>
@@ -5638,13 +5600,6 @@
               </a:rPr>
               <a:t>Control Plane</a:t>
             </a:r>
-            <a:endParaRPr lang="en-US" dirty="0">
-              <a:solidFill>
-                <a:schemeClr val="accent1">
-                  <a:lumMod val="75000"/>
-                </a:schemeClr>
-              </a:solidFill>
-            </a:endParaRPr>
           </a:p>
         </p:txBody>
       </p:sp>
@@ -5691,18 +5646,13 @@
           <a:p>
             <a:pPr algn="ctr"/>
             <a:r>
-              <a:rPr lang="en-US" dirty="0" smtClean="0">
+              <a:rPr lang="en-US" dirty="0">
                 <a:solidFill>
                   <a:srgbClr val="7030A0"/>
                 </a:solidFill>
               </a:rPr>
               <a:t>Data Plane</a:t>
             </a:r>
-            <a:endParaRPr lang="en-US" dirty="0">
-              <a:solidFill>
-                <a:srgbClr val="7030A0"/>
-              </a:solidFill>
-            </a:endParaRPr>
           </a:p>
         </p:txBody>
       </p:sp>
@@ -5742,10 +5692,9 @@
           <a:p>
             <a:pPr algn="ctr"/>
             <a:r>
-              <a:rPr lang="en-US" dirty="0" smtClean="0"/>
+              <a:rPr lang="en-US" dirty="0"/>
               <a:t>Node: Kubernetes Master</a:t>
             </a:r>
-            <a:endParaRPr lang="en-US" dirty="0"/>
           </a:p>
         </p:txBody>
       </p:sp>
@@ -5942,10 +5891,9 @@
           <a:p>
             <a:pPr algn="ctr"/>
             <a:r>
-              <a:rPr lang="en-US" sz="1600" dirty="0" smtClean="0"/>
+              <a:rPr lang="en-US" sz="1600" dirty="0"/>
               <a:t>Hive</a:t>
             </a:r>
-            <a:endParaRPr lang="en-US" sz="1600" dirty="0"/>
           </a:p>
         </p:txBody>
       </p:sp>
@@ -5992,10 +5940,9 @@
           <a:p>
             <a:pPr algn="ctr"/>
             <a:r>
-              <a:rPr lang="en-US" sz="1600" dirty="0" smtClean="0"/>
+              <a:rPr lang="en-US" sz="1600" dirty="0"/>
               <a:t>Ranger</a:t>
             </a:r>
-            <a:endParaRPr lang="en-US" sz="1600" dirty="0"/>
           </a:p>
         </p:txBody>
       </p:sp>
@@ -6042,10 +5989,9 @@
           <a:p>
             <a:pPr algn="ctr"/>
             <a:r>
-              <a:rPr lang="en-US" sz="1600" dirty="0" smtClean="0"/>
+              <a:rPr lang="en-US" sz="1600" dirty="0"/>
               <a:t>Knox Gateway</a:t>
             </a:r>
-            <a:endParaRPr lang="en-US" sz="1600" dirty="0"/>
           </a:p>
         </p:txBody>
       </p:sp>
@@ -6092,14 +6038,13 @@
           <a:p>
             <a:pPr algn="ctr"/>
             <a:r>
-              <a:rPr lang="en-US" sz="1600" dirty="0" err="1" smtClean="0"/>
+              <a:rPr lang="en-US" sz="1600" dirty="0" err="1"/>
               <a:t>Kibana</a:t>
             </a:r>
             <a:r>
-              <a:rPr lang="en-US" sz="1600" dirty="0" smtClean="0"/>
+              <a:rPr lang="en-US" sz="1600" dirty="0"/>
               <a:t> Dashboard</a:t>
             </a:r>
-            <a:endParaRPr lang="en-US" sz="1600" dirty="0"/>
           </a:p>
         </p:txBody>
       </p:sp>
@@ -6146,14 +6091,13 @@
           <a:p>
             <a:pPr algn="ctr"/>
             <a:r>
-              <a:rPr lang="en-US" sz="1600" dirty="0" err="1" smtClean="0"/>
+              <a:rPr lang="en-US" sz="1600" dirty="0" err="1"/>
               <a:t>Grafana</a:t>
             </a:r>
             <a:r>
-              <a:rPr lang="en-US" sz="1600" dirty="0" smtClean="0"/>
+              <a:rPr lang="en-US" sz="1600" dirty="0"/>
               <a:t> Dashboard</a:t>
             </a:r>
-            <a:endParaRPr lang="en-US" sz="1600" dirty="0"/>
           </a:p>
         </p:txBody>
       </p:sp>
@@ -6200,7 +6144,7 @@
           <a:p>
             <a:pPr algn="ctr"/>
             <a:r>
-              <a:rPr lang="en-US" sz="1600" smtClean="0"/>
+              <a:rPr lang="en-US" sz="1600"/>
               <a:t>Cluster Admin Portal</a:t>
             </a:r>
             <a:endParaRPr lang="en-US" sz="1600" dirty="0"/>
@@ -6252,10 +6196,9 @@
           <a:p>
             <a:pPr algn="ctr"/>
             <a:r>
-              <a:rPr lang="en-US" sz="1600" dirty="0" smtClean="0"/>
+              <a:rPr lang="en-US" sz="1600" dirty="0"/>
               <a:t>SQL Proxy</a:t>
             </a:r>
-            <a:endParaRPr lang="en-US" sz="1600" dirty="0"/>
           </a:p>
         </p:txBody>
       </p:sp>
@@ -6304,10 +6247,9 @@
           <a:p>
             <a:pPr algn="ctr"/>
             <a:r>
-              <a:rPr lang="en-US" sz="1600" dirty="0" smtClean="0"/>
+              <a:rPr lang="en-US" sz="1600" dirty="0"/>
               <a:t>SQL Server Master Instance</a:t>
             </a:r>
-            <a:endParaRPr lang="en-US" sz="1600" dirty="0"/>
           </a:p>
         </p:txBody>
       </p:sp>
@@ -6356,7 +6298,7 @@
           <a:lstStyle/>
           <a:p>
             <a:r>
-              <a:rPr lang="en-US" dirty="0" smtClean="0"/>
+              <a:rPr lang="en-US" dirty="0"/>
               <a:t>Compute Pool</a:t>
             </a:r>
           </a:p>
@@ -6364,14 +6306,14 @@
             <a:endParaRPr lang="en-US" dirty="0"/>
           </a:p>
           <a:p>
-            <a:endParaRPr lang="en-US" dirty="0" smtClean="0"/>
-          </a:p>
-          <a:p>
-            <a:endParaRPr lang="en-US" sz="1400" dirty="0" smtClean="0"/>
-          </a:p>
-          <a:p>
-            <a:r>
-              <a:rPr lang="en-US" sz="1400" dirty="0" smtClean="0"/>
+            <a:endParaRPr lang="en-US" dirty="0"/>
+          </a:p>
+          <a:p>
+            <a:endParaRPr lang="en-US" sz="1400" dirty="0"/>
+          </a:p>
+          <a:p>
+            <a:r>
+              <a:rPr lang="en-US" sz="1400" dirty="0"/>
               <a:t>Coordinator</a:t>
             </a:r>
             <a:endParaRPr lang="en-US" dirty="0"/>
@@ -6425,18 +6367,13 @@
           <a:lstStyle/>
           <a:p>
             <a:r>
-              <a:rPr lang="en-US" sz="1600" dirty="0" smtClean="0">
+              <a:rPr lang="en-US" sz="1600" dirty="0">
                 <a:solidFill>
                   <a:schemeClr val="tx1"/>
                 </a:solidFill>
               </a:rPr>
               <a:t>Pod</a:t>
             </a:r>
-            <a:endParaRPr lang="en-US" sz="1600" dirty="0">
-              <a:solidFill>
-                <a:schemeClr val="tx1"/>
-              </a:solidFill>
-            </a:endParaRPr>
           </a:p>
         </p:txBody>
       </p:sp>
@@ -6485,10 +6422,9 @@
           <a:p>
             <a:pPr algn="ctr"/>
             <a:r>
-              <a:rPr lang="en-US" sz="1600" dirty="0" smtClean="0"/>
+              <a:rPr lang="en-US" sz="1600" dirty="0"/>
               <a:t>SQL</a:t>
             </a:r>
-            <a:endParaRPr lang="en-US" sz="1600" dirty="0"/>
           </a:p>
         </p:txBody>
       </p:sp>
@@ -6594,10 +6530,9 @@
           <a:p>
             <a:pPr algn="ctr"/>
             <a:r>
-              <a:rPr lang="en-US" sz="1600" dirty="0" smtClean="0"/>
+              <a:rPr lang="en-US" sz="1600" dirty="0"/>
               <a:t>SQL</a:t>
             </a:r>
-            <a:endParaRPr lang="en-US" sz="1600" dirty="0"/>
           </a:p>
         </p:txBody>
       </p:sp>
@@ -6703,10 +6638,9 @@
           <a:p>
             <a:pPr algn="ctr"/>
             <a:r>
-              <a:rPr lang="en-US" sz="1600" dirty="0" smtClean="0"/>
+              <a:rPr lang="en-US" sz="1600" dirty="0"/>
               <a:t>SQL</a:t>
             </a:r>
-            <a:endParaRPr lang="en-US" sz="1600" dirty="0"/>
           </a:p>
         </p:txBody>
       </p:sp>
@@ -6812,10 +6746,9 @@
           <a:p>
             <a:pPr algn="ctr"/>
             <a:r>
-              <a:rPr lang="en-US" sz="1600" dirty="0" smtClean="0"/>
+              <a:rPr lang="en-US" sz="1600" dirty="0"/>
               <a:t>SQL</a:t>
             </a:r>
-            <a:endParaRPr lang="en-US" sz="1600" dirty="0"/>
           </a:p>
         </p:txBody>
       </p:sp>
@@ -6864,7 +6797,7 @@
           <a:lstStyle/>
           <a:p>
             <a:r>
-              <a:rPr lang="en-US" dirty="0" smtClean="0"/>
+              <a:rPr lang="en-US" dirty="0"/>
               <a:t>Compute Pool</a:t>
             </a:r>
           </a:p>
@@ -6872,10 +6805,10 @@
             <a:endParaRPr lang="en-US" dirty="0"/>
           </a:p>
           <a:p>
-            <a:endParaRPr lang="en-US" dirty="0" smtClean="0"/>
-          </a:p>
-          <a:p>
-            <a:endParaRPr lang="en-US" sz="1400" dirty="0" smtClean="0"/>
+            <a:endParaRPr lang="en-US" dirty="0"/>
+          </a:p>
+          <a:p>
+            <a:endParaRPr lang="en-US" sz="1400" dirty="0"/>
           </a:p>
           <a:p>
             <a:endParaRPr lang="en-US" dirty="0"/>
@@ -6929,18 +6862,13 @@
           <a:lstStyle/>
           <a:p>
             <a:r>
-              <a:rPr lang="en-US" sz="1600" dirty="0" smtClean="0">
+              <a:rPr lang="en-US" sz="1600" dirty="0">
                 <a:solidFill>
                   <a:schemeClr val="tx1"/>
                 </a:solidFill>
               </a:rPr>
               <a:t>Pod</a:t>
             </a:r>
-            <a:endParaRPr lang="en-US" sz="1600" dirty="0">
-              <a:solidFill>
-                <a:schemeClr val="tx1"/>
-              </a:solidFill>
-            </a:endParaRPr>
           </a:p>
         </p:txBody>
       </p:sp>
@@ -6989,10 +6917,9 @@
           <a:p>
             <a:pPr algn="ctr"/>
             <a:r>
-              <a:rPr lang="en-US" sz="1600" dirty="0" smtClean="0"/>
+              <a:rPr lang="en-US" sz="1600" dirty="0"/>
               <a:t>SQL</a:t>
             </a:r>
-            <a:endParaRPr lang="en-US" sz="1600" dirty="0"/>
           </a:p>
         </p:txBody>
       </p:sp>
@@ -7098,10 +7025,9 @@
           <a:p>
             <a:pPr algn="ctr"/>
             <a:r>
-              <a:rPr lang="en-US" sz="1600" dirty="0" smtClean="0"/>
+              <a:rPr lang="en-US" sz="1600" dirty="0"/>
               <a:t>SQL</a:t>
             </a:r>
-            <a:endParaRPr lang="en-US" sz="1600" dirty="0"/>
           </a:p>
         </p:txBody>
       </p:sp>
@@ -7207,10 +7133,9 @@
           <a:p>
             <a:pPr algn="ctr"/>
             <a:r>
-              <a:rPr lang="en-US" sz="1600" dirty="0" smtClean="0"/>
+              <a:rPr lang="en-US" sz="1600" dirty="0"/>
               <a:t>SQL</a:t>
             </a:r>
-            <a:endParaRPr lang="en-US" sz="1600" dirty="0"/>
           </a:p>
         </p:txBody>
       </p:sp>
@@ -7316,10 +7241,9 @@
           <a:p>
             <a:pPr algn="ctr"/>
             <a:r>
-              <a:rPr lang="en-US" sz="1600" dirty="0" smtClean="0"/>
+              <a:rPr lang="en-US" sz="1600" dirty="0"/>
               <a:t>SQL</a:t>
             </a:r>
-            <a:endParaRPr lang="en-US" sz="1600" dirty="0"/>
           </a:p>
         </p:txBody>
       </p:sp>
@@ -7370,18 +7294,13 @@
           <a:lstStyle/>
           <a:p>
             <a:r>
-              <a:rPr lang="en-US" sz="1600" dirty="0" smtClean="0">
+              <a:rPr lang="en-US" sz="1600" dirty="0">
                 <a:solidFill>
                   <a:schemeClr val="tx1"/>
                 </a:solidFill>
               </a:rPr>
               <a:t>Pod</a:t>
             </a:r>
-            <a:endParaRPr lang="en-US" sz="1600" dirty="0">
-              <a:solidFill>
-                <a:schemeClr val="tx1"/>
-              </a:solidFill>
-            </a:endParaRPr>
           </a:p>
         </p:txBody>
       </p:sp>
@@ -7430,10 +7349,9 @@
           <a:p>
             <a:pPr algn="ctr"/>
             <a:r>
-              <a:rPr lang="en-US" sz="1600" dirty="0" smtClean="0"/>
+              <a:rPr lang="en-US" sz="1600" dirty="0"/>
               <a:t>SQL</a:t>
             </a:r>
-            <a:endParaRPr lang="en-US" sz="1600" dirty="0"/>
           </a:p>
         </p:txBody>
       </p:sp>
@@ -7482,7 +7400,7 @@
           <a:lstStyle/>
           <a:p>
             <a:r>
-              <a:rPr lang="en-US" dirty="0" smtClean="0"/>
+              <a:rPr lang="en-US" dirty="0"/>
               <a:t>Storage Pool</a:t>
             </a:r>
           </a:p>
@@ -7490,10 +7408,10 @@
             <a:endParaRPr lang="en-US" dirty="0"/>
           </a:p>
           <a:p>
-            <a:endParaRPr lang="en-US" dirty="0" smtClean="0"/>
-          </a:p>
-          <a:p>
-            <a:endParaRPr lang="en-US" sz="1400" dirty="0" smtClean="0"/>
+            <a:endParaRPr lang="en-US" dirty="0"/>
+          </a:p>
+          <a:p>
+            <a:endParaRPr lang="en-US" sz="1400" dirty="0"/>
           </a:p>
           <a:p>
             <a:endParaRPr lang="en-US" dirty="0"/>
@@ -7547,7 +7465,7 @@
           <a:lstStyle/>
           <a:p>
             <a:r>
-              <a:rPr lang="en-US" sz="1600" dirty="0" smtClean="0">
+              <a:rPr lang="en-US" sz="1600" dirty="0">
                 <a:solidFill>
                   <a:schemeClr val="tx1"/>
                 </a:solidFill>
@@ -7555,25 +7473,20 @@
               <a:t>Storage</a:t>
             </a:r>
             <a:br>
-              <a:rPr lang="en-US" sz="1600" dirty="0" smtClean="0">
+              <a:rPr lang="en-US" sz="1600" dirty="0">
                 <a:solidFill>
                   <a:schemeClr val="tx1"/>
                 </a:solidFill>
               </a:rPr>
             </a:br>
             <a:r>
-              <a:rPr lang="en-US" sz="1600" dirty="0" smtClean="0">
+              <a:rPr lang="en-US" sz="1600" dirty="0">
                 <a:solidFill>
                   <a:schemeClr val="tx1"/>
                 </a:solidFill>
               </a:rPr>
               <a:t>Node</a:t>
             </a:r>
-            <a:endParaRPr lang="en-US" sz="1600" dirty="0">
-              <a:solidFill>
-                <a:schemeClr val="tx1"/>
-              </a:solidFill>
-            </a:endParaRPr>
           </a:p>
         </p:txBody>
       </p:sp>
@@ -7622,10 +7535,9 @@
           <a:p>
             <a:pPr algn="ctr"/>
             <a:r>
-              <a:rPr lang="en-US" sz="1600" dirty="0" smtClean="0"/>
+              <a:rPr lang="en-US" sz="1600" dirty="0"/>
               <a:t>SQL</a:t>
             </a:r>
-            <a:endParaRPr lang="en-US" sz="1600" dirty="0"/>
           </a:p>
         </p:txBody>
       </p:sp>
@@ -7672,7 +7584,7 @@
           <a:p>
             <a:pPr algn="ctr"/>
             <a:r>
-              <a:rPr lang="en-US" sz="1600" smtClean="0"/>
+              <a:rPr lang="en-US" sz="1600"/>
               <a:t>HDFS</a:t>
             </a:r>
             <a:endParaRPr lang="en-US" sz="1600" dirty="0"/>
@@ -7722,10 +7634,9 @@
           <a:p>
             <a:pPr algn="ctr"/>
             <a:r>
-              <a:rPr lang="en-US" sz="1600" dirty="0" smtClean="0"/>
+              <a:rPr lang="en-US" sz="1600" dirty="0"/>
               <a:t>Spark</a:t>
             </a:r>
-            <a:endParaRPr lang="en-US" sz="1600" dirty="0"/>
           </a:p>
         </p:txBody>
       </p:sp>
@@ -7776,7 +7687,7 @@
           <a:lstStyle/>
           <a:p>
             <a:r>
-              <a:rPr lang="en-US" sz="1600" dirty="0" smtClean="0">
+              <a:rPr lang="en-US" sz="1600" dirty="0">
                 <a:solidFill>
                   <a:schemeClr val="tx1"/>
                 </a:solidFill>
@@ -7784,25 +7695,20 @@
               <a:t>Storage</a:t>
             </a:r>
             <a:br>
-              <a:rPr lang="en-US" sz="1600" dirty="0" smtClean="0">
+              <a:rPr lang="en-US" sz="1600" dirty="0">
                 <a:solidFill>
                   <a:schemeClr val="tx1"/>
                 </a:solidFill>
               </a:rPr>
             </a:br>
             <a:r>
-              <a:rPr lang="en-US" sz="1600" dirty="0" smtClean="0">
+              <a:rPr lang="en-US" sz="1600" dirty="0">
                 <a:solidFill>
                   <a:schemeClr val="tx1"/>
                 </a:solidFill>
               </a:rPr>
               <a:t>Node</a:t>
             </a:r>
-            <a:endParaRPr lang="en-US" sz="1600" dirty="0">
-              <a:solidFill>
-                <a:schemeClr val="tx1"/>
-              </a:solidFill>
-            </a:endParaRPr>
           </a:p>
         </p:txBody>
       </p:sp>
@@ -7851,10 +7757,9 @@
           <a:p>
             <a:pPr algn="ctr"/>
             <a:r>
-              <a:rPr lang="en-US" sz="1600" dirty="0" smtClean="0"/>
+              <a:rPr lang="en-US" sz="1600" dirty="0"/>
               <a:t>SQL</a:t>
             </a:r>
-            <a:endParaRPr lang="en-US" sz="1600" dirty="0"/>
           </a:p>
         </p:txBody>
       </p:sp>
@@ -7901,7 +7806,7 @@
           <a:p>
             <a:pPr algn="ctr"/>
             <a:r>
-              <a:rPr lang="en-US" sz="1600" smtClean="0"/>
+              <a:rPr lang="en-US" sz="1600"/>
               <a:t>HDFS</a:t>
             </a:r>
             <a:endParaRPr lang="en-US" sz="1600" dirty="0"/>
@@ -7951,10 +7856,9 @@
           <a:p>
             <a:pPr algn="ctr"/>
             <a:r>
-              <a:rPr lang="en-US" sz="1600" dirty="0" smtClean="0"/>
+              <a:rPr lang="en-US" sz="1600" dirty="0"/>
               <a:t>Spark</a:t>
             </a:r>
-            <a:endParaRPr lang="en-US" sz="1600" dirty="0"/>
           </a:p>
         </p:txBody>
       </p:sp>
@@ -8005,7 +7909,7 @@
           <a:lstStyle/>
           <a:p>
             <a:r>
-              <a:rPr lang="en-US" sz="1600" dirty="0" smtClean="0">
+              <a:rPr lang="en-US" sz="1600" dirty="0">
                 <a:solidFill>
                   <a:schemeClr val="tx1"/>
                 </a:solidFill>
@@ -8013,25 +7917,20 @@
               <a:t>Storage</a:t>
             </a:r>
             <a:br>
-              <a:rPr lang="en-US" sz="1600" dirty="0" smtClean="0">
+              <a:rPr lang="en-US" sz="1600" dirty="0">
                 <a:solidFill>
                   <a:schemeClr val="tx1"/>
                 </a:solidFill>
               </a:rPr>
             </a:br>
             <a:r>
-              <a:rPr lang="en-US" sz="1600" dirty="0" smtClean="0">
+              <a:rPr lang="en-US" sz="1600" dirty="0">
                 <a:solidFill>
                   <a:schemeClr val="tx1"/>
                 </a:solidFill>
               </a:rPr>
               <a:t>Node</a:t>
             </a:r>
-            <a:endParaRPr lang="en-US" sz="1600" dirty="0">
-              <a:solidFill>
-                <a:schemeClr val="tx1"/>
-              </a:solidFill>
-            </a:endParaRPr>
           </a:p>
         </p:txBody>
       </p:sp>
@@ -8080,10 +7979,9 @@
           <a:p>
             <a:pPr algn="ctr"/>
             <a:r>
-              <a:rPr lang="en-US" sz="1600" dirty="0" smtClean="0"/>
+              <a:rPr lang="en-US" sz="1600" dirty="0"/>
               <a:t>SQL</a:t>
             </a:r>
-            <a:endParaRPr lang="en-US" sz="1600" dirty="0"/>
           </a:p>
         </p:txBody>
       </p:sp>
@@ -8130,7 +8028,7 @@
           <a:p>
             <a:pPr algn="ctr"/>
             <a:r>
-              <a:rPr lang="en-US" sz="1600" smtClean="0"/>
+              <a:rPr lang="en-US" sz="1600"/>
               <a:t>HDFS</a:t>
             </a:r>
             <a:endParaRPr lang="en-US" sz="1600" dirty="0"/>
@@ -8180,10 +8078,9 @@
           <a:p>
             <a:pPr algn="ctr"/>
             <a:r>
-              <a:rPr lang="en-US" sz="1600" dirty="0" smtClean="0"/>
+              <a:rPr lang="en-US" sz="1600" dirty="0"/>
               <a:t>Spark</a:t>
             </a:r>
-            <a:endParaRPr lang="en-US" sz="1600" dirty="0"/>
           </a:p>
         </p:txBody>
       </p:sp>
@@ -8306,7 +8203,7 @@
           <a:lstStyle/>
           <a:p>
             <a:r>
-              <a:rPr lang="en-US" dirty="0" smtClean="0"/>
+              <a:rPr lang="en-US" dirty="0"/>
               <a:t>SQL Data Pool</a:t>
             </a:r>
           </a:p>
@@ -8314,10 +8211,10 @@
             <a:endParaRPr lang="en-US" dirty="0"/>
           </a:p>
           <a:p>
-            <a:endParaRPr lang="en-US" dirty="0" smtClean="0"/>
-          </a:p>
-          <a:p>
-            <a:endParaRPr lang="en-US" sz="1400" dirty="0" smtClean="0"/>
+            <a:endParaRPr lang="en-US" dirty="0"/>
+          </a:p>
+          <a:p>
+            <a:endParaRPr lang="en-US" sz="1400" dirty="0"/>
           </a:p>
           <a:p>
             <a:endParaRPr lang="en-US" dirty="0"/>
@@ -8371,18 +8268,13 @@
           <a:lstStyle/>
           <a:p>
             <a:r>
-              <a:rPr lang="en-US" sz="1600" dirty="0" smtClean="0">
+              <a:rPr lang="en-US" sz="1600" dirty="0">
                 <a:solidFill>
                   <a:schemeClr val="tx1"/>
                 </a:solidFill>
               </a:rPr>
               <a:t>SQL Node</a:t>
             </a:r>
-            <a:endParaRPr lang="en-US" sz="1600" dirty="0">
-              <a:solidFill>
-                <a:schemeClr val="tx1"/>
-              </a:solidFill>
-            </a:endParaRPr>
           </a:p>
         </p:txBody>
       </p:sp>
@@ -8431,10 +8323,9 @@
           <a:p>
             <a:pPr algn="ctr"/>
             <a:r>
-              <a:rPr lang="en-US" sz="1600" dirty="0" smtClean="0"/>
+              <a:rPr lang="en-US" sz="1600" dirty="0"/>
               <a:t>SQL</a:t>
             </a:r>
-            <a:endParaRPr lang="en-US" sz="1600" dirty="0"/>
           </a:p>
         </p:txBody>
       </p:sp>
@@ -8596,18 +8487,13 @@
           <a:lstStyle/>
           <a:p>
             <a:r>
-              <a:rPr lang="en-US" sz="1600" dirty="0" smtClean="0">
+              <a:rPr lang="en-US" sz="1600" dirty="0">
                 <a:solidFill>
                   <a:schemeClr val="tx1"/>
                 </a:solidFill>
               </a:rPr>
               <a:t>SQL Node</a:t>
             </a:r>
-            <a:endParaRPr lang="en-US" sz="1600" dirty="0">
-              <a:solidFill>
-                <a:schemeClr val="tx1"/>
-              </a:solidFill>
-            </a:endParaRPr>
           </a:p>
         </p:txBody>
       </p:sp>
@@ -8656,10 +8542,9 @@
           <a:p>
             <a:pPr algn="ctr"/>
             <a:r>
-              <a:rPr lang="en-US" sz="1600" dirty="0" smtClean="0"/>
+              <a:rPr lang="en-US" sz="1600" dirty="0"/>
               <a:t>SQL</a:t>
             </a:r>
-            <a:endParaRPr lang="en-US" sz="1600" dirty="0"/>
           </a:p>
         </p:txBody>
       </p:sp>
@@ -8926,6 +8811,3563 @@
     <p:extLst>
       <p:ext uri="{BB962C8B-B14F-4D97-AF65-F5344CB8AC3E}">
         <p14:creationId xmlns:p14="http://schemas.microsoft.com/office/powerpoint/2010/main" val="1722278389"/>
+      </p:ext>
+    </p:extLst>
+  </p:cSld>
+  <p:clrMapOvr>
+    <a:masterClrMapping/>
+  </p:clrMapOvr>
+</p:sld>
+</file>
+
+<file path=ppt/slides/slide4.xml><?xml version="1.0" encoding="utf-8"?>
+<p:sld xmlns:a="http://schemas.openxmlformats.org/drawingml/2006/main" xmlns:r="http://schemas.openxmlformats.org/officeDocument/2006/relationships" xmlns:p="http://schemas.openxmlformats.org/presentationml/2006/main">
+  <p:cSld>
+    <p:spTree>
+      <p:nvGrpSpPr>
+        <p:cNvPr id="1" name=""/>
+        <p:cNvGrpSpPr/>
+        <p:nvPr/>
+      </p:nvGrpSpPr>
+      <p:grpSpPr>
+        <a:xfrm>
+          <a:off x="0" y="0"/>
+          <a:ext cx="0" cy="0"/>
+          <a:chOff x="0" y="0"/>
+          <a:chExt cx="0" cy="0"/>
+        </a:xfrm>
+      </p:grpSpPr>
+      <p:grpSp>
+        <p:nvGrpSpPr>
+          <p:cNvPr id="77" name="Group 76">
+            <a:extLst>
+              <a:ext uri="{FF2B5EF4-FFF2-40B4-BE49-F238E27FC236}">
+                <a16:creationId xmlns:a16="http://schemas.microsoft.com/office/drawing/2014/main" id="{459E1206-736C-43FA-BCE3-F3782077A67F}"/>
+              </a:ext>
+            </a:extLst>
+          </p:cNvPr>
+          <p:cNvGrpSpPr/>
+          <p:nvPr/>
+        </p:nvGrpSpPr>
+        <p:grpSpPr>
+          <a:xfrm>
+            <a:off x="2973160" y="122463"/>
+            <a:ext cx="6245679" cy="5792551"/>
+            <a:chOff x="2746191" y="0"/>
+            <a:chExt cx="6245679" cy="5792551"/>
+          </a:xfrm>
+        </p:grpSpPr>
+        <p:sp>
+          <p:nvSpPr>
+            <p:cNvPr id="76" name="Rectangle: Rounded Corners 75">
+              <a:extLst>
+                <a:ext uri="{FF2B5EF4-FFF2-40B4-BE49-F238E27FC236}">
+                  <a16:creationId xmlns:a16="http://schemas.microsoft.com/office/drawing/2014/main" id="{847031DA-1DDA-4FBD-8D5B-9C1CCCDE9550}"/>
+                </a:ext>
+              </a:extLst>
+            </p:cNvPr>
+            <p:cNvSpPr/>
+            <p:nvPr/>
+          </p:nvSpPr>
+          <p:spPr>
+            <a:xfrm>
+              <a:off x="2746191" y="0"/>
+              <a:ext cx="6245679" cy="5792551"/>
+            </a:xfrm>
+            <a:prstGeom prst="roundRect">
+              <a:avLst/>
+            </a:prstGeom>
+          </p:spPr>
+          <p:style>
+            <a:lnRef idx="2">
+              <a:schemeClr val="accent1"/>
+            </a:lnRef>
+            <a:fillRef idx="1">
+              <a:schemeClr val="lt1"/>
+            </a:fillRef>
+            <a:effectRef idx="0">
+              <a:schemeClr val="accent1"/>
+            </a:effectRef>
+            <a:fontRef idx="minor">
+              <a:schemeClr val="dk1"/>
+            </a:fontRef>
+          </p:style>
+          <p:txBody>
+            <a:bodyPr rtlCol="0" anchor="ctr"/>
+            <a:lstStyle/>
+            <a:p>
+              <a:pPr algn="ctr"/>
+              <a:endParaRPr lang="en-US"/>
+            </a:p>
+          </p:txBody>
+        </p:sp>
+        <p:sp>
+          <p:nvSpPr>
+            <p:cNvPr id="4" name="Hexagon 3">
+              <a:extLst>
+                <a:ext uri="{FF2B5EF4-FFF2-40B4-BE49-F238E27FC236}">
+                  <a16:creationId xmlns:a16="http://schemas.microsoft.com/office/drawing/2014/main" id="{41F26E2C-891C-4259-973A-7247EA557433}"/>
+                </a:ext>
+              </a:extLst>
+            </p:cNvPr>
+            <p:cNvSpPr/>
+            <p:nvPr/>
+          </p:nvSpPr>
+          <p:spPr>
+            <a:xfrm>
+              <a:off x="4993819" y="122463"/>
+              <a:ext cx="1761527" cy="1518558"/>
+            </a:xfrm>
+            <a:prstGeom prst="hexagon">
+              <a:avLst/>
+            </a:prstGeom>
+          </p:spPr>
+          <p:style>
+            <a:lnRef idx="2">
+              <a:schemeClr val="accent1"/>
+            </a:lnRef>
+            <a:fillRef idx="1">
+              <a:schemeClr val="lt1"/>
+            </a:fillRef>
+            <a:effectRef idx="0">
+              <a:schemeClr val="accent1"/>
+            </a:effectRef>
+            <a:fontRef idx="minor">
+              <a:schemeClr val="dk1"/>
+            </a:fontRef>
+          </p:style>
+          <p:txBody>
+            <a:bodyPr rtlCol="0" anchor="ctr"/>
+            <a:lstStyle/>
+            <a:p>
+              <a:pPr algn="ctr"/>
+              <a:endParaRPr lang="en-US" dirty="0"/>
+            </a:p>
+          </p:txBody>
+        </p:sp>
+        <p:sp>
+          <p:nvSpPr>
+            <p:cNvPr id="5" name="Hexagon 4">
+              <a:extLst>
+                <a:ext uri="{FF2B5EF4-FFF2-40B4-BE49-F238E27FC236}">
+                  <a16:creationId xmlns:a16="http://schemas.microsoft.com/office/drawing/2014/main" id="{35EE1BA4-23CF-4947-BDDA-D42F738A832E}"/>
+                </a:ext>
+              </a:extLst>
+            </p:cNvPr>
+            <p:cNvSpPr/>
+            <p:nvPr/>
+          </p:nvSpPr>
+          <p:spPr>
+            <a:xfrm>
+              <a:off x="5241850" y="727853"/>
+              <a:ext cx="1265463" cy="307777"/>
+            </a:xfrm>
+            <a:prstGeom prst="hexagon">
+              <a:avLst/>
+            </a:prstGeom>
+          </p:spPr>
+          <p:style>
+            <a:lnRef idx="2">
+              <a:schemeClr val="accent1"/>
+            </a:lnRef>
+            <a:fillRef idx="1">
+              <a:schemeClr val="lt1"/>
+            </a:fillRef>
+            <a:effectRef idx="0">
+              <a:schemeClr val="accent1"/>
+            </a:effectRef>
+            <a:fontRef idx="minor">
+              <a:schemeClr val="dk1"/>
+            </a:fontRef>
+          </p:style>
+          <p:txBody>
+            <a:bodyPr rtlCol="0" anchor="ctr"/>
+            <a:lstStyle/>
+            <a:p>
+              <a:pPr algn="ctr"/>
+              <a:r>
+                <a:rPr lang="en-US" sz="1200" dirty="0">
+                  <a:cs typeface="Segoe UI Semibold" panose="020B0702040204020203" pitchFamily="34" charset="0"/>
+                </a:rPr>
+                <a:t>ML Server</a:t>
+              </a:r>
+            </a:p>
+          </p:txBody>
+        </p:sp>
+        <p:sp>
+          <p:nvSpPr>
+            <p:cNvPr id="6" name="TextBox 5">
+              <a:extLst>
+                <a:ext uri="{FF2B5EF4-FFF2-40B4-BE49-F238E27FC236}">
+                  <a16:creationId xmlns:a16="http://schemas.microsoft.com/office/drawing/2014/main" id="{A548FEBA-CEC7-407D-9DAC-ADC07D4F5D27}"/>
+                </a:ext>
+              </a:extLst>
+            </p:cNvPr>
+            <p:cNvSpPr txBox="1"/>
+            <p:nvPr/>
+          </p:nvSpPr>
+          <p:spPr>
+            <a:xfrm>
+              <a:off x="5455428" y="155884"/>
+              <a:ext cx="838306" cy="307777"/>
+            </a:xfrm>
+            <a:prstGeom prst="rect">
+              <a:avLst/>
+            </a:prstGeom>
+            <a:noFill/>
+          </p:spPr>
+          <p:txBody>
+            <a:bodyPr wrap="none" rtlCol="0">
+              <a:spAutoFit/>
+            </a:bodyPr>
+            <a:lstStyle/>
+            <a:p>
+              <a:pPr algn="ctr"/>
+              <a:r>
+                <a:rPr lang="en-US" sz="1400" dirty="0"/>
+                <a:t>App Pool</a:t>
+              </a:r>
+            </a:p>
+          </p:txBody>
+        </p:sp>
+        <p:grpSp>
+          <p:nvGrpSpPr>
+            <p:cNvPr id="10" name="Group 9">
+              <a:extLst>
+                <a:ext uri="{FF2B5EF4-FFF2-40B4-BE49-F238E27FC236}">
+                  <a16:creationId xmlns:a16="http://schemas.microsoft.com/office/drawing/2014/main" id="{71A78375-8E0F-4AA9-B3E6-C8B1D3E38022}"/>
+                </a:ext>
+              </a:extLst>
+            </p:cNvPr>
+            <p:cNvGrpSpPr/>
+            <p:nvPr/>
+          </p:nvGrpSpPr>
+          <p:grpSpPr>
+            <a:xfrm>
+              <a:off x="3476240" y="984053"/>
+              <a:ext cx="1761526" cy="1446628"/>
+              <a:chOff x="3384694" y="912851"/>
+              <a:chExt cx="1761526" cy="1446628"/>
+            </a:xfrm>
+          </p:grpSpPr>
+          <p:sp>
+            <p:nvSpPr>
+              <p:cNvPr id="7" name="Hexagon 6">
+                <a:extLst>
+                  <a:ext uri="{FF2B5EF4-FFF2-40B4-BE49-F238E27FC236}">
+                    <a16:creationId xmlns:a16="http://schemas.microsoft.com/office/drawing/2014/main" id="{7E17EC07-D93C-45DB-97D7-DCD6464B08E7}"/>
+                  </a:ext>
+                </a:extLst>
+              </p:cNvPr>
+              <p:cNvSpPr/>
+              <p:nvPr/>
+            </p:nvSpPr>
+            <p:spPr>
+              <a:xfrm>
+                <a:off x="3384694" y="912851"/>
+                <a:ext cx="1761526" cy="1446628"/>
+              </a:xfrm>
+              <a:prstGeom prst="hexagon">
+                <a:avLst/>
+              </a:prstGeom>
+            </p:spPr>
+            <p:style>
+              <a:lnRef idx="2">
+                <a:schemeClr val="accent4">
+                  <a:shade val="50000"/>
+                </a:schemeClr>
+              </a:lnRef>
+              <a:fillRef idx="1">
+                <a:schemeClr val="accent4"/>
+              </a:fillRef>
+              <a:effectRef idx="0">
+                <a:schemeClr val="accent4"/>
+              </a:effectRef>
+              <a:fontRef idx="minor">
+                <a:schemeClr val="lt1"/>
+              </a:fontRef>
+            </p:style>
+            <p:txBody>
+              <a:bodyPr rtlCol="0" anchor="ctr"/>
+              <a:lstStyle/>
+              <a:p>
+                <a:pPr algn="ctr"/>
+                <a:endParaRPr lang="en-US" dirty="0"/>
+              </a:p>
+            </p:txBody>
+          </p:sp>
+          <p:sp>
+            <p:nvSpPr>
+              <p:cNvPr id="8" name="Hexagon 7">
+                <a:extLst>
+                  <a:ext uri="{FF2B5EF4-FFF2-40B4-BE49-F238E27FC236}">
+                    <a16:creationId xmlns:a16="http://schemas.microsoft.com/office/drawing/2014/main" id="{4344C6FD-E92E-4250-A27B-AED8E6205B42}"/>
+                  </a:ext>
+                </a:extLst>
+              </p:cNvPr>
+              <p:cNvSpPr/>
+              <p:nvPr/>
+            </p:nvSpPr>
+            <p:spPr>
+              <a:xfrm>
+                <a:off x="3604341" y="1374238"/>
+                <a:ext cx="1322232" cy="523854"/>
+              </a:xfrm>
+              <a:prstGeom prst="hexagon">
+                <a:avLst/>
+              </a:prstGeom>
+            </p:spPr>
+            <p:style>
+              <a:lnRef idx="2">
+                <a:schemeClr val="accent1"/>
+              </a:lnRef>
+              <a:fillRef idx="1">
+                <a:schemeClr val="lt1"/>
+              </a:fillRef>
+              <a:effectRef idx="0">
+                <a:schemeClr val="accent1"/>
+              </a:effectRef>
+              <a:fontRef idx="minor">
+                <a:schemeClr val="dk1"/>
+              </a:fontRef>
+            </p:style>
+            <p:txBody>
+              <a:bodyPr rtlCol="0" anchor="ctr"/>
+              <a:lstStyle/>
+              <a:p>
+                <a:pPr algn="ctr"/>
+                <a:r>
+                  <a:rPr lang="en-US" sz="1200" dirty="0">
+                    <a:cs typeface="Segoe UI Semibold" panose="020B0702040204020203" pitchFamily="34" charset="0"/>
+                  </a:rPr>
+                  <a:t>SQL Server Master</a:t>
+                </a:r>
+              </a:p>
+            </p:txBody>
+          </p:sp>
+        </p:grpSp>
+        <p:grpSp>
+          <p:nvGrpSpPr>
+            <p:cNvPr id="30" name="Group 29">
+              <a:extLst>
+                <a:ext uri="{FF2B5EF4-FFF2-40B4-BE49-F238E27FC236}">
+                  <a16:creationId xmlns:a16="http://schemas.microsoft.com/office/drawing/2014/main" id="{42DC447F-8AEE-4FA9-A627-7D73FEF57C58}"/>
+                </a:ext>
+              </a:extLst>
+            </p:cNvPr>
+            <p:cNvGrpSpPr/>
+            <p:nvPr/>
+          </p:nvGrpSpPr>
+          <p:grpSpPr>
+            <a:xfrm>
+              <a:off x="6507313" y="984053"/>
+              <a:ext cx="1761526" cy="1446628"/>
+              <a:chOff x="6602943" y="881741"/>
+              <a:chExt cx="1761526" cy="1446628"/>
+            </a:xfrm>
+          </p:grpSpPr>
+          <p:sp>
+            <p:nvSpPr>
+              <p:cNvPr id="9" name="Hexagon 8">
+                <a:extLst>
+                  <a:ext uri="{FF2B5EF4-FFF2-40B4-BE49-F238E27FC236}">
+                    <a16:creationId xmlns:a16="http://schemas.microsoft.com/office/drawing/2014/main" id="{A7A3D603-9CB5-4A9C-8C67-C71AF973FC33}"/>
+                  </a:ext>
+                </a:extLst>
+              </p:cNvPr>
+              <p:cNvSpPr/>
+              <p:nvPr/>
+            </p:nvSpPr>
+            <p:spPr>
+              <a:xfrm>
+                <a:off x="6602943" y="881741"/>
+                <a:ext cx="1761526" cy="1446628"/>
+              </a:xfrm>
+              <a:prstGeom prst="hexagon">
+                <a:avLst/>
+              </a:prstGeom>
+            </p:spPr>
+            <p:style>
+              <a:lnRef idx="2">
+                <a:schemeClr val="accent4">
+                  <a:shade val="50000"/>
+                </a:schemeClr>
+              </a:lnRef>
+              <a:fillRef idx="1">
+                <a:schemeClr val="accent4"/>
+              </a:fillRef>
+              <a:effectRef idx="0">
+                <a:schemeClr val="accent4"/>
+              </a:effectRef>
+              <a:fontRef idx="minor">
+                <a:schemeClr val="lt1"/>
+              </a:fontRef>
+            </p:style>
+            <p:txBody>
+              <a:bodyPr rtlCol="0" anchor="ctr"/>
+              <a:lstStyle/>
+              <a:p>
+                <a:pPr algn="ctr"/>
+                <a:endParaRPr lang="en-US" dirty="0"/>
+              </a:p>
+            </p:txBody>
+          </p:sp>
+          <p:sp>
+            <p:nvSpPr>
+              <p:cNvPr id="11" name="Hexagon 10">
+                <a:extLst>
+                  <a:ext uri="{FF2B5EF4-FFF2-40B4-BE49-F238E27FC236}">
+                    <a16:creationId xmlns:a16="http://schemas.microsoft.com/office/drawing/2014/main" id="{294EAFB7-E444-4402-8389-09913475F9E8}"/>
+                  </a:ext>
+                </a:extLst>
+              </p:cNvPr>
+              <p:cNvSpPr/>
+              <p:nvPr/>
+            </p:nvSpPr>
+            <p:spPr>
+              <a:xfrm>
+                <a:off x="6876037" y="1035630"/>
+                <a:ext cx="1215338" cy="307498"/>
+              </a:xfrm>
+              <a:prstGeom prst="hexagon">
+                <a:avLst/>
+              </a:prstGeom>
+            </p:spPr>
+            <p:style>
+              <a:lnRef idx="2">
+                <a:schemeClr val="accent1"/>
+              </a:lnRef>
+              <a:fillRef idx="1">
+                <a:schemeClr val="lt1"/>
+              </a:fillRef>
+              <a:effectRef idx="0">
+                <a:schemeClr val="accent1"/>
+              </a:effectRef>
+              <a:fontRef idx="minor">
+                <a:schemeClr val="dk1"/>
+              </a:fontRef>
+            </p:style>
+            <p:txBody>
+              <a:bodyPr lIns="0" rIns="0" rtlCol="0" anchor="ctr"/>
+              <a:lstStyle/>
+              <a:p>
+                <a:pPr algn="ctr"/>
+                <a:r>
+                  <a:rPr lang="en-US" sz="1200" dirty="0">
+                    <a:cs typeface="Segoe UI Semibold" panose="020B0702040204020203" pitchFamily="34" charset="0"/>
+                  </a:rPr>
+                  <a:t>Knox Gateway</a:t>
+                </a:r>
+              </a:p>
+            </p:txBody>
+          </p:sp>
+          <p:sp>
+            <p:nvSpPr>
+              <p:cNvPr id="14" name="Hexagon 13">
+                <a:extLst>
+                  <a:ext uri="{FF2B5EF4-FFF2-40B4-BE49-F238E27FC236}">
+                    <a16:creationId xmlns:a16="http://schemas.microsoft.com/office/drawing/2014/main" id="{046A3BD4-7FA7-468E-94AA-DB2BC1B9057B}"/>
+                  </a:ext>
+                </a:extLst>
+              </p:cNvPr>
+              <p:cNvSpPr/>
+              <p:nvPr/>
+            </p:nvSpPr>
+            <p:spPr>
+              <a:xfrm>
+                <a:off x="6876037" y="1451640"/>
+                <a:ext cx="1215338" cy="307498"/>
+              </a:xfrm>
+              <a:prstGeom prst="hexagon">
+                <a:avLst/>
+              </a:prstGeom>
+            </p:spPr>
+            <p:style>
+              <a:lnRef idx="2">
+                <a:schemeClr val="accent1"/>
+              </a:lnRef>
+              <a:fillRef idx="1">
+                <a:schemeClr val="lt1"/>
+              </a:fillRef>
+              <a:effectRef idx="0">
+                <a:schemeClr val="accent1"/>
+              </a:effectRef>
+              <a:fontRef idx="minor">
+                <a:schemeClr val="dk1"/>
+              </a:fontRef>
+            </p:style>
+            <p:txBody>
+              <a:bodyPr lIns="0" rIns="0" rtlCol="0" anchor="ctr"/>
+              <a:lstStyle/>
+              <a:p>
+                <a:pPr algn="ctr"/>
+                <a:r>
+                  <a:rPr lang="en-US" sz="1200" dirty="0">
+                    <a:cs typeface="Segoe UI Semibold" panose="020B0702040204020203" pitchFamily="34" charset="0"/>
+                  </a:rPr>
+                  <a:t>Livy</a:t>
+                </a:r>
+              </a:p>
+            </p:txBody>
+          </p:sp>
+          <p:sp>
+            <p:nvSpPr>
+              <p:cNvPr id="15" name="Hexagon 14">
+                <a:extLst>
+                  <a:ext uri="{FF2B5EF4-FFF2-40B4-BE49-F238E27FC236}">
+                    <a16:creationId xmlns:a16="http://schemas.microsoft.com/office/drawing/2014/main" id="{1F025EE3-DA24-435F-B575-BE6D8DB20340}"/>
+                  </a:ext>
+                </a:extLst>
+              </p:cNvPr>
+              <p:cNvSpPr/>
+              <p:nvPr/>
+            </p:nvSpPr>
+            <p:spPr>
+              <a:xfrm>
+                <a:off x="6882684" y="1864413"/>
+                <a:ext cx="1215338" cy="307498"/>
+              </a:xfrm>
+              <a:prstGeom prst="hexagon">
+                <a:avLst/>
+              </a:prstGeom>
+            </p:spPr>
+            <p:style>
+              <a:lnRef idx="2">
+                <a:schemeClr val="accent1"/>
+              </a:lnRef>
+              <a:fillRef idx="1">
+                <a:schemeClr val="lt1"/>
+              </a:fillRef>
+              <a:effectRef idx="0">
+                <a:schemeClr val="accent1"/>
+              </a:effectRef>
+              <a:fontRef idx="minor">
+                <a:schemeClr val="dk1"/>
+              </a:fontRef>
+            </p:style>
+            <p:txBody>
+              <a:bodyPr lIns="0" rIns="0" rtlCol="0" anchor="ctr"/>
+              <a:lstStyle/>
+              <a:p>
+                <a:pPr algn="ctr"/>
+                <a:r>
+                  <a:rPr lang="en-US" sz="1200" dirty="0">
+                    <a:cs typeface="Segoe UI Semibold" panose="020B0702040204020203" pitchFamily="34" charset="0"/>
+                  </a:rPr>
+                  <a:t>HIVE</a:t>
+                </a:r>
+              </a:p>
+            </p:txBody>
+          </p:sp>
+        </p:grpSp>
+        <p:grpSp>
+          <p:nvGrpSpPr>
+            <p:cNvPr id="23" name="Group 22">
+              <a:extLst>
+                <a:ext uri="{FF2B5EF4-FFF2-40B4-BE49-F238E27FC236}">
+                  <a16:creationId xmlns:a16="http://schemas.microsoft.com/office/drawing/2014/main" id="{E6C7E9EB-1831-440A-AE1B-BE0B1EBB8A39}"/>
+                </a:ext>
+              </a:extLst>
+            </p:cNvPr>
+            <p:cNvGrpSpPr/>
+            <p:nvPr/>
+          </p:nvGrpSpPr>
+          <p:grpSpPr>
+            <a:xfrm>
+              <a:off x="3463069" y="2568957"/>
+              <a:ext cx="1761526" cy="1446628"/>
+              <a:chOff x="3388203" y="2497473"/>
+              <a:chExt cx="1761526" cy="1446628"/>
+            </a:xfrm>
+          </p:grpSpPr>
+          <p:sp>
+            <p:nvSpPr>
+              <p:cNvPr id="17" name="Hexagon 16">
+                <a:extLst>
+                  <a:ext uri="{FF2B5EF4-FFF2-40B4-BE49-F238E27FC236}">
+                    <a16:creationId xmlns:a16="http://schemas.microsoft.com/office/drawing/2014/main" id="{C68DFE0D-91B8-4A33-9864-323B0A65FAA6}"/>
+                  </a:ext>
+                </a:extLst>
+              </p:cNvPr>
+              <p:cNvSpPr/>
+              <p:nvPr/>
+            </p:nvSpPr>
+            <p:spPr>
+              <a:xfrm>
+                <a:off x="3388203" y="2497473"/>
+                <a:ext cx="1761526" cy="1446628"/>
+              </a:xfrm>
+              <a:prstGeom prst="hexagon">
+                <a:avLst/>
+              </a:prstGeom>
+            </p:spPr>
+            <p:style>
+              <a:lnRef idx="2">
+                <a:schemeClr val="accent6">
+                  <a:shade val="50000"/>
+                </a:schemeClr>
+              </a:lnRef>
+              <a:fillRef idx="1">
+                <a:schemeClr val="accent6"/>
+              </a:fillRef>
+              <a:effectRef idx="0">
+                <a:schemeClr val="accent6"/>
+              </a:effectRef>
+              <a:fontRef idx="minor">
+                <a:schemeClr val="lt1"/>
+              </a:fontRef>
+            </p:style>
+            <p:txBody>
+              <a:bodyPr rtlCol="0" anchor="ctr"/>
+              <a:lstStyle/>
+              <a:p>
+                <a:pPr algn="ctr"/>
+                <a:endParaRPr lang="en-US" dirty="0"/>
+              </a:p>
+            </p:txBody>
+          </p:sp>
+          <p:sp>
+            <p:nvSpPr>
+              <p:cNvPr id="18" name="Hexagon 17">
+                <a:extLst>
+                  <a:ext uri="{FF2B5EF4-FFF2-40B4-BE49-F238E27FC236}">
+                    <a16:creationId xmlns:a16="http://schemas.microsoft.com/office/drawing/2014/main" id="{A85AC82B-58A4-4582-B0DE-50C6C33590CC}"/>
+                  </a:ext>
+                </a:extLst>
+              </p:cNvPr>
+              <p:cNvSpPr/>
+              <p:nvPr/>
+            </p:nvSpPr>
+            <p:spPr>
+              <a:xfrm>
+                <a:off x="3701739" y="2913010"/>
+                <a:ext cx="1127436" cy="238441"/>
+              </a:xfrm>
+              <a:prstGeom prst="hexagon">
+                <a:avLst/>
+              </a:prstGeom>
+            </p:spPr>
+            <p:style>
+              <a:lnRef idx="2">
+                <a:schemeClr val="accent1"/>
+              </a:lnRef>
+              <a:fillRef idx="1">
+                <a:schemeClr val="lt1"/>
+              </a:fillRef>
+              <a:effectRef idx="0">
+                <a:schemeClr val="accent1"/>
+              </a:effectRef>
+              <a:fontRef idx="minor">
+                <a:schemeClr val="dk1"/>
+              </a:fontRef>
+            </p:style>
+            <p:txBody>
+              <a:bodyPr rtlCol="0" anchor="ctr"/>
+              <a:lstStyle/>
+              <a:p>
+                <a:pPr algn="ctr"/>
+                <a:r>
+                  <a:rPr lang="en-US" sz="1200" dirty="0">
+                    <a:cs typeface="Segoe UI Semibold" panose="020B0702040204020203" pitchFamily="34" charset="0"/>
+                  </a:rPr>
+                  <a:t>SQL Server</a:t>
+                </a:r>
+              </a:p>
+            </p:txBody>
+          </p:sp>
+          <p:sp>
+            <p:nvSpPr>
+              <p:cNvPr id="19" name="TextBox 18">
+                <a:extLst>
+                  <a:ext uri="{FF2B5EF4-FFF2-40B4-BE49-F238E27FC236}">
+                    <a16:creationId xmlns:a16="http://schemas.microsoft.com/office/drawing/2014/main" id="{4EE3C734-6183-4667-8576-4EDF554B9DA2}"/>
+                  </a:ext>
+                </a:extLst>
+              </p:cNvPr>
+              <p:cNvSpPr txBox="1"/>
+              <p:nvPr/>
+            </p:nvSpPr>
+            <p:spPr>
+              <a:xfrm>
+                <a:off x="3657312" y="2566531"/>
+                <a:ext cx="1216295" cy="307777"/>
+              </a:xfrm>
+              <a:prstGeom prst="rect">
+                <a:avLst/>
+              </a:prstGeom>
+              <a:noFill/>
+            </p:spPr>
+            <p:txBody>
+              <a:bodyPr wrap="none" rtlCol="0">
+                <a:spAutoFit/>
+              </a:bodyPr>
+              <a:lstStyle/>
+              <a:p>
+                <a:pPr algn="ctr"/>
+                <a:r>
+                  <a:rPr lang="en-US" sz="1400" dirty="0">
+                    <a:solidFill>
+                      <a:schemeClr val="bg1"/>
+                    </a:solidFill>
+                  </a:rPr>
+                  <a:t>Compute Pool</a:t>
+                </a:r>
+              </a:p>
+            </p:txBody>
+          </p:sp>
+          <p:sp>
+            <p:nvSpPr>
+              <p:cNvPr id="20" name="Hexagon 19">
+                <a:extLst>
+                  <a:ext uri="{FF2B5EF4-FFF2-40B4-BE49-F238E27FC236}">
+                    <a16:creationId xmlns:a16="http://schemas.microsoft.com/office/drawing/2014/main" id="{466A4F05-C042-46AF-B221-1BE6C0A4A1CF}"/>
+                  </a:ext>
+                </a:extLst>
+              </p:cNvPr>
+              <p:cNvSpPr/>
+              <p:nvPr/>
+            </p:nvSpPr>
+            <p:spPr>
+              <a:xfrm>
+                <a:off x="3701739" y="3220341"/>
+                <a:ext cx="1127436" cy="238443"/>
+              </a:xfrm>
+              <a:prstGeom prst="hexagon">
+                <a:avLst/>
+              </a:prstGeom>
+            </p:spPr>
+            <p:style>
+              <a:lnRef idx="2">
+                <a:schemeClr val="accent1"/>
+              </a:lnRef>
+              <a:fillRef idx="1">
+                <a:schemeClr val="lt1"/>
+              </a:fillRef>
+              <a:effectRef idx="0">
+                <a:schemeClr val="accent1"/>
+              </a:effectRef>
+              <a:fontRef idx="minor">
+                <a:schemeClr val="dk1"/>
+              </a:fontRef>
+            </p:style>
+            <p:txBody>
+              <a:bodyPr rtlCol="0" anchor="ctr"/>
+              <a:lstStyle/>
+              <a:p>
+                <a:pPr algn="ctr"/>
+                <a:r>
+                  <a:rPr lang="en-US" sz="1200" dirty="0">
+                    <a:cs typeface="Segoe UI Semibold" panose="020B0702040204020203" pitchFamily="34" charset="0"/>
+                  </a:rPr>
+                  <a:t>SQL Server</a:t>
+                </a:r>
+              </a:p>
+            </p:txBody>
+          </p:sp>
+          <p:sp>
+            <p:nvSpPr>
+              <p:cNvPr id="22" name="Hexagon 21">
+                <a:extLst>
+                  <a:ext uri="{FF2B5EF4-FFF2-40B4-BE49-F238E27FC236}">
+                    <a16:creationId xmlns:a16="http://schemas.microsoft.com/office/drawing/2014/main" id="{8E6E266A-910C-4ED6-8E8C-FAA15D8C3476}"/>
+                  </a:ext>
+                </a:extLst>
+              </p:cNvPr>
+              <p:cNvSpPr/>
+              <p:nvPr/>
+            </p:nvSpPr>
+            <p:spPr>
+              <a:xfrm>
+                <a:off x="3709136" y="3527674"/>
+                <a:ext cx="1127436" cy="238443"/>
+              </a:xfrm>
+              <a:prstGeom prst="hexagon">
+                <a:avLst/>
+              </a:prstGeom>
+            </p:spPr>
+            <p:style>
+              <a:lnRef idx="2">
+                <a:schemeClr val="accent1"/>
+              </a:lnRef>
+              <a:fillRef idx="1">
+                <a:schemeClr val="lt1"/>
+              </a:fillRef>
+              <a:effectRef idx="0">
+                <a:schemeClr val="accent1"/>
+              </a:effectRef>
+              <a:fontRef idx="minor">
+                <a:schemeClr val="dk1"/>
+              </a:fontRef>
+            </p:style>
+            <p:txBody>
+              <a:bodyPr rtlCol="0" anchor="ctr"/>
+              <a:lstStyle/>
+              <a:p>
+                <a:pPr algn="ctr"/>
+                <a:r>
+                  <a:rPr lang="en-US" sz="1200" dirty="0">
+                    <a:cs typeface="Segoe UI Semibold" panose="020B0702040204020203" pitchFamily="34" charset="0"/>
+                  </a:rPr>
+                  <a:t>SQL Server</a:t>
+                </a:r>
+              </a:p>
+            </p:txBody>
+          </p:sp>
+        </p:grpSp>
+        <p:grpSp>
+          <p:nvGrpSpPr>
+            <p:cNvPr id="24" name="Group 23">
+              <a:extLst>
+                <a:ext uri="{FF2B5EF4-FFF2-40B4-BE49-F238E27FC236}">
+                  <a16:creationId xmlns:a16="http://schemas.microsoft.com/office/drawing/2014/main" id="{79D5B366-1CDE-48D0-A09E-4680D4B2B655}"/>
+                </a:ext>
+              </a:extLst>
+            </p:cNvPr>
+            <p:cNvGrpSpPr/>
+            <p:nvPr/>
+          </p:nvGrpSpPr>
+          <p:grpSpPr>
+            <a:xfrm>
+              <a:off x="4991777" y="1773713"/>
+              <a:ext cx="1761526" cy="1446628"/>
+              <a:chOff x="3388203" y="2497473"/>
+              <a:chExt cx="1761526" cy="1446628"/>
+            </a:xfrm>
+          </p:grpSpPr>
+          <p:sp>
+            <p:nvSpPr>
+              <p:cNvPr id="25" name="Hexagon 24">
+                <a:extLst>
+                  <a:ext uri="{FF2B5EF4-FFF2-40B4-BE49-F238E27FC236}">
+                    <a16:creationId xmlns:a16="http://schemas.microsoft.com/office/drawing/2014/main" id="{A5759485-A892-4C94-9BC2-99032A53649B}"/>
+                  </a:ext>
+                </a:extLst>
+              </p:cNvPr>
+              <p:cNvSpPr/>
+              <p:nvPr/>
+            </p:nvSpPr>
+            <p:spPr>
+              <a:xfrm>
+                <a:off x="3388203" y="2497473"/>
+                <a:ext cx="1761526" cy="1446628"/>
+              </a:xfrm>
+              <a:prstGeom prst="hexagon">
+                <a:avLst/>
+              </a:prstGeom>
+            </p:spPr>
+            <p:style>
+              <a:lnRef idx="2">
+                <a:schemeClr val="accent6">
+                  <a:shade val="50000"/>
+                </a:schemeClr>
+              </a:lnRef>
+              <a:fillRef idx="1">
+                <a:schemeClr val="accent6"/>
+              </a:fillRef>
+              <a:effectRef idx="0">
+                <a:schemeClr val="accent6"/>
+              </a:effectRef>
+              <a:fontRef idx="minor">
+                <a:schemeClr val="lt1"/>
+              </a:fontRef>
+            </p:style>
+            <p:txBody>
+              <a:bodyPr rtlCol="0" anchor="ctr"/>
+              <a:lstStyle/>
+              <a:p>
+                <a:pPr algn="ctr"/>
+                <a:endParaRPr lang="en-US" dirty="0"/>
+              </a:p>
+            </p:txBody>
+          </p:sp>
+          <p:sp>
+            <p:nvSpPr>
+              <p:cNvPr id="26" name="Hexagon 25">
+                <a:extLst>
+                  <a:ext uri="{FF2B5EF4-FFF2-40B4-BE49-F238E27FC236}">
+                    <a16:creationId xmlns:a16="http://schemas.microsoft.com/office/drawing/2014/main" id="{C5A7EF0D-2C7A-40AF-9614-C6EA289DACAD}"/>
+                  </a:ext>
+                </a:extLst>
+              </p:cNvPr>
+              <p:cNvSpPr/>
+              <p:nvPr/>
+            </p:nvSpPr>
+            <p:spPr>
+              <a:xfrm>
+                <a:off x="3701739" y="2913010"/>
+                <a:ext cx="1127436" cy="238441"/>
+              </a:xfrm>
+              <a:prstGeom prst="hexagon">
+                <a:avLst/>
+              </a:prstGeom>
+            </p:spPr>
+            <p:style>
+              <a:lnRef idx="2">
+                <a:schemeClr val="accent1"/>
+              </a:lnRef>
+              <a:fillRef idx="1">
+                <a:schemeClr val="lt1"/>
+              </a:fillRef>
+              <a:effectRef idx="0">
+                <a:schemeClr val="accent1"/>
+              </a:effectRef>
+              <a:fontRef idx="minor">
+                <a:schemeClr val="dk1"/>
+              </a:fontRef>
+            </p:style>
+            <p:txBody>
+              <a:bodyPr rtlCol="0" anchor="ctr"/>
+              <a:lstStyle/>
+              <a:p>
+                <a:pPr algn="ctr"/>
+                <a:r>
+                  <a:rPr lang="en-US" sz="1200" dirty="0">
+                    <a:cs typeface="Segoe UI Semibold" panose="020B0702040204020203" pitchFamily="34" charset="0"/>
+                  </a:rPr>
+                  <a:t>SQL Server</a:t>
+                </a:r>
+              </a:p>
+            </p:txBody>
+          </p:sp>
+          <p:sp>
+            <p:nvSpPr>
+              <p:cNvPr id="27" name="TextBox 26">
+                <a:extLst>
+                  <a:ext uri="{FF2B5EF4-FFF2-40B4-BE49-F238E27FC236}">
+                    <a16:creationId xmlns:a16="http://schemas.microsoft.com/office/drawing/2014/main" id="{36E4A197-DC44-4E4B-BDEE-976A69C91D17}"/>
+                  </a:ext>
+                </a:extLst>
+              </p:cNvPr>
+              <p:cNvSpPr txBox="1"/>
+              <p:nvPr/>
+            </p:nvSpPr>
+            <p:spPr>
+              <a:xfrm>
+                <a:off x="3657312" y="2566531"/>
+                <a:ext cx="1216295" cy="307777"/>
+              </a:xfrm>
+              <a:prstGeom prst="rect">
+                <a:avLst/>
+              </a:prstGeom>
+              <a:noFill/>
+            </p:spPr>
+            <p:txBody>
+              <a:bodyPr wrap="none" rtlCol="0">
+                <a:spAutoFit/>
+              </a:bodyPr>
+              <a:lstStyle/>
+              <a:p>
+                <a:pPr algn="ctr"/>
+                <a:r>
+                  <a:rPr lang="en-US" sz="1400" dirty="0">
+                    <a:solidFill>
+                      <a:schemeClr val="bg1"/>
+                    </a:solidFill>
+                  </a:rPr>
+                  <a:t>Compute Pool</a:t>
+                </a:r>
+              </a:p>
+            </p:txBody>
+          </p:sp>
+          <p:sp>
+            <p:nvSpPr>
+              <p:cNvPr id="28" name="Hexagon 27">
+                <a:extLst>
+                  <a:ext uri="{FF2B5EF4-FFF2-40B4-BE49-F238E27FC236}">
+                    <a16:creationId xmlns:a16="http://schemas.microsoft.com/office/drawing/2014/main" id="{4319EFEB-D7AD-4A32-9651-91E3FBBA891C}"/>
+                  </a:ext>
+                </a:extLst>
+              </p:cNvPr>
+              <p:cNvSpPr/>
+              <p:nvPr/>
+            </p:nvSpPr>
+            <p:spPr>
+              <a:xfrm>
+                <a:off x="3701739" y="3220341"/>
+                <a:ext cx="1127436" cy="238443"/>
+              </a:xfrm>
+              <a:prstGeom prst="hexagon">
+                <a:avLst/>
+              </a:prstGeom>
+            </p:spPr>
+            <p:style>
+              <a:lnRef idx="2">
+                <a:schemeClr val="accent1"/>
+              </a:lnRef>
+              <a:fillRef idx="1">
+                <a:schemeClr val="lt1"/>
+              </a:fillRef>
+              <a:effectRef idx="0">
+                <a:schemeClr val="accent1"/>
+              </a:effectRef>
+              <a:fontRef idx="minor">
+                <a:schemeClr val="dk1"/>
+              </a:fontRef>
+            </p:style>
+            <p:txBody>
+              <a:bodyPr rtlCol="0" anchor="ctr"/>
+              <a:lstStyle/>
+              <a:p>
+                <a:pPr algn="ctr"/>
+                <a:r>
+                  <a:rPr lang="en-US" sz="1200" dirty="0">
+                    <a:cs typeface="Segoe UI Semibold" panose="020B0702040204020203" pitchFamily="34" charset="0"/>
+                  </a:rPr>
+                  <a:t>SQL Server</a:t>
+                </a:r>
+              </a:p>
+            </p:txBody>
+          </p:sp>
+          <p:sp>
+            <p:nvSpPr>
+              <p:cNvPr id="29" name="Hexagon 28">
+                <a:extLst>
+                  <a:ext uri="{FF2B5EF4-FFF2-40B4-BE49-F238E27FC236}">
+                    <a16:creationId xmlns:a16="http://schemas.microsoft.com/office/drawing/2014/main" id="{858A4F7B-1E67-433E-9E6D-AB40A8A3EE77}"/>
+                  </a:ext>
+                </a:extLst>
+              </p:cNvPr>
+              <p:cNvSpPr/>
+              <p:nvPr/>
+            </p:nvSpPr>
+            <p:spPr>
+              <a:xfrm>
+                <a:off x="3709136" y="3527674"/>
+                <a:ext cx="1127436" cy="238443"/>
+              </a:xfrm>
+              <a:prstGeom prst="hexagon">
+                <a:avLst/>
+              </a:prstGeom>
+            </p:spPr>
+            <p:style>
+              <a:lnRef idx="2">
+                <a:schemeClr val="accent1"/>
+              </a:lnRef>
+              <a:fillRef idx="1">
+                <a:schemeClr val="lt1"/>
+              </a:fillRef>
+              <a:effectRef idx="0">
+                <a:schemeClr val="accent1"/>
+              </a:effectRef>
+              <a:fontRef idx="minor">
+                <a:schemeClr val="dk1"/>
+              </a:fontRef>
+            </p:style>
+            <p:txBody>
+              <a:bodyPr rtlCol="0" anchor="ctr"/>
+              <a:lstStyle/>
+              <a:p>
+                <a:pPr algn="ctr"/>
+                <a:r>
+                  <a:rPr lang="en-US" sz="1200" dirty="0">
+                    <a:cs typeface="Segoe UI Semibold" panose="020B0702040204020203" pitchFamily="34" charset="0"/>
+                  </a:rPr>
+                  <a:t>SQL Server</a:t>
+                </a:r>
+              </a:p>
+            </p:txBody>
+          </p:sp>
+        </p:grpSp>
+        <p:grpSp>
+          <p:nvGrpSpPr>
+            <p:cNvPr id="31" name="Group 30">
+              <a:extLst>
+                <a:ext uri="{FF2B5EF4-FFF2-40B4-BE49-F238E27FC236}">
+                  <a16:creationId xmlns:a16="http://schemas.microsoft.com/office/drawing/2014/main" id="{A68C185B-374A-4141-8104-02A1DEBF696F}"/>
+                </a:ext>
+              </a:extLst>
+            </p:cNvPr>
+            <p:cNvGrpSpPr/>
+            <p:nvPr/>
+          </p:nvGrpSpPr>
+          <p:grpSpPr>
+            <a:xfrm>
+              <a:off x="6507313" y="2584570"/>
+              <a:ext cx="1761526" cy="1446628"/>
+              <a:chOff x="3388203" y="2497473"/>
+              <a:chExt cx="1761526" cy="1446628"/>
+            </a:xfrm>
+          </p:grpSpPr>
+          <p:sp>
+            <p:nvSpPr>
+              <p:cNvPr id="32" name="Hexagon 31">
+                <a:extLst>
+                  <a:ext uri="{FF2B5EF4-FFF2-40B4-BE49-F238E27FC236}">
+                    <a16:creationId xmlns:a16="http://schemas.microsoft.com/office/drawing/2014/main" id="{22A98245-2820-46A1-B5FE-30ADA6600AB9}"/>
+                  </a:ext>
+                </a:extLst>
+              </p:cNvPr>
+              <p:cNvSpPr/>
+              <p:nvPr/>
+            </p:nvSpPr>
+            <p:spPr>
+              <a:xfrm>
+                <a:off x="3388203" y="2497473"/>
+                <a:ext cx="1761526" cy="1446628"/>
+              </a:xfrm>
+              <a:prstGeom prst="hexagon">
+                <a:avLst/>
+              </a:prstGeom>
+            </p:spPr>
+            <p:style>
+              <a:lnRef idx="2">
+                <a:schemeClr val="accent5">
+                  <a:shade val="50000"/>
+                </a:schemeClr>
+              </a:lnRef>
+              <a:fillRef idx="1">
+                <a:schemeClr val="accent5"/>
+              </a:fillRef>
+              <a:effectRef idx="0">
+                <a:schemeClr val="accent5"/>
+              </a:effectRef>
+              <a:fontRef idx="minor">
+                <a:schemeClr val="lt1"/>
+              </a:fontRef>
+            </p:style>
+            <p:txBody>
+              <a:bodyPr rtlCol="0" anchor="ctr"/>
+              <a:lstStyle/>
+              <a:p>
+                <a:pPr algn="ctr"/>
+                <a:endParaRPr lang="en-US" dirty="0"/>
+              </a:p>
+            </p:txBody>
+          </p:sp>
+          <p:sp>
+            <p:nvSpPr>
+              <p:cNvPr id="33" name="Hexagon 32">
+                <a:extLst>
+                  <a:ext uri="{FF2B5EF4-FFF2-40B4-BE49-F238E27FC236}">
+                    <a16:creationId xmlns:a16="http://schemas.microsoft.com/office/drawing/2014/main" id="{7B1EC80F-9770-4376-A172-6BB230688A46}"/>
+                  </a:ext>
+                </a:extLst>
+              </p:cNvPr>
+              <p:cNvSpPr/>
+              <p:nvPr/>
+            </p:nvSpPr>
+            <p:spPr>
+              <a:xfrm>
+                <a:off x="3701739" y="2913010"/>
+                <a:ext cx="1127436" cy="238441"/>
+              </a:xfrm>
+              <a:prstGeom prst="hexagon">
+                <a:avLst/>
+              </a:prstGeom>
+            </p:spPr>
+            <p:style>
+              <a:lnRef idx="2">
+                <a:schemeClr val="accent1"/>
+              </a:lnRef>
+              <a:fillRef idx="1">
+                <a:schemeClr val="lt1"/>
+              </a:fillRef>
+              <a:effectRef idx="0">
+                <a:schemeClr val="accent1"/>
+              </a:effectRef>
+              <a:fontRef idx="minor">
+                <a:schemeClr val="dk1"/>
+              </a:fontRef>
+            </p:style>
+            <p:txBody>
+              <a:bodyPr rtlCol="0" anchor="ctr"/>
+              <a:lstStyle/>
+              <a:p>
+                <a:pPr algn="ctr"/>
+                <a:r>
+                  <a:rPr lang="en-US" sz="1200" dirty="0">
+                    <a:cs typeface="Segoe UI Semibold" panose="020B0702040204020203" pitchFamily="34" charset="0"/>
+                  </a:rPr>
+                  <a:t>SQL Server</a:t>
+                </a:r>
+              </a:p>
+            </p:txBody>
+          </p:sp>
+          <p:sp>
+            <p:nvSpPr>
+              <p:cNvPr id="34" name="TextBox 33">
+                <a:extLst>
+                  <a:ext uri="{FF2B5EF4-FFF2-40B4-BE49-F238E27FC236}">
+                    <a16:creationId xmlns:a16="http://schemas.microsoft.com/office/drawing/2014/main" id="{309517EB-9E12-4CE3-A0E5-BB4FA71B4818}"/>
+                  </a:ext>
+                </a:extLst>
+              </p:cNvPr>
+              <p:cNvSpPr txBox="1"/>
+              <p:nvPr/>
+            </p:nvSpPr>
+            <p:spPr>
+              <a:xfrm>
+                <a:off x="3715887" y="2566531"/>
+                <a:ext cx="1099147" cy="307777"/>
+              </a:xfrm>
+              <a:prstGeom prst="rect">
+                <a:avLst/>
+              </a:prstGeom>
+              <a:noFill/>
+            </p:spPr>
+            <p:txBody>
+              <a:bodyPr wrap="none" rtlCol="0">
+                <a:spAutoFit/>
+              </a:bodyPr>
+              <a:lstStyle/>
+              <a:p>
+                <a:pPr algn="ctr"/>
+                <a:r>
+                  <a:rPr lang="en-US" sz="1400" dirty="0">
+                    <a:solidFill>
+                      <a:schemeClr val="bg1"/>
+                    </a:solidFill>
+                  </a:rPr>
+                  <a:t>Storage Pool</a:t>
+                </a:r>
+              </a:p>
+            </p:txBody>
+          </p:sp>
+          <p:sp>
+            <p:nvSpPr>
+              <p:cNvPr id="35" name="Hexagon 34">
+                <a:extLst>
+                  <a:ext uri="{FF2B5EF4-FFF2-40B4-BE49-F238E27FC236}">
+                    <a16:creationId xmlns:a16="http://schemas.microsoft.com/office/drawing/2014/main" id="{4DE1000D-D81A-4D0F-8C9B-EC2699A1CC4D}"/>
+                  </a:ext>
+                </a:extLst>
+              </p:cNvPr>
+              <p:cNvSpPr/>
+              <p:nvPr/>
+            </p:nvSpPr>
+            <p:spPr>
+              <a:xfrm>
+                <a:off x="3701739" y="3220341"/>
+                <a:ext cx="1127436" cy="238443"/>
+              </a:xfrm>
+              <a:prstGeom prst="hexagon">
+                <a:avLst/>
+              </a:prstGeom>
+            </p:spPr>
+            <p:style>
+              <a:lnRef idx="2">
+                <a:schemeClr val="accent1"/>
+              </a:lnRef>
+              <a:fillRef idx="1">
+                <a:schemeClr val="lt1"/>
+              </a:fillRef>
+              <a:effectRef idx="0">
+                <a:schemeClr val="accent1"/>
+              </a:effectRef>
+              <a:fontRef idx="minor">
+                <a:schemeClr val="dk1"/>
+              </a:fontRef>
+            </p:style>
+            <p:txBody>
+              <a:bodyPr rtlCol="0" anchor="ctr"/>
+              <a:lstStyle/>
+              <a:p>
+                <a:pPr algn="ctr"/>
+                <a:r>
+                  <a:rPr lang="en-US" sz="1200" dirty="0">
+                    <a:cs typeface="Segoe UI Semibold" panose="020B0702040204020203" pitchFamily="34" charset="0"/>
+                  </a:rPr>
+                  <a:t>Spark</a:t>
+                </a:r>
+              </a:p>
+            </p:txBody>
+          </p:sp>
+          <p:sp>
+            <p:nvSpPr>
+              <p:cNvPr id="36" name="Hexagon 35">
+                <a:extLst>
+                  <a:ext uri="{FF2B5EF4-FFF2-40B4-BE49-F238E27FC236}">
+                    <a16:creationId xmlns:a16="http://schemas.microsoft.com/office/drawing/2014/main" id="{E0F14C98-0A89-4B82-BE44-9539158C7D35}"/>
+                  </a:ext>
+                </a:extLst>
+              </p:cNvPr>
+              <p:cNvSpPr/>
+              <p:nvPr/>
+            </p:nvSpPr>
+            <p:spPr>
+              <a:xfrm>
+                <a:off x="3709136" y="3527674"/>
+                <a:ext cx="1127436" cy="238443"/>
+              </a:xfrm>
+              <a:prstGeom prst="hexagon">
+                <a:avLst/>
+              </a:prstGeom>
+            </p:spPr>
+            <p:style>
+              <a:lnRef idx="2">
+                <a:schemeClr val="accent1"/>
+              </a:lnRef>
+              <a:fillRef idx="1">
+                <a:schemeClr val="lt1"/>
+              </a:fillRef>
+              <a:effectRef idx="0">
+                <a:schemeClr val="accent1"/>
+              </a:effectRef>
+              <a:fontRef idx="minor">
+                <a:schemeClr val="dk1"/>
+              </a:fontRef>
+            </p:style>
+            <p:txBody>
+              <a:bodyPr rtlCol="0" anchor="ctr"/>
+              <a:lstStyle/>
+              <a:p>
+                <a:pPr algn="ctr"/>
+                <a:r>
+                  <a:rPr lang="en-US" sz="1200" dirty="0">
+                    <a:cs typeface="Segoe UI Semibold" panose="020B0702040204020203" pitchFamily="34" charset="0"/>
+                  </a:rPr>
+                  <a:t>HDFS</a:t>
+                </a:r>
+              </a:p>
+            </p:txBody>
+          </p:sp>
+        </p:grpSp>
+        <p:grpSp>
+          <p:nvGrpSpPr>
+            <p:cNvPr id="37" name="Group 36">
+              <a:extLst>
+                <a:ext uri="{FF2B5EF4-FFF2-40B4-BE49-F238E27FC236}">
+                  <a16:creationId xmlns:a16="http://schemas.microsoft.com/office/drawing/2014/main" id="{994BC279-7BBF-4628-8D6F-7A4A28293361}"/>
+                </a:ext>
+              </a:extLst>
+            </p:cNvPr>
+            <p:cNvGrpSpPr/>
+            <p:nvPr/>
+          </p:nvGrpSpPr>
+          <p:grpSpPr>
+            <a:xfrm>
+              <a:off x="3476061" y="4153861"/>
+              <a:ext cx="1761526" cy="1446628"/>
+              <a:chOff x="3388203" y="2497473"/>
+              <a:chExt cx="1761526" cy="1446628"/>
+            </a:xfrm>
+          </p:grpSpPr>
+          <p:sp>
+            <p:nvSpPr>
+              <p:cNvPr id="38" name="Hexagon 37">
+                <a:extLst>
+                  <a:ext uri="{FF2B5EF4-FFF2-40B4-BE49-F238E27FC236}">
+                    <a16:creationId xmlns:a16="http://schemas.microsoft.com/office/drawing/2014/main" id="{3C02F565-1D15-42C0-949B-FA58EA0A7DFE}"/>
+                  </a:ext>
+                </a:extLst>
+              </p:cNvPr>
+              <p:cNvSpPr/>
+              <p:nvPr/>
+            </p:nvSpPr>
+            <p:spPr>
+              <a:xfrm>
+                <a:off x="3388203" y="2497473"/>
+                <a:ext cx="1761526" cy="1446628"/>
+              </a:xfrm>
+              <a:prstGeom prst="hexagon">
+                <a:avLst/>
+              </a:prstGeom>
+            </p:spPr>
+            <p:style>
+              <a:lnRef idx="2">
+                <a:schemeClr val="accent5">
+                  <a:shade val="50000"/>
+                </a:schemeClr>
+              </a:lnRef>
+              <a:fillRef idx="1">
+                <a:schemeClr val="accent5"/>
+              </a:fillRef>
+              <a:effectRef idx="0">
+                <a:schemeClr val="accent5"/>
+              </a:effectRef>
+              <a:fontRef idx="minor">
+                <a:schemeClr val="lt1"/>
+              </a:fontRef>
+            </p:style>
+            <p:txBody>
+              <a:bodyPr rtlCol="0" anchor="ctr"/>
+              <a:lstStyle/>
+              <a:p>
+                <a:pPr algn="ctr"/>
+                <a:endParaRPr lang="en-US" dirty="0"/>
+              </a:p>
+            </p:txBody>
+          </p:sp>
+          <p:sp>
+            <p:nvSpPr>
+              <p:cNvPr id="39" name="Hexagon 38">
+                <a:extLst>
+                  <a:ext uri="{FF2B5EF4-FFF2-40B4-BE49-F238E27FC236}">
+                    <a16:creationId xmlns:a16="http://schemas.microsoft.com/office/drawing/2014/main" id="{D158549F-1042-49D3-9593-FD3C95A98C04}"/>
+                  </a:ext>
+                </a:extLst>
+              </p:cNvPr>
+              <p:cNvSpPr/>
+              <p:nvPr/>
+            </p:nvSpPr>
+            <p:spPr>
+              <a:xfrm>
+                <a:off x="3701739" y="2913010"/>
+                <a:ext cx="1127436" cy="238441"/>
+              </a:xfrm>
+              <a:prstGeom prst="hexagon">
+                <a:avLst/>
+              </a:prstGeom>
+            </p:spPr>
+            <p:style>
+              <a:lnRef idx="2">
+                <a:schemeClr val="accent1"/>
+              </a:lnRef>
+              <a:fillRef idx="1">
+                <a:schemeClr val="lt1"/>
+              </a:fillRef>
+              <a:effectRef idx="0">
+                <a:schemeClr val="accent1"/>
+              </a:effectRef>
+              <a:fontRef idx="minor">
+                <a:schemeClr val="dk1"/>
+              </a:fontRef>
+            </p:style>
+            <p:txBody>
+              <a:bodyPr rtlCol="0" anchor="ctr"/>
+              <a:lstStyle/>
+              <a:p>
+                <a:pPr algn="ctr"/>
+                <a:r>
+                  <a:rPr lang="en-US" sz="1200" dirty="0">
+                    <a:cs typeface="Segoe UI Semibold" panose="020B0702040204020203" pitchFamily="34" charset="0"/>
+                  </a:rPr>
+                  <a:t>SQL Server</a:t>
+                </a:r>
+              </a:p>
+            </p:txBody>
+          </p:sp>
+          <p:sp>
+            <p:nvSpPr>
+              <p:cNvPr id="40" name="TextBox 39">
+                <a:extLst>
+                  <a:ext uri="{FF2B5EF4-FFF2-40B4-BE49-F238E27FC236}">
+                    <a16:creationId xmlns:a16="http://schemas.microsoft.com/office/drawing/2014/main" id="{D881CBEF-E8BD-48D9-85F7-8753E362F013}"/>
+                  </a:ext>
+                </a:extLst>
+              </p:cNvPr>
+              <p:cNvSpPr txBox="1"/>
+              <p:nvPr/>
+            </p:nvSpPr>
+            <p:spPr>
+              <a:xfrm>
+                <a:off x="3715887" y="2566531"/>
+                <a:ext cx="1099147" cy="307777"/>
+              </a:xfrm>
+              <a:prstGeom prst="rect">
+                <a:avLst/>
+              </a:prstGeom>
+              <a:noFill/>
+            </p:spPr>
+            <p:txBody>
+              <a:bodyPr wrap="none" rtlCol="0">
+                <a:spAutoFit/>
+              </a:bodyPr>
+              <a:lstStyle/>
+              <a:p>
+                <a:pPr algn="ctr"/>
+                <a:r>
+                  <a:rPr lang="en-US" sz="1400" dirty="0">
+                    <a:solidFill>
+                      <a:schemeClr val="bg1"/>
+                    </a:solidFill>
+                  </a:rPr>
+                  <a:t>Storage Pool</a:t>
+                </a:r>
+              </a:p>
+            </p:txBody>
+          </p:sp>
+          <p:sp>
+            <p:nvSpPr>
+              <p:cNvPr id="41" name="Hexagon 40">
+                <a:extLst>
+                  <a:ext uri="{FF2B5EF4-FFF2-40B4-BE49-F238E27FC236}">
+                    <a16:creationId xmlns:a16="http://schemas.microsoft.com/office/drawing/2014/main" id="{51FD4917-ACCB-47E6-9FEB-452ACBA859CF}"/>
+                  </a:ext>
+                </a:extLst>
+              </p:cNvPr>
+              <p:cNvSpPr/>
+              <p:nvPr/>
+            </p:nvSpPr>
+            <p:spPr>
+              <a:xfrm>
+                <a:off x="3701739" y="3220341"/>
+                <a:ext cx="1127436" cy="238443"/>
+              </a:xfrm>
+              <a:prstGeom prst="hexagon">
+                <a:avLst/>
+              </a:prstGeom>
+            </p:spPr>
+            <p:style>
+              <a:lnRef idx="2">
+                <a:schemeClr val="accent1"/>
+              </a:lnRef>
+              <a:fillRef idx="1">
+                <a:schemeClr val="lt1"/>
+              </a:fillRef>
+              <a:effectRef idx="0">
+                <a:schemeClr val="accent1"/>
+              </a:effectRef>
+              <a:fontRef idx="minor">
+                <a:schemeClr val="dk1"/>
+              </a:fontRef>
+            </p:style>
+            <p:txBody>
+              <a:bodyPr rtlCol="0" anchor="ctr"/>
+              <a:lstStyle/>
+              <a:p>
+                <a:pPr algn="ctr"/>
+                <a:r>
+                  <a:rPr lang="en-US" sz="1200" dirty="0">
+                    <a:cs typeface="Segoe UI Semibold" panose="020B0702040204020203" pitchFamily="34" charset="0"/>
+                  </a:rPr>
+                  <a:t>Spark</a:t>
+                </a:r>
+              </a:p>
+            </p:txBody>
+          </p:sp>
+          <p:sp>
+            <p:nvSpPr>
+              <p:cNvPr id="42" name="Hexagon 41">
+                <a:extLst>
+                  <a:ext uri="{FF2B5EF4-FFF2-40B4-BE49-F238E27FC236}">
+                    <a16:creationId xmlns:a16="http://schemas.microsoft.com/office/drawing/2014/main" id="{89E9C900-767E-44CC-9B8A-15858741AE6A}"/>
+                  </a:ext>
+                </a:extLst>
+              </p:cNvPr>
+              <p:cNvSpPr/>
+              <p:nvPr/>
+            </p:nvSpPr>
+            <p:spPr>
+              <a:xfrm>
+                <a:off x="3709136" y="3527674"/>
+                <a:ext cx="1127436" cy="238443"/>
+              </a:xfrm>
+              <a:prstGeom prst="hexagon">
+                <a:avLst/>
+              </a:prstGeom>
+            </p:spPr>
+            <p:style>
+              <a:lnRef idx="2">
+                <a:schemeClr val="accent1"/>
+              </a:lnRef>
+              <a:fillRef idx="1">
+                <a:schemeClr val="lt1"/>
+              </a:fillRef>
+              <a:effectRef idx="0">
+                <a:schemeClr val="accent1"/>
+              </a:effectRef>
+              <a:fontRef idx="minor">
+                <a:schemeClr val="dk1"/>
+              </a:fontRef>
+            </p:style>
+            <p:txBody>
+              <a:bodyPr rtlCol="0" anchor="ctr"/>
+              <a:lstStyle/>
+              <a:p>
+                <a:pPr algn="ctr"/>
+                <a:r>
+                  <a:rPr lang="en-US" sz="1200" dirty="0">
+                    <a:cs typeface="Segoe UI Semibold" panose="020B0702040204020203" pitchFamily="34" charset="0"/>
+                  </a:rPr>
+                  <a:t>HDFS</a:t>
+                </a:r>
+              </a:p>
+            </p:txBody>
+          </p:sp>
+        </p:grpSp>
+        <p:grpSp>
+          <p:nvGrpSpPr>
+            <p:cNvPr id="43" name="Group 42">
+              <a:extLst>
+                <a:ext uri="{FF2B5EF4-FFF2-40B4-BE49-F238E27FC236}">
+                  <a16:creationId xmlns:a16="http://schemas.microsoft.com/office/drawing/2014/main" id="{71AB7420-1A5C-4C28-B2A2-6FFFA310EC1C}"/>
+                </a:ext>
+              </a:extLst>
+            </p:cNvPr>
+            <p:cNvGrpSpPr/>
+            <p:nvPr/>
+          </p:nvGrpSpPr>
+          <p:grpSpPr>
+            <a:xfrm>
+              <a:off x="6511201" y="4155844"/>
+              <a:ext cx="1761526" cy="1446628"/>
+              <a:chOff x="3388203" y="2497473"/>
+              <a:chExt cx="1761526" cy="1446628"/>
+            </a:xfrm>
+          </p:grpSpPr>
+          <p:sp>
+            <p:nvSpPr>
+              <p:cNvPr id="44" name="Hexagon 43">
+                <a:extLst>
+                  <a:ext uri="{FF2B5EF4-FFF2-40B4-BE49-F238E27FC236}">
+                    <a16:creationId xmlns:a16="http://schemas.microsoft.com/office/drawing/2014/main" id="{7E844634-0F2D-4F09-A840-5EAA24DE6881}"/>
+                  </a:ext>
+                </a:extLst>
+              </p:cNvPr>
+              <p:cNvSpPr/>
+              <p:nvPr/>
+            </p:nvSpPr>
+            <p:spPr>
+              <a:xfrm>
+                <a:off x="3388203" y="2497473"/>
+                <a:ext cx="1761526" cy="1446628"/>
+              </a:xfrm>
+              <a:prstGeom prst="hexagon">
+                <a:avLst/>
+              </a:prstGeom>
+            </p:spPr>
+            <p:style>
+              <a:lnRef idx="2">
+                <a:schemeClr val="accent5">
+                  <a:shade val="50000"/>
+                </a:schemeClr>
+              </a:lnRef>
+              <a:fillRef idx="1">
+                <a:schemeClr val="accent5"/>
+              </a:fillRef>
+              <a:effectRef idx="0">
+                <a:schemeClr val="accent5"/>
+              </a:effectRef>
+              <a:fontRef idx="minor">
+                <a:schemeClr val="lt1"/>
+              </a:fontRef>
+            </p:style>
+            <p:txBody>
+              <a:bodyPr rtlCol="0" anchor="ctr"/>
+              <a:lstStyle/>
+              <a:p>
+                <a:pPr algn="ctr"/>
+                <a:endParaRPr lang="en-US" dirty="0"/>
+              </a:p>
+            </p:txBody>
+          </p:sp>
+          <p:sp>
+            <p:nvSpPr>
+              <p:cNvPr id="45" name="Hexagon 44">
+                <a:extLst>
+                  <a:ext uri="{FF2B5EF4-FFF2-40B4-BE49-F238E27FC236}">
+                    <a16:creationId xmlns:a16="http://schemas.microsoft.com/office/drawing/2014/main" id="{CAE58A58-2AA9-426D-B1E0-C1E74C8F6A98}"/>
+                  </a:ext>
+                </a:extLst>
+              </p:cNvPr>
+              <p:cNvSpPr/>
+              <p:nvPr/>
+            </p:nvSpPr>
+            <p:spPr>
+              <a:xfrm>
+                <a:off x="3701739" y="2913010"/>
+                <a:ext cx="1127436" cy="238441"/>
+              </a:xfrm>
+              <a:prstGeom prst="hexagon">
+                <a:avLst/>
+              </a:prstGeom>
+            </p:spPr>
+            <p:style>
+              <a:lnRef idx="2">
+                <a:schemeClr val="accent1"/>
+              </a:lnRef>
+              <a:fillRef idx="1">
+                <a:schemeClr val="lt1"/>
+              </a:fillRef>
+              <a:effectRef idx="0">
+                <a:schemeClr val="accent1"/>
+              </a:effectRef>
+              <a:fontRef idx="minor">
+                <a:schemeClr val="dk1"/>
+              </a:fontRef>
+            </p:style>
+            <p:txBody>
+              <a:bodyPr rtlCol="0" anchor="ctr"/>
+              <a:lstStyle/>
+              <a:p>
+                <a:pPr algn="ctr"/>
+                <a:r>
+                  <a:rPr lang="en-US" sz="1200" dirty="0">
+                    <a:cs typeface="Segoe UI Semibold" panose="020B0702040204020203" pitchFamily="34" charset="0"/>
+                  </a:rPr>
+                  <a:t>SQL Node</a:t>
+                </a:r>
+              </a:p>
+            </p:txBody>
+          </p:sp>
+          <p:sp>
+            <p:nvSpPr>
+              <p:cNvPr id="46" name="TextBox 45">
+                <a:extLst>
+                  <a:ext uri="{FF2B5EF4-FFF2-40B4-BE49-F238E27FC236}">
+                    <a16:creationId xmlns:a16="http://schemas.microsoft.com/office/drawing/2014/main" id="{89023AD9-03B1-4B8F-9E2A-E08607DC21BF}"/>
+                  </a:ext>
+                </a:extLst>
+              </p:cNvPr>
+              <p:cNvSpPr txBox="1"/>
+              <p:nvPr/>
+            </p:nvSpPr>
+            <p:spPr>
+              <a:xfrm>
+                <a:off x="3822583" y="2566531"/>
+                <a:ext cx="885755" cy="307777"/>
+              </a:xfrm>
+              <a:prstGeom prst="rect">
+                <a:avLst/>
+              </a:prstGeom>
+              <a:noFill/>
+            </p:spPr>
+            <p:txBody>
+              <a:bodyPr wrap="none" rtlCol="0">
+                <a:spAutoFit/>
+              </a:bodyPr>
+              <a:lstStyle/>
+              <a:p>
+                <a:pPr algn="ctr"/>
+                <a:r>
+                  <a:rPr lang="en-US" sz="1400" dirty="0">
+                    <a:solidFill>
+                      <a:schemeClr val="bg1"/>
+                    </a:solidFill>
+                  </a:rPr>
+                  <a:t>Data Pool</a:t>
+                </a:r>
+              </a:p>
+            </p:txBody>
+          </p:sp>
+          <p:sp>
+            <p:nvSpPr>
+              <p:cNvPr id="47" name="Hexagon 46">
+                <a:extLst>
+                  <a:ext uri="{FF2B5EF4-FFF2-40B4-BE49-F238E27FC236}">
+                    <a16:creationId xmlns:a16="http://schemas.microsoft.com/office/drawing/2014/main" id="{4DA376F4-0AC0-4D49-B49C-E58DDC449FCE}"/>
+                  </a:ext>
+                </a:extLst>
+              </p:cNvPr>
+              <p:cNvSpPr/>
+              <p:nvPr/>
+            </p:nvSpPr>
+            <p:spPr>
+              <a:xfrm>
+                <a:off x="3701739" y="3220341"/>
+                <a:ext cx="1127436" cy="238443"/>
+              </a:xfrm>
+              <a:prstGeom prst="hexagon">
+                <a:avLst/>
+              </a:prstGeom>
+            </p:spPr>
+            <p:style>
+              <a:lnRef idx="2">
+                <a:schemeClr val="accent1"/>
+              </a:lnRef>
+              <a:fillRef idx="1">
+                <a:schemeClr val="lt1"/>
+              </a:fillRef>
+              <a:effectRef idx="0">
+                <a:schemeClr val="accent1"/>
+              </a:effectRef>
+              <a:fontRef idx="minor">
+                <a:schemeClr val="dk1"/>
+              </a:fontRef>
+            </p:style>
+            <p:txBody>
+              <a:bodyPr rtlCol="0" anchor="ctr"/>
+              <a:lstStyle/>
+              <a:p>
+                <a:pPr algn="ctr"/>
+                <a:r>
+                  <a:rPr lang="en-US" sz="1200" dirty="0">
+                    <a:cs typeface="Segoe UI Semibold" panose="020B0702040204020203" pitchFamily="34" charset="0"/>
+                  </a:rPr>
+                  <a:t>SQL Node</a:t>
+                </a:r>
+              </a:p>
+            </p:txBody>
+          </p:sp>
+          <p:sp>
+            <p:nvSpPr>
+              <p:cNvPr id="48" name="Hexagon 47">
+                <a:extLst>
+                  <a:ext uri="{FF2B5EF4-FFF2-40B4-BE49-F238E27FC236}">
+                    <a16:creationId xmlns:a16="http://schemas.microsoft.com/office/drawing/2014/main" id="{A7447C3C-A63A-44F3-AA1B-A55F9A84CA83}"/>
+                  </a:ext>
+                </a:extLst>
+              </p:cNvPr>
+              <p:cNvSpPr/>
+              <p:nvPr/>
+            </p:nvSpPr>
+            <p:spPr>
+              <a:xfrm>
+                <a:off x="3709136" y="3527674"/>
+                <a:ext cx="1127436" cy="238443"/>
+              </a:xfrm>
+              <a:prstGeom prst="hexagon">
+                <a:avLst/>
+              </a:prstGeom>
+            </p:spPr>
+            <p:style>
+              <a:lnRef idx="2">
+                <a:schemeClr val="accent1"/>
+              </a:lnRef>
+              <a:fillRef idx="1">
+                <a:schemeClr val="lt1"/>
+              </a:fillRef>
+              <a:effectRef idx="0">
+                <a:schemeClr val="accent1"/>
+              </a:effectRef>
+              <a:fontRef idx="minor">
+                <a:schemeClr val="dk1"/>
+              </a:fontRef>
+            </p:style>
+            <p:txBody>
+              <a:bodyPr rtlCol="0" anchor="ctr"/>
+              <a:lstStyle/>
+              <a:p>
+                <a:pPr algn="ctr"/>
+                <a:r>
+                  <a:rPr lang="en-US" sz="1200" dirty="0">
+                    <a:cs typeface="Segoe UI Semibold" panose="020B0702040204020203" pitchFamily="34" charset="0"/>
+                  </a:rPr>
+                  <a:t>SQL Node</a:t>
+                </a:r>
+              </a:p>
+            </p:txBody>
+          </p:sp>
+        </p:grpSp>
+        <p:pic>
+          <p:nvPicPr>
+            <p:cNvPr id="51" name="Graphic 50" descr="Database">
+              <a:extLst>
+                <a:ext uri="{FF2B5EF4-FFF2-40B4-BE49-F238E27FC236}">
+                  <a16:creationId xmlns:a16="http://schemas.microsoft.com/office/drawing/2014/main" id="{D4D1A0D4-F6AC-47F7-AF5E-AB6205914953}"/>
+                </a:ext>
+              </a:extLst>
+            </p:cNvPr>
+            <p:cNvPicPr>
+              <a:picLocks noChangeAspect="1"/>
+            </p:cNvPicPr>
+            <p:nvPr/>
+          </p:nvPicPr>
+          <p:blipFill>
+            <a:blip r:embed="rId2">
+              <a:extLst>
+                <a:ext uri="{96DAC541-7B7A-43D3-8B79-37D633B846F1}">
+                  <asvg:svgBlip xmlns:asvg="http://schemas.microsoft.com/office/drawing/2016/SVG/main" r:embed="rId3"/>
+                </a:ext>
+              </a:extLst>
+            </a:blip>
+            <a:stretch>
+              <a:fillRect/>
+            </a:stretch>
+          </p:blipFill>
+          <p:spPr>
+            <a:xfrm>
+              <a:off x="6293734" y="4934468"/>
+              <a:ext cx="543427" cy="543427"/>
+            </a:xfrm>
+            <a:prstGeom prst="rect">
+              <a:avLst/>
+            </a:prstGeom>
+          </p:spPr>
+        </p:pic>
+        <p:pic>
+          <p:nvPicPr>
+            <p:cNvPr id="52" name="Graphic 51" descr="Database">
+              <a:extLst>
+                <a:ext uri="{FF2B5EF4-FFF2-40B4-BE49-F238E27FC236}">
+                  <a16:creationId xmlns:a16="http://schemas.microsoft.com/office/drawing/2014/main" id="{D96AD5B6-58B8-4A25-91DE-546A9096E39D}"/>
+                </a:ext>
+              </a:extLst>
+            </p:cNvPr>
+            <p:cNvPicPr>
+              <a:picLocks noChangeAspect="1"/>
+            </p:cNvPicPr>
+            <p:nvPr/>
+          </p:nvPicPr>
+          <p:blipFill>
+            <a:blip r:embed="rId2">
+              <a:extLst>
+                <a:ext uri="{96DAC541-7B7A-43D3-8B79-37D633B846F1}">
+                  <asvg:svgBlip xmlns:asvg="http://schemas.microsoft.com/office/drawing/2016/SVG/main" r:embed="rId3"/>
+                </a:ext>
+              </a:extLst>
+            </a:blip>
+            <a:stretch>
+              <a:fillRect/>
+            </a:stretch>
+          </p:blipFill>
+          <p:spPr>
+            <a:xfrm>
+              <a:off x="6386294" y="5093490"/>
+              <a:ext cx="543427" cy="543427"/>
+            </a:xfrm>
+            <a:prstGeom prst="rect">
+              <a:avLst/>
+            </a:prstGeom>
+          </p:spPr>
+        </p:pic>
+        <p:pic>
+          <p:nvPicPr>
+            <p:cNvPr id="53" name="Graphic 52" descr="Database">
+              <a:extLst>
+                <a:ext uri="{FF2B5EF4-FFF2-40B4-BE49-F238E27FC236}">
+                  <a16:creationId xmlns:a16="http://schemas.microsoft.com/office/drawing/2014/main" id="{E2450FB9-5470-4C71-A6EA-D056FFF58A02}"/>
+                </a:ext>
+              </a:extLst>
+            </p:cNvPr>
+            <p:cNvPicPr>
+              <a:picLocks noChangeAspect="1"/>
+            </p:cNvPicPr>
+            <p:nvPr/>
+          </p:nvPicPr>
+          <p:blipFill>
+            <a:blip r:embed="rId2">
+              <a:extLst>
+                <a:ext uri="{96DAC541-7B7A-43D3-8B79-37D633B846F1}">
+                  <asvg:svgBlip xmlns:asvg="http://schemas.microsoft.com/office/drawing/2016/SVG/main" r:embed="rId3"/>
+                </a:ext>
+              </a:extLst>
+            </a:blip>
+            <a:stretch>
+              <a:fillRect/>
+            </a:stretch>
+          </p:blipFill>
+          <p:spPr>
+            <a:xfrm>
+              <a:off x="6168432" y="5212934"/>
+              <a:ext cx="543427" cy="543427"/>
+            </a:xfrm>
+            <a:prstGeom prst="rect">
+              <a:avLst/>
+            </a:prstGeom>
+          </p:spPr>
+        </p:pic>
+        <p:grpSp>
+          <p:nvGrpSpPr>
+            <p:cNvPr id="66" name="Group 65">
+              <a:extLst>
+                <a:ext uri="{FF2B5EF4-FFF2-40B4-BE49-F238E27FC236}">
+                  <a16:creationId xmlns:a16="http://schemas.microsoft.com/office/drawing/2014/main" id="{0B434F53-E2F4-4B2C-A307-83C21761725E}"/>
+                </a:ext>
+              </a:extLst>
+            </p:cNvPr>
+            <p:cNvGrpSpPr/>
+            <p:nvPr/>
+          </p:nvGrpSpPr>
+          <p:grpSpPr>
+            <a:xfrm>
+              <a:off x="6234442" y="3380805"/>
+              <a:ext cx="667150" cy="822040"/>
+              <a:chOff x="6242606" y="3331821"/>
+              <a:chExt cx="667150" cy="822040"/>
+            </a:xfrm>
+          </p:grpSpPr>
+          <p:grpSp>
+            <p:nvGrpSpPr>
+              <p:cNvPr id="64" name="Group 63">
+                <a:extLst>
+                  <a:ext uri="{FF2B5EF4-FFF2-40B4-BE49-F238E27FC236}">
+                    <a16:creationId xmlns:a16="http://schemas.microsoft.com/office/drawing/2014/main" id="{3BAC59FC-0179-4B26-9BDC-4866B775E53E}"/>
+                  </a:ext>
+                </a:extLst>
+              </p:cNvPr>
+              <p:cNvGrpSpPr/>
+              <p:nvPr/>
+            </p:nvGrpSpPr>
+            <p:grpSpPr>
+              <a:xfrm>
+                <a:off x="6242606" y="3331821"/>
+                <a:ext cx="589528" cy="628024"/>
+                <a:chOff x="5189246" y="5758190"/>
+                <a:chExt cx="589528" cy="628024"/>
+              </a:xfrm>
+            </p:grpSpPr>
+            <p:pic>
+              <p:nvPicPr>
+                <p:cNvPr id="61" name="Graphic 60" descr="Folder">
+                  <a:extLst>
+                    <a:ext uri="{FF2B5EF4-FFF2-40B4-BE49-F238E27FC236}">
+                      <a16:creationId xmlns:a16="http://schemas.microsoft.com/office/drawing/2014/main" id="{20FBA1B2-F252-455E-A8A7-42DD3EB5AB56}"/>
+                    </a:ext>
+                  </a:extLst>
+                </p:cNvPr>
+                <p:cNvPicPr>
+                  <a:picLocks noChangeAspect="1"/>
+                </p:cNvPicPr>
+                <p:nvPr/>
+              </p:nvPicPr>
+              <p:blipFill>
+                <a:blip r:embed="rId4">
+                  <a:extLst>
+                    <a:ext uri="{96DAC541-7B7A-43D3-8B79-37D633B846F1}">
+                      <asvg:svgBlip xmlns:asvg="http://schemas.microsoft.com/office/drawing/2016/SVG/main" r:embed="rId5"/>
+                    </a:ext>
+                  </a:extLst>
+                </a:blip>
+                <a:stretch>
+                  <a:fillRect/>
+                </a:stretch>
+              </p:blipFill>
+              <p:spPr>
+                <a:xfrm>
+                  <a:off x="5235347" y="5758190"/>
+                  <a:ext cx="543427" cy="543427"/>
+                </a:xfrm>
+                <a:prstGeom prst="rect">
+                  <a:avLst/>
+                </a:prstGeom>
+              </p:spPr>
+            </p:pic>
+            <p:pic>
+              <p:nvPicPr>
+                <p:cNvPr id="62" name="Graphic 61" descr="Folder">
+                  <a:extLst>
+                    <a:ext uri="{FF2B5EF4-FFF2-40B4-BE49-F238E27FC236}">
+                      <a16:creationId xmlns:a16="http://schemas.microsoft.com/office/drawing/2014/main" id="{0C3B4A84-EE40-4145-88C0-C0DDAEB09B21}"/>
+                    </a:ext>
+                  </a:extLst>
+                </p:cNvPr>
+                <p:cNvPicPr>
+                  <a:picLocks noChangeAspect="1"/>
+                </p:cNvPicPr>
+                <p:nvPr/>
+              </p:nvPicPr>
+              <p:blipFill>
+                <a:blip r:embed="rId4">
+                  <a:extLst>
+                    <a:ext uri="{96DAC541-7B7A-43D3-8B79-37D633B846F1}">
+                      <asvg:svgBlip xmlns:asvg="http://schemas.microsoft.com/office/drawing/2016/SVG/main" r:embed="rId5"/>
+                    </a:ext>
+                  </a:extLst>
+                </a:blip>
+                <a:stretch>
+                  <a:fillRect/>
+                </a:stretch>
+              </p:blipFill>
+              <p:spPr>
+                <a:xfrm>
+                  <a:off x="5216431" y="5799409"/>
+                  <a:ext cx="543427" cy="543427"/>
+                </a:xfrm>
+                <a:prstGeom prst="rect">
+                  <a:avLst/>
+                </a:prstGeom>
+              </p:spPr>
+            </p:pic>
+            <p:pic>
+              <p:nvPicPr>
+                <p:cNvPr id="63" name="Graphic 62" descr="Folder">
+                  <a:extLst>
+                    <a:ext uri="{FF2B5EF4-FFF2-40B4-BE49-F238E27FC236}">
+                      <a16:creationId xmlns:a16="http://schemas.microsoft.com/office/drawing/2014/main" id="{D08C5C87-BB69-4FE9-BF11-DC78AE524BD7}"/>
+                    </a:ext>
+                  </a:extLst>
+                </p:cNvPr>
+                <p:cNvPicPr>
+                  <a:picLocks noChangeAspect="1"/>
+                </p:cNvPicPr>
+                <p:nvPr/>
+              </p:nvPicPr>
+              <p:blipFill>
+                <a:blip r:embed="rId4">
+                  <a:extLst>
+                    <a:ext uri="{96DAC541-7B7A-43D3-8B79-37D633B846F1}">
+                      <asvg:svgBlip xmlns:asvg="http://schemas.microsoft.com/office/drawing/2016/SVG/main" r:embed="rId5"/>
+                    </a:ext>
+                  </a:extLst>
+                </a:blip>
+                <a:stretch>
+                  <a:fillRect/>
+                </a:stretch>
+              </p:blipFill>
+              <p:spPr>
+                <a:xfrm>
+                  <a:off x="5189246" y="5842787"/>
+                  <a:ext cx="543427" cy="543427"/>
+                </a:xfrm>
+                <a:prstGeom prst="rect">
+                  <a:avLst/>
+                </a:prstGeom>
+              </p:spPr>
+            </p:pic>
+          </p:grpSp>
+          <p:grpSp>
+            <p:nvGrpSpPr>
+              <p:cNvPr id="65" name="Group 64">
+                <a:extLst>
+                  <a:ext uri="{FF2B5EF4-FFF2-40B4-BE49-F238E27FC236}">
+                    <a16:creationId xmlns:a16="http://schemas.microsoft.com/office/drawing/2014/main" id="{7DC25544-B9E7-49DB-8AFC-D17D93117D4C}"/>
+                  </a:ext>
+                </a:extLst>
+              </p:cNvPr>
+              <p:cNvGrpSpPr/>
+              <p:nvPr/>
+            </p:nvGrpSpPr>
+            <p:grpSpPr>
+              <a:xfrm>
+                <a:off x="6321378" y="3534702"/>
+                <a:ext cx="588378" cy="619159"/>
+                <a:chOff x="6255755" y="5823323"/>
+                <a:chExt cx="588378" cy="619159"/>
+              </a:xfrm>
+            </p:grpSpPr>
+            <p:pic>
+              <p:nvPicPr>
+                <p:cNvPr id="58" name="Graphic 57" descr="Folder">
+                  <a:extLst>
+                    <a:ext uri="{FF2B5EF4-FFF2-40B4-BE49-F238E27FC236}">
+                      <a16:creationId xmlns:a16="http://schemas.microsoft.com/office/drawing/2014/main" id="{1C38F608-F169-4BD2-9E2D-99AF5AA4E727}"/>
+                    </a:ext>
+                  </a:extLst>
+                </p:cNvPr>
+                <p:cNvPicPr>
+                  <a:picLocks noChangeAspect="1"/>
+                </p:cNvPicPr>
+                <p:nvPr/>
+              </p:nvPicPr>
+              <p:blipFill>
+                <a:blip r:embed="rId6">
+                  <a:extLst>
+                    <a:ext uri="{96DAC541-7B7A-43D3-8B79-37D633B846F1}">
+                      <asvg:svgBlip xmlns:asvg="http://schemas.microsoft.com/office/drawing/2016/SVG/main" r:embed="rId7"/>
+                    </a:ext>
+                  </a:extLst>
+                </a:blip>
+                <a:stretch>
+                  <a:fillRect/>
+                </a:stretch>
+              </p:blipFill>
+              <p:spPr>
+                <a:xfrm>
+                  <a:off x="6300706" y="5823323"/>
+                  <a:ext cx="543427" cy="543427"/>
+                </a:xfrm>
+                <a:prstGeom prst="rect">
+                  <a:avLst/>
+                </a:prstGeom>
+              </p:spPr>
+            </p:pic>
+            <p:pic>
+              <p:nvPicPr>
+                <p:cNvPr id="59" name="Graphic 58" descr="Folder">
+                  <a:extLst>
+                    <a:ext uri="{FF2B5EF4-FFF2-40B4-BE49-F238E27FC236}">
+                      <a16:creationId xmlns:a16="http://schemas.microsoft.com/office/drawing/2014/main" id="{4FC3E5DD-F3CC-4F9B-A91C-5BBBCB1C935A}"/>
+                    </a:ext>
+                  </a:extLst>
+                </p:cNvPr>
+                <p:cNvPicPr>
+                  <a:picLocks noChangeAspect="1"/>
+                </p:cNvPicPr>
+                <p:nvPr/>
+              </p:nvPicPr>
+              <p:blipFill>
+                <a:blip r:embed="rId6">
+                  <a:extLst>
+                    <a:ext uri="{96DAC541-7B7A-43D3-8B79-37D633B846F1}">
+                      <asvg:svgBlip xmlns:asvg="http://schemas.microsoft.com/office/drawing/2016/SVG/main" r:embed="rId7"/>
+                    </a:ext>
+                  </a:extLst>
+                </a:blip>
+                <a:stretch>
+                  <a:fillRect/>
+                </a:stretch>
+              </p:blipFill>
+              <p:spPr>
+                <a:xfrm>
+                  <a:off x="6276213" y="5859490"/>
+                  <a:ext cx="543427" cy="543427"/>
+                </a:xfrm>
+                <a:prstGeom prst="rect">
+                  <a:avLst/>
+                </a:prstGeom>
+              </p:spPr>
+            </p:pic>
+            <p:pic>
+              <p:nvPicPr>
+                <p:cNvPr id="60" name="Graphic 59" descr="Folder">
+                  <a:extLst>
+                    <a:ext uri="{FF2B5EF4-FFF2-40B4-BE49-F238E27FC236}">
+                      <a16:creationId xmlns:a16="http://schemas.microsoft.com/office/drawing/2014/main" id="{166681B4-850B-4BEE-9C26-BA85FBA4FD17}"/>
+                    </a:ext>
+                  </a:extLst>
+                </p:cNvPr>
+                <p:cNvPicPr>
+                  <a:picLocks noChangeAspect="1"/>
+                </p:cNvPicPr>
+                <p:nvPr/>
+              </p:nvPicPr>
+              <p:blipFill>
+                <a:blip r:embed="rId6">
+                  <a:extLst>
+                    <a:ext uri="{96DAC541-7B7A-43D3-8B79-37D633B846F1}">
+                      <asvg:svgBlip xmlns:asvg="http://schemas.microsoft.com/office/drawing/2016/SVG/main" r:embed="rId7"/>
+                    </a:ext>
+                  </a:extLst>
+                </a:blip>
+                <a:stretch>
+                  <a:fillRect/>
+                </a:stretch>
+              </p:blipFill>
+              <p:spPr>
+                <a:xfrm>
+                  <a:off x="6255755" y="5899055"/>
+                  <a:ext cx="543427" cy="543427"/>
+                </a:xfrm>
+                <a:prstGeom prst="rect">
+                  <a:avLst/>
+                </a:prstGeom>
+              </p:spPr>
+            </p:pic>
+          </p:grpSp>
+        </p:grpSp>
+        <p:grpSp>
+          <p:nvGrpSpPr>
+            <p:cNvPr id="67" name="Group 66">
+              <a:extLst>
+                <a:ext uri="{FF2B5EF4-FFF2-40B4-BE49-F238E27FC236}">
+                  <a16:creationId xmlns:a16="http://schemas.microsoft.com/office/drawing/2014/main" id="{D9B833D2-D940-413E-A850-F022494507F8}"/>
+                </a:ext>
+              </a:extLst>
+            </p:cNvPr>
+            <p:cNvGrpSpPr/>
+            <p:nvPr/>
+          </p:nvGrpSpPr>
+          <p:grpSpPr>
+            <a:xfrm>
+              <a:off x="3196327" y="4970511"/>
+              <a:ext cx="667150" cy="822040"/>
+              <a:chOff x="6242606" y="3331821"/>
+              <a:chExt cx="667150" cy="822040"/>
+            </a:xfrm>
+          </p:grpSpPr>
+          <p:grpSp>
+            <p:nvGrpSpPr>
+              <p:cNvPr id="68" name="Group 67">
+                <a:extLst>
+                  <a:ext uri="{FF2B5EF4-FFF2-40B4-BE49-F238E27FC236}">
+                    <a16:creationId xmlns:a16="http://schemas.microsoft.com/office/drawing/2014/main" id="{7FA55A9A-3B4B-4BB5-BC1C-C7EF8DEB8988}"/>
+                  </a:ext>
+                </a:extLst>
+              </p:cNvPr>
+              <p:cNvGrpSpPr/>
+              <p:nvPr/>
+            </p:nvGrpSpPr>
+            <p:grpSpPr>
+              <a:xfrm>
+                <a:off x="6242606" y="3331821"/>
+                <a:ext cx="589528" cy="628024"/>
+                <a:chOff x="5189246" y="5758190"/>
+                <a:chExt cx="589528" cy="628024"/>
+              </a:xfrm>
+            </p:grpSpPr>
+            <p:pic>
+              <p:nvPicPr>
+                <p:cNvPr id="73" name="Graphic 72" descr="Folder">
+                  <a:extLst>
+                    <a:ext uri="{FF2B5EF4-FFF2-40B4-BE49-F238E27FC236}">
+                      <a16:creationId xmlns:a16="http://schemas.microsoft.com/office/drawing/2014/main" id="{8A6D2454-8F87-4F6C-9F67-E8C02C969EFB}"/>
+                    </a:ext>
+                  </a:extLst>
+                </p:cNvPr>
+                <p:cNvPicPr>
+                  <a:picLocks noChangeAspect="1"/>
+                </p:cNvPicPr>
+                <p:nvPr/>
+              </p:nvPicPr>
+              <p:blipFill>
+                <a:blip r:embed="rId4">
+                  <a:extLst>
+                    <a:ext uri="{96DAC541-7B7A-43D3-8B79-37D633B846F1}">
+                      <asvg:svgBlip xmlns:asvg="http://schemas.microsoft.com/office/drawing/2016/SVG/main" r:embed="rId5"/>
+                    </a:ext>
+                  </a:extLst>
+                </a:blip>
+                <a:stretch>
+                  <a:fillRect/>
+                </a:stretch>
+              </p:blipFill>
+              <p:spPr>
+                <a:xfrm>
+                  <a:off x="5235347" y="5758190"/>
+                  <a:ext cx="543427" cy="543427"/>
+                </a:xfrm>
+                <a:prstGeom prst="rect">
+                  <a:avLst/>
+                </a:prstGeom>
+              </p:spPr>
+            </p:pic>
+            <p:pic>
+              <p:nvPicPr>
+                <p:cNvPr id="74" name="Graphic 73" descr="Folder">
+                  <a:extLst>
+                    <a:ext uri="{FF2B5EF4-FFF2-40B4-BE49-F238E27FC236}">
+                      <a16:creationId xmlns:a16="http://schemas.microsoft.com/office/drawing/2014/main" id="{06381204-DA72-402F-B585-1669790F9CC5}"/>
+                    </a:ext>
+                  </a:extLst>
+                </p:cNvPr>
+                <p:cNvPicPr>
+                  <a:picLocks noChangeAspect="1"/>
+                </p:cNvPicPr>
+                <p:nvPr/>
+              </p:nvPicPr>
+              <p:blipFill>
+                <a:blip r:embed="rId4">
+                  <a:extLst>
+                    <a:ext uri="{96DAC541-7B7A-43D3-8B79-37D633B846F1}">
+                      <asvg:svgBlip xmlns:asvg="http://schemas.microsoft.com/office/drawing/2016/SVG/main" r:embed="rId5"/>
+                    </a:ext>
+                  </a:extLst>
+                </a:blip>
+                <a:stretch>
+                  <a:fillRect/>
+                </a:stretch>
+              </p:blipFill>
+              <p:spPr>
+                <a:xfrm>
+                  <a:off x="5216431" y="5799409"/>
+                  <a:ext cx="543427" cy="543427"/>
+                </a:xfrm>
+                <a:prstGeom prst="rect">
+                  <a:avLst/>
+                </a:prstGeom>
+              </p:spPr>
+            </p:pic>
+            <p:pic>
+              <p:nvPicPr>
+                <p:cNvPr id="75" name="Graphic 74" descr="Folder">
+                  <a:extLst>
+                    <a:ext uri="{FF2B5EF4-FFF2-40B4-BE49-F238E27FC236}">
+                      <a16:creationId xmlns:a16="http://schemas.microsoft.com/office/drawing/2014/main" id="{A9FEADE8-8FEA-4378-B60D-3C30F434FDB0}"/>
+                    </a:ext>
+                  </a:extLst>
+                </p:cNvPr>
+                <p:cNvPicPr>
+                  <a:picLocks noChangeAspect="1"/>
+                </p:cNvPicPr>
+                <p:nvPr/>
+              </p:nvPicPr>
+              <p:blipFill>
+                <a:blip r:embed="rId4">
+                  <a:extLst>
+                    <a:ext uri="{96DAC541-7B7A-43D3-8B79-37D633B846F1}">
+                      <asvg:svgBlip xmlns:asvg="http://schemas.microsoft.com/office/drawing/2016/SVG/main" r:embed="rId5"/>
+                    </a:ext>
+                  </a:extLst>
+                </a:blip>
+                <a:stretch>
+                  <a:fillRect/>
+                </a:stretch>
+              </p:blipFill>
+              <p:spPr>
+                <a:xfrm>
+                  <a:off x="5189246" y="5842787"/>
+                  <a:ext cx="543427" cy="543427"/>
+                </a:xfrm>
+                <a:prstGeom prst="rect">
+                  <a:avLst/>
+                </a:prstGeom>
+              </p:spPr>
+            </p:pic>
+          </p:grpSp>
+          <p:grpSp>
+            <p:nvGrpSpPr>
+              <p:cNvPr id="69" name="Group 68">
+                <a:extLst>
+                  <a:ext uri="{FF2B5EF4-FFF2-40B4-BE49-F238E27FC236}">
+                    <a16:creationId xmlns:a16="http://schemas.microsoft.com/office/drawing/2014/main" id="{0F128A24-80AD-4633-9C47-986AB47823C9}"/>
+                  </a:ext>
+                </a:extLst>
+              </p:cNvPr>
+              <p:cNvGrpSpPr/>
+              <p:nvPr/>
+            </p:nvGrpSpPr>
+            <p:grpSpPr>
+              <a:xfrm>
+                <a:off x="6321378" y="3534702"/>
+                <a:ext cx="588378" cy="619159"/>
+                <a:chOff x="6255755" y="5823323"/>
+                <a:chExt cx="588378" cy="619159"/>
+              </a:xfrm>
+            </p:grpSpPr>
+            <p:pic>
+              <p:nvPicPr>
+                <p:cNvPr id="70" name="Graphic 69" descr="Folder">
+                  <a:extLst>
+                    <a:ext uri="{FF2B5EF4-FFF2-40B4-BE49-F238E27FC236}">
+                      <a16:creationId xmlns:a16="http://schemas.microsoft.com/office/drawing/2014/main" id="{CAA91F3F-3696-4C6E-B110-CE3B421183C7}"/>
+                    </a:ext>
+                  </a:extLst>
+                </p:cNvPr>
+                <p:cNvPicPr>
+                  <a:picLocks noChangeAspect="1"/>
+                </p:cNvPicPr>
+                <p:nvPr/>
+              </p:nvPicPr>
+              <p:blipFill>
+                <a:blip r:embed="rId6">
+                  <a:extLst>
+                    <a:ext uri="{96DAC541-7B7A-43D3-8B79-37D633B846F1}">
+                      <asvg:svgBlip xmlns:asvg="http://schemas.microsoft.com/office/drawing/2016/SVG/main" r:embed="rId7"/>
+                    </a:ext>
+                  </a:extLst>
+                </a:blip>
+                <a:stretch>
+                  <a:fillRect/>
+                </a:stretch>
+              </p:blipFill>
+              <p:spPr>
+                <a:xfrm>
+                  <a:off x="6300706" y="5823323"/>
+                  <a:ext cx="543427" cy="543427"/>
+                </a:xfrm>
+                <a:prstGeom prst="rect">
+                  <a:avLst/>
+                </a:prstGeom>
+              </p:spPr>
+            </p:pic>
+            <p:pic>
+              <p:nvPicPr>
+                <p:cNvPr id="71" name="Graphic 70" descr="Folder">
+                  <a:extLst>
+                    <a:ext uri="{FF2B5EF4-FFF2-40B4-BE49-F238E27FC236}">
+                      <a16:creationId xmlns:a16="http://schemas.microsoft.com/office/drawing/2014/main" id="{B1D25467-7701-4D8D-9FDC-29531B843522}"/>
+                    </a:ext>
+                  </a:extLst>
+                </p:cNvPr>
+                <p:cNvPicPr>
+                  <a:picLocks noChangeAspect="1"/>
+                </p:cNvPicPr>
+                <p:nvPr/>
+              </p:nvPicPr>
+              <p:blipFill>
+                <a:blip r:embed="rId6">
+                  <a:extLst>
+                    <a:ext uri="{96DAC541-7B7A-43D3-8B79-37D633B846F1}">
+                      <asvg:svgBlip xmlns:asvg="http://schemas.microsoft.com/office/drawing/2016/SVG/main" r:embed="rId7"/>
+                    </a:ext>
+                  </a:extLst>
+                </a:blip>
+                <a:stretch>
+                  <a:fillRect/>
+                </a:stretch>
+              </p:blipFill>
+              <p:spPr>
+                <a:xfrm>
+                  <a:off x="6276213" y="5859490"/>
+                  <a:ext cx="543427" cy="543427"/>
+                </a:xfrm>
+                <a:prstGeom prst="rect">
+                  <a:avLst/>
+                </a:prstGeom>
+              </p:spPr>
+            </p:pic>
+            <p:pic>
+              <p:nvPicPr>
+                <p:cNvPr id="72" name="Graphic 71" descr="Folder">
+                  <a:extLst>
+                    <a:ext uri="{FF2B5EF4-FFF2-40B4-BE49-F238E27FC236}">
+                      <a16:creationId xmlns:a16="http://schemas.microsoft.com/office/drawing/2014/main" id="{DDA4DCC1-09D0-419A-A0AE-DA515D0EC008}"/>
+                    </a:ext>
+                  </a:extLst>
+                </p:cNvPr>
+                <p:cNvPicPr>
+                  <a:picLocks noChangeAspect="1"/>
+                </p:cNvPicPr>
+                <p:nvPr/>
+              </p:nvPicPr>
+              <p:blipFill>
+                <a:blip r:embed="rId6">
+                  <a:extLst>
+                    <a:ext uri="{96DAC541-7B7A-43D3-8B79-37D633B846F1}">
+                      <asvg:svgBlip xmlns:asvg="http://schemas.microsoft.com/office/drawing/2016/SVG/main" r:embed="rId7"/>
+                    </a:ext>
+                  </a:extLst>
+                </a:blip>
+                <a:stretch>
+                  <a:fillRect/>
+                </a:stretch>
+              </p:blipFill>
+              <p:spPr>
+                <a:xfrm>
+                  <a:off x="6255755" y="5899055"/>
+                  <a:ext cx="543427" cy="543427"/>
+                </a:xfrm>
+                <a:prstGeom prst="rect">
+                  <a:avLst/>
+                </a:prstGeom>
+              </p:spPr>
+            </p:pic>
+          </p:grpSp>
+        </p:grpSp>
+      </p:grpSp>
+      <p:grpSp>
+        <p:nvGrpSpPr>
+          <p:cNvPr id="86" name="Group 85">
+            <a:extLst>
+              <a:ext uri="{FF2B5EF4-FFF2-40B4-BE49-F238E27FC236}">
+                <a16:creationId xmlns:a16="http://schemas.microsoft.com/office/drawing/2014/main" id="{598D8287-6340-4857-8F71-15280635CC3A}"/>
+              </a:ext>
+            </a:extLst>
+          </p:cNvPr>
+          <p:cNvGrpSpPr/>
+          <p:nvPr/>
+        </p:nvGrpSpPr>
+        <p:grpSpPr>
+          <a:xfrm>
+            <a:off x="136211" y="93922"/>
+            <a:ext cx="1921075" cy="1064171"/>
+            <a:chOff x="136211" y="-26894"/>
+            <a:chExt cx="1921075" cy="1064171"/>
+          </a:xfrm>
+        </p:grpSpPr>
+        <p:grpSp>
+          <p:nvGrpSpPr>
+            <p:cNvPr id="84" name="Group 83">
+              <a:extLst>
+                <a:ext uri="{FF2B5EF4-FFF2-40B4-BE49-F238E27FC236}">
+                  <a16:creationId xmlns:a16="http://schemas.microsoft.com/office/drawing/2014/main" id="{5629EB41-6220-4F07-8C2A-C18889E9D30D}"/>
+                </a:ext>
+              </a:extLst>
+            </p:cNvPr>
+            <p:cNvGrpSpPr/>
+            <p:nvPr/>
+          </p:nvGrpSpPr>
+          <p:grpSpPr>
+            <a:xfrm>
+              <a:off x="229621" y="244926"/>
+              <a:ext cx="1827665" cy="792351"/>
+              <a:chOff x="212213" y="79680"/>
+              <a:chExt cx="1827665" cy="792351"/>
+            </a:xfrm>
+          </p:grpSpPr>
+          <p:sp>
+            <p:nvSpPr>
+              <p:cNvPr id="78" name="Hexagon 77">
+                <a:extLst>
+                  <a:ext uri="{FF2B5EF4-FFF2-40B4-BE49-F238E27FC236}">
+                    <a16:creationId xmlns:a16="http://schemas.microsoft.com/office/drawing/2014/main" id="{DAB37678-27A9-4E30-B2DE-DB06E4D36825}"/>
+                  </a:ext>
+                </a:extLst>
+              </p:cNvPr>
+              <p:cNvSpPr/>
+              <p:nvPr/>
+            </p:nvSpPr>
+            <p:spPr>
+              <a:xfrm>
+                <a:off x="212215" y="161462"/>
+                <a:ext cx="524421" cy="166928"/>
+              </a:xfrm>
+              <a:prstGeom prst="hexagon">
+                <a:avLst/>
+              </a:prstGeom>
+            </p:spPr>
+            <p:style>
+              <a:lnRef idx="2">
+                <a:schemeClr val="accent4">
+                  <a:shade val="50000"/>
+                </a:schemeClr>
+              </a:lnRef>
+              <a:fillRef idx="1">
+                <a:schemeClr val="accent4"/>
+              </a:fillRef>
+              <a:effectRef idx="0">
+                <a:schemeClr val="accent4"/>
+              </a:effectRef>
+              <a:fontRef idx="minor">
+                <a:schemeClr val="lt1"/>
+              </a:fontRef>
+            </p:style>
+            <p:txBody>
+              <a:bodyPr rtlCol="0" anchor="ctr"/>
+              <a:lstStyle/>
+              <a:p>
+                <a:pPr algn="ctr"/>
+                <a:endParaRPr lang="en-US" dirty="0"/>
+              </a:p>
+            </p:txBody>
+          </p:sp>
+          <p:sp>
+            <p:nvSpPr>
+              <p:cNvPr id="79" name="Hexagon 78">
+                <a:extLst>
+                  <a:ext uri="{FF2B5EF4-FFF2-40B4-BE49-F238E27FC236}">
+                    <a16:creationId xmlns:a16="http://schemas.microsoft.com/office/drawing/2014/main" id="{45CFC71B-627F-424B-88C1-DCA450C39D56}"/>
+                  </a:ext>
+                </a:extLst>
+              </p:cNvPr>
+              <p:cNvSpPr/>
+              <p:nvPr/>
+            </p:nvSpPr>
+            <p:spPr>
+              <a:xfrm>
+                <a:off x="212214" y="397326"/>
+                <a:ext cx="524421" cy="166928"/>
+              </a:xfrm>
+              <a:prstGeom prst="hexagon">
+                <a:avLst/>
+              </a:prstGeom>
+            </p:spPr>
+            <p:style>
+              <a:lnRef idx="2">
+                <a:schemeClr val="accent6">
+                  <a:shade val="50000"/>
+                </a:schemeClr>
+              </a:lnRef>
+              <a:fillRef idx="1">
+                <a:schemeClr val="accent6"/>
+              </a:fillRef>
+              <a:effectRef idx="0">
+                <a:schemeClr val="accent6"/>
+              </a:effectRef>
+              <a:fontRef idx="minor">
+                <a:schemeClr val="lt1"/>
+              </a:fontRef>
+            </p:style>
+            <p:txBody>
+              <a:bodyPr rtlCol="0" anchor="ctr"/>
+              <a:lstStyle/>
+              <a:p>
+                <a:pPr algn="ctr"/>
+                <a:endParaRPr lang="en-US" dirty="0"/>
+              </a:p>
+            </p:txBody>
+          </p:sp>
+          <p:sp>
+            <p:nvSpPr>
+              <p:cNvPr id="80" name="Hexagon 79">
+                <a:extLst>
+                  <a:ext uri="{FF2B5EF4-FFF2-40B4-BE49-F238E27FC236}">
+                    <a16:creationId xmlns:a16="http://schemas.microsoft.com/office/drawing/2014/main" id="{145EAE31-C0E6-473D-B5F6-4A65E485374D}"/>
+                  </a:ext>
+                </a:extLst>
+              </p:cNvPr>
+              <p:cNvSpPr/>
+              <p:nvPr/>
+            </p:nvSpPr>
+            <p:spPr>
+              <a:xfrm>
+                <a:off x="212213" y="633190"/>
+                <a:ext cx="524421" cy="166928"/>
+              </a:xfrm>
+              <a:prstGeom prst="hexagon">
+                <a:avLst/>
+              </a:prstGeom>
+            </p:spPr>
+            <p:style>
+              <a:lnRef idx="2">
+                <a:schemeClr val="accent5">
+                  <a:shade val="50000"/>
+                </a:schemeClr>
+              </a:lnRef>
+              <a:fillRef idx="1">
+                <a:schemeClr val="accent5"/>
+              </a:fillRef>
+              <a:effectRef idx="0">
+                <a:schemeClr val="accent5"/>
+              </a:effectRef>
+              <a:fontRef idx="minor">
+                <a:schemeClr val="lt1"/>
+              </a:fontRef>
+            </p:style>
+            <p:txBody>
+              <a:bodyPr rtlCol="0" anchor="ctr"/>
+              <a:lstStyle/>
+              <a:p>
+                <a:pPr algn="ctr"/>
+                <a:endParaRPr lang="en-US" dirty="0"/>
+              </a:p>
+            </p:txBody>
+          </p:sp>
+          <p:sp>
+            <p:nvSpPr>
+              <p:cNvPr id="81" name="TextBox 80">
+                <a:extLst>
+                  <a:ext uri="{FF2B5EF4-FFF2-40B4-BE49-F238E27FC236}">
+                    <a16:creationId xmlns:a16="http://schemas.microsoft.com/office/drawing/2014/main" id="{EA9640A1-6ACF-4D3F-A5E4-19BB5E748E67}"/>
+                  </a:ext>
+                </a:extLst>
+              </p:cNvPr>
+              <p:cNvSpPr txBox="1"/>
+              <p:nvPr/>
+            </p:nvSpPr>
+            <p:spPr>
+              <a:xfrm>
+                <a:off x="736636" y="79680"/>
+                <a:ext cx="1172372" cy="307777"/>
+              </a:xfrm>
+              <a:prstGeom prst="rect">
+                <a:avLst/>
+              </a:prstGeom>
+              <a:noFill/>
+            </p:spPr>
+            <p:txBody>
+              <a:bodyPr wrap="none" rtlCol="0">
+                <a:spAutoFit/>
+              </a:bodyPr>
+              <a:lstStyle/>
+              <a:p>
+                <a:r>
+                  <a:rPr lang="en-US" sz="1400" dirty="0"/>
+                  <a:t>Control plane</a:t>
+                </a:r>
+              </a:p>
+            </p:txBody>
+          </p:sp>
+          <p:sp>
+            <p:nvSpPr>
+              <p:cNvPr id="82" name="TextBox 81">
+                <a:extLst>
+                  <a:ext uri="{FF2B5EF4-FFF2-40B4-BE49-F238E27FC236}">
+                    <a16:creationId xmlns:a16="http://schemas.microsoft.com/office/drawing/2014/main" id="{0D762430-0D91-4EB2-B778-C41D3B746B4C}"/>
+                  </a:ext>
+                </a:extLst>
+              </p:cNvPr>
+              <p:cNvSpPr txBox="1"/>
+              <p:nvPr/>
+            </p:nvSpPr>
+            <p:spPr>
+              <a:xfrm>
+                <a:off x="736636" y="325413"/>
+                <a:ext cx="1303242" cy="307777"/>
+              </a:xfrm>
+              <a:prstGeom prst="rect">
+                <a:avLst/>
+              </a:prstGeom>
+              <a:noFill/>
+            </p:spPr>
+            <p:txBody>
+              <a:bodyPr wrap="none" rtlCol="0">
+                <a:spAutoFit/>
+              </a:bodyPr>
+              <a:lstStyle/>
+              <a:p>
+                <a:r>
+                  <a:rPr lang="en-US" sz="1400" dirty="0"/>
+                  <a:t>Compute plane</a:t>
+                </a:r>
+              </a:p>
+            </p:txBody>
+          </p:sp>
+          <p:sp>
+            <p:nvSpPr>
+              <p:cNvPr id="83" name="TextBox 82">
+                <a:extLst>
+                  <a:ext uri="{FF2B5EF4-FFF2-40B4-BE49-F238E27FC236}">
+                    <a16:creationId xmlns:a16="http://schemas.microsoft.com/office/drawing/2014/main" id="{C4B61A23-A440-4823-B8DA-5E7B00568574}"/>
+                  </a:ext>
+                </a:extLst>
+              </p:cNvPr>
+              <p:cNvSpPr txBox="1"/>
+              <p:nvPr/>
+            </p:nvSpPr>
+            <p:spPr>
+              <a:xfrm>
+                <a:off x="736634" y="564254"/>
+                <a:ext cx="972702" cy="307777"/>
+              </a:xfrm>
+              <a:prstGeom prst="rect">
+                <a:avLst/>
+              </a:prstGeom>
+              <a:noFill/>
+            </p:spPr>
+            <p:txBody>
+              <a:bodyPr wrap="none" rtlCol="0">
+                <a:spAutoFit/>
+              </a:bodyPr>
+              <a:lstStyle/>
+              <a:p>
+                <a:r>
+                  <a:rPr lang="en-US" sz="1400" dirty="0"/>
+                  <a:t>Data plane</a:t>
+                </a:r>
+              </a:p>
+            </p:txBody>
+          </p:sp>
+        </p:grpSp>
+        <p:sp>
+          <p:nvSpPr>
+            <p:cNvPr id="85" name="TextBox 84">
+              <a:extLst>
+                <a:ext uri="{FF2B5EF4-FFF2-40B4-BE49-F238E27FC236}">
+                  <a16:creationId xmlns:a16="http://schemas.microsoft.com/office/drawing/2014/main" id="{B6D8E896-EDAC-4CD7-8D29-FCB3D6DA74DE}"/>
+                </a:ext>
+              </a:extLst>
+            </p:cNvPr>
+            <p:cNvSpPr txBox="1"/>
+            <p:nvPr/>
+          </p:nvSpPr>
+          <p:spPr>
+            <a:xfrm>
+              <a:off x="136211" y="-26894"/>
+              <a:ext cx="774058" cy="307777"/>
+            </a:xfrm>
+            <a:prstGeom prst="rect">
+              <a:avLst/>
+            </a:prstGeom>
+            <a:noFill/>
+          </p:spPr>
+          <p:txBody>
+            <a:bodyPr wrap="none" rtlCol="0">
+              <a:spAutoFit/>
+            </a:bodyPr>
+            <a:lstStyle/>
+            <a:p>
+              <a:r>
+                <a:rPr lang="en-US" sz="1400" dirty="0"/>
+                <a:t>LEGEND</a:t>
+              </a:r>
+            </a:p>
+          </p:txBody>
+        </p:sp>
+      </p:grpSp>
+      <p:pic>
+        <p:nvPicPr>
+          <p:cNvPr id="88" name="Graphic 87" descr="Internet">
+            <a:extLst>
+              <a:ext uri="{FF2B5EF4-FFF2-40B4-BE49-F238E27FC236}">
+                <a16:creationId xmlns:a16="http://schemas.microsoft.com/office/drawing/2014/main" id="{F5565E34-E2C4-458D-BEA1-7DADC7257CA9}"/>
+              </a:ext>
+            </a:extLst>
+          </p:cNvPr>
+          <p:cNvPicPr>
+            <a:picLocks noChangeAspect="1"/>
+          </p:cNvPicPr>
+          <p:nvPr/>
+        </p:nvPicPr>
+        <p:blipFill>
+          <a:blip r:embed="rId8">
+            <a:extLst>
+              <a:ext uri="{96DAC541-7B7A-43D3-8B79-37D633B846F1}">
+                <asvg:svgBlip xmlns:asvg="http://schemas.microsoft.com/office/drawing/2016/SVG/main" r:embed="rId9"/>
+              </a:ext>
+            </a:extLst>
+          </a:blip>
+          <a:stretch>
+            <a:fillRect/>
+          </a:stretch>
+        </p:blipFill>
+        <p:spPr>
+          <a:xfrm>
+            <a:off x="445815" y="1373109"/>
+            <a:ext cx="914400" cy="914400"/>
+          </a:xfrm>
+          <a:prstGeom prst="rect">
+            <a:avLst/>
+          </a:prstGeom>
+        </p:spPr>
+      </p:pic>
+      <p:pic>
+        <p:nvPicPr>
+          <p:cNvPr id="90" name="Graphic 89" descr="City">
+            <a:extLst>
+              <a:ext uri="{FF2B5EF4-FFF2-40B4-BE49-F238E27FC236}">
+                <a16:creationId xmlns:a16="http://schemas.microsoft.com/office/drawing/2014/main" id="{57D966A1-373D-49E1-ABDA-6D238065F52B}"/>
+              </a:ext>
+            </a:extLst>
+          </p:cNvPr>
+          <p:cNvPicPr>
+            <a:picLocks noChangeAspect="1"/>
+          </p:cNvPicPr>
+          <p:nvPr/>
+        </p:nvPicPr>
+        <p:blipFill>
+          <a:blip r:embed="rId10">
+            <a:extLst>
+              <a:ext uri="{96DAC541-7B7A-43D3-8B79-37D633B846F1}">
+                <asvg:svgBlip xmlns:asvg="http://schemas.microsoft.com/office/drawing/2016/SVG/main" r:embed="rId11"/>
+              </a:ext>
+            </a:extLst>
+          </a:blip>
+          <a:stretch>
+            <a:fillRect/>
+          </a:stretch>
+        </p:blipFill>
+        <p:spPr>
+          <a:xfrm>
+            <a:off x="9776938" y="93922"/>
+            <a:ext cx="914400" cy="914400"/>
+          </a:xfrm>
+          <a:prstGeom prst="rect">
+            <a:avLst/>
+          </a:prstGeom>
+        </p:spPr>
+      </p:pic>
+      <p:sp>
+        <p:nvSpPr>
+          <p:cNvPr id="91" name="TextBox 90">
+            <a:extLst>
+              <a:ext uri="{FF2B5EF4-FFF2-40B4-BE49-F238E27FC236}">
+                <a16:creationId xmlns:a16="http://schemas.microsoft.com/office/drawing/2014/main" id="{8645D067-1D80-4900-81E0-8707314FEE9F}"/>
+              </a:ext>
+            </a:extLst>
+          </p:cNvPr>
+          <p:cNvSpPr txBox="1"/>
+          <p:nvPr/>
+        </p:nvSpPr>
+        <p:spPr>
+          <a:xfrm>
+            <a:off x="385126" y="2141771"/>
+            <a:ext cx="1877502" cy="738664"/>
+          </a:xfrm>
+          <a:prstGeom prst="rect">
+            <a:avLst/>
+          </a:prstGeom>
+          <a:noFill/>
+        </p:spPr>
+        <p:txBody>
+          <a:bodyPr wrap="none" rtlCol="0">
+            <a:spAutoFit/>
+          </a:bodyPr>
+          <a:lstStyle/>
+          <a:p>
+            <a:r>
+              <a:rPr lang="en-US" sz="1400" b="1" dirty="0"/>
+              <a:t>LOB Apps</a:t>
+            </a:r>
+          </a:p>
+          <a:p>
+            <a:r>
+              <a:rPr lang="en-US" sz="1400" dirty="0"/>
+              <a:t>Application calls to SQL</a:t>
+            </a:r>
+          </a:p>
+          <a:p>
+            <a:r>
+              <a:rPr lang="en-US" sz="1400" dirty="0"/>
+              <a:t>Server Master Instance</a:t>
+            </a:r>
+          </a:p>
+        </p:txBody>
+      </p:sp>
+      <p:sp>
+        <p:nvSpPr>
+          <p:cNvPr id="92" name="TextBox 91">
+            <a:extLst>
+              <a:ext uri="{FF2B5EF4-FFF2-40B4-BE49-F238E27FC236}">
+                <a16:creationId xmlns:a16="http://schemas.microsoft.com/office/drawing/2014/main" id="{C3C171F2-6762-4089-BDB9-1AF68A7EB7D4}"/>
+              </a:ext>
+            </a:extLst>
+          </p:cNvPr>
+          <p:cNvSpPr txBox="1"/>
+          <p:nvPr/>
+        </p:nvSpPr>
+        <p:spPr>
+          <a:xfrm>
+            <a:off x="9740632" y="898827"/>
+            <a:ext cx="2066242" cy="1600438"/>
+          </a:xfrm>
+          <a:prstGeom prst="rect">
+            <a:avLst/>
+          </a:prstGeom>
+          <a:noFill/>
+        </p:spPr>
+        <p:txBody>
+          <a:bodyPr wrap="square" rtlCol="0">
+            <a:spAutoFit/>
+          </a:bodyPr>
+          <a:lstStyle/>
+          <a:p>
+            <a:r>
+              <a:rPr lang="en-US" sz="1400" b="1" dirty="0"/>
+              <a:t>Multiple Data Sources</a:t>
+            </a:r>
+          </a:p>
+          <a:p>
+            <a:r>
+              <a:rPr lang="en-US" sz="1400" dirty="0"/>
+              <a:t>Data Virtualization Scale-out calls through SQL Server Master Instance using PolyBase through the Compute Pool to the Data Pool</a:t>
+            </a:r>
+          </a:p>
+        </p:txBody>
+      </p:sp>
+      <p:sp>
+        <p:nvSpPr>
+          <p:cNvPr id="94" name="TextBox 93">
+            <a:extLst>
+              <a:ext uri="{FF2B5EF4-FFF2-40B4-BE49-F238E27FC236}">
+                <a16:creationId xmlns:a16="http://schemas.microsoft.com/office/drawing/2014/main" id="{40A7F31F-60EF-4549-8290-F3FC95A0CF65}"/>
+              </a:ext>
+            </a:extLst>
+          </p:cNvPr>
+          <p:cNvSpPr txBox="1"/>
+          <p:nvPr/>
+        </p:nvSpPr>
+        <p:spPr>
+          <a:xfrm>
+            <a:off x="9738954" y="2532642"/>
+            <a:ext cx="2066241" cy="1600438"/>
+          </a:xfrm>
+          <a:prstGeom prst="rect">
+            <a:avLst/>
+          </a:prstGeom>
+          <a:noFill/>
+        </p:spPr>
+        <p:txBody>
+          <a:bodyPr wrap="square" rtlCol="0">
+            <a:spAutoFit/>
+          </a:bodyPr>
+          <a:lstStyle/>
+          <a:p>
+            <a:r>
+              <a:rPr lang="en-US" sz="1400" b="1" dirty="0"/>
+              <a:t>Scaled Data Analytics</a:t>
+            </a:r>
+          </a:p>
+          <a:p>
+            <a:r>
+              <a:rPr lang="en-US" sz="1400" dirty="0"/>
+              <a:t>Data Mart Scale-out calls through SQL Server Master Instance using PolyBase into Data Pool. Direct calls to a Data Lake using the Storage Pool</a:t>
+            </a:r>
+          </a:p>
+        </p:txBody>
+      </p:sp>
+      <p:pic>
+        <p:nvPicPr>
+          <p:cNvPr id="96" name="Graphic 95" descr="Head with gears">
+            <a:extLst>
+              <a:ext uri="{FF2B5EF4-FFF2-40B4-BE49-F238E27FC236}">
+                <a16:creationId xmlns:a16="http://schemas.microsoft.com/office/drawing/2014/main" id="{51EF5915-F4DA-48EC-B9BF-AD4A2336BA12}"/>
+              </a:ext>
+            </a:extLst>
+          </p:cNvPr>
+          <p:cNvPicPr>
+            <a:picLocks noChangeAspect="1"/>
+          </p:cNvPicPr>
+          <p:nvPr/>
+        </p:nvPicPr>
+        <p:blipFill>
+          <a:blip r:embed="rId12">
+            <a:extLst>
+              <a:ext uri="{96DAC541-7B7A-43D3-8B79-37D633B846F1}">
+                <asvg:svgBlip xmlns:asvg="http://schemas.microsoft.com/office/drawing/2016/SVG/main" r:embed="rId13"/>
+              </a:ext>
+            </a:extLst>
+          </a:blip>
+          <a:stretch>
+            <a:fillRect/>
+          </a:stretch>
+        </p:blipFill>
+        <p:spPr>
+          <a:xfrm>
+            <a:off x="445815" y="3173639"/>
+            <a:ext cx="914400" cy="914400"/>
+          </a:xfrm>
+          <a:prstGeom prst="rect">
+            <a:avLst/>
+          </a:prstGeom>
+        </p:spPr>
+      </p:pic>
+      <p:pic>
+        <p:nvPicPr>
+          <p:cNvPr id="98" name="Graphic 97" descr="Female Profile">
+            <a:extLst>
+              <a:ext uri="{FF2B5EF4-FFF2-40B4-BE49-F238E27FC236}">
+                <a16:creationId xmlns:a16="http://schemas.microsoft.com/office/drawing/2014/main" id="{88333A01-F5F2-426B-9985-DEC6D5973964}"/>
+              </a:ext>
+            </a:extLst>
+          </p:cNvPr>
+          <p:cNvPicPr>
+            <a:picLocks noChangeAspect="1"/>
+          </p:cNvPicPr>
+          <p:nvPr/>
+        </p:nvPicPr>
+        <p:blipFill>
+          <a:blip r:embed="rId14">
+            <a:extLst>
+              <a:ext uri="{96DAC541-7B7A-43D3-8B79-37D633B846F1}">
+                <asvg:svgBlip xmlns:asvg="http://schemas.microsoft.com/office/drawing/2016/SVG/main" r:embed="rId15"/>
+              </a:ext>
+            </a:extLst>
+          </a:blip>
+          <a:stretch>
+            <a:fillRect/>
+          </a:stretch>
+        </p:blipFill>
+        <p:spPr>
+          <a:xfrm>
+            <a:off x="9696160" y="4234661"/>
+            <a:ext cx="914400" cy="914400"/>
+          </a:xfrm>
+          <a:prstGeom prst="rect">
+            <a:avLst/>
+          </a:prstGeom>
+        </p:spPr>
+      </p:pic>
+      <p:sp>
+        <p:nvSpPr>
+          <p:cNvPr id="99" name="TextBox 98">
+            <a:extLst>
+              <a:ext uri="{FF2B5EF4-FFF2-40B4-BE49-F238E27FC236}">
+                <a16:creationId xmlns:a16="http://schemas.microsoft.com/office/drawing/2014/main" id="{42B6BD3A-F976-44B2-A5F0-DE9B49278F61}"/>
+              </a:ext>
+            </a:extLst>
+          </p:cNvPr>
+          <p:cNvSpPr txBox="1"/>
+          <p:nvPr/>
+        </p:nvSpPr>
+        <p:spPr>
+          <a:xfrm>
+            <a:off x="381637" y="4102954"/>
+            <a:ext cx="2150132" cy="954107"/>
+          </a:xfrm>
+          <a:prstGeom prst="rect">
+            <a:avLst/>
+          </a:prstGeom>
+          <a:noFill/>
+        </p:spPr>
+        <p:txBody>
+          <a:bodyPr wrap="square" rtlCol="0">
+            <a:spAutoFit/>
+          </a:bodyPr>
+          <a:lstStyle/>
+          <a:p>
+            <a:r>
+              <a:rPr lang="en-US" sz="1400" b="1" dirty="0"/>
+              <a:t>AI Enablement</a:t>
+            </a:r>
+          </a:p>
+          <a:p>
+            <a:r>
+              <a:rPr lang="en-US" sz="1400" dirty="0"/>
+              <a:t>Prediction &amp; classification scoring to AI apps using the App Pool</a:t>
+            </a:r>
+          </a:p>
+        </p:txBody>
+      </p:sp>
+      <p:sp>
+        <p:nvSpPr>
+          <p:cNvPr id="100" name="TextBox 99">
+            <a:extLst>
+              <a:ext uri="{FF2B5EF4-FFF2-40B4-BE49-F238E27FC236}">
+                <a16:creationId xmlns:a16="http://schemas.microsoft.com/office/drawing/2014/main" id="{7012A6C9-6FDA-4597-92F4-C67C9989A928}"/>
+              </a:ext>
+            </a:extLst>
+          </p:cNvPr>
+          <p:cNvSpPr txBox="1"/>
+          <p:nvPr/>
+        </p:nvSpPr>
+        <p:spPr>
+          <a:xfrm>
+            <a:off x="9738913" y="5055078"/>
+            <a:ext cx="2238094" cy="1600438"/>
+          </a:xfrm>
+          <a:prstGeom prst="rect">
+            <a:avLst/>
+          </a:prstGeom>
+          <a:noFill/>
+        </p:spPr>
+        <p:txBody>
+          <a:bodyPr wrap="square" rtlCol="0">
+            <a:spAutoFit/>
+          </a:bodyPr>
+          <a:lstStyle/>
+          <a:p>
+            <a:r>
+              <a:rPr lang="en-US" sz="1400" b="1" dirty="0"/>
+              <a:t>Data Science</a:t>
+            </a:r>
+          </a:p>
+          <a:p>
+            <a:r>
+              <a:rPr lang="en-US" sz="1400" dirty="0"/>
+              <a:t>Data Engineering &amp; pipelines for models with big data using notebooks &amp; other tools through Spark, ingesting &amp; processing data using the Storage Pool</a:t>
+            </a:r>
+          </a:p>
+        </p:txBody>
+      </p:sp>
+      <p:grpSp>
+        <p:nvGrpSpPr>
+          <p:cNvPr id="107" name="Group 106">
+            <a:extLst>
+              <a:ext uri="{FF2B5EF4-FFF2-40B4-BE49-F238E27FC236}">
+                <a16:creationId xmlns:a16="http://schemas.microsoft.com/office/drawing/2014/main" id="{7CA270DA-F160-46B1-A3F6-70A8E061D4AF}"/>
+              </a:ext>
+            </a:extLst>
+          </p:cNvPr>
+          <p:cNvGrpSpPr/>
+          <p:nvPr/>
+        </p:nvGrpSpPr>
+        <p:grpSpPr>
+          <a:xfrm>
+            <a:off x="4231302" y="6098661"/>
+            <a:ext cx="3727063" cy="751563"/>
+            <a:chOff x="4231302" y="6057841"/>
+            <a:chExt cx="3727063" cy="751563"/>
+          </a:xfrm>
+        </p:grpSpPr>
+        <p:pic>
+          <p:nvPicPr>
+            <p:cNvPr id="102" name="Graphic 101" descr="Network diagram">
+              <a:extLst>
+                <a:ext uri="{FF2B5EF4-FFF2-40B4-BE49-F238E27FC236}">
+                  <a16:creationId xmlns:a16="http://schemas.microsoft.com/office/drawing/2014/main" id="{1DA97A66-1FCA-46E2-9C90-910B8F060336}"/>
+                </a:ext>
+              </a:extLst>
+            </p:cNvPr>
+            <p:cNvPicPr>
+              <a:picLocks noChangeAspect="1"/>
+            </p:cNvPicPr>
+            <p:nvPr/>
+          </p:nvPicPr>
+          <p:blipFill>
+            <a:blip r:embed="rId16">
+              <a:extLst>
+                <a:ext uri="{96DAC541-7B7A-43D3-8B79-37D633B846F1}">
+                  <asvg:svgBlip xmlns:asvg="http://schemas.microsoft.com/office/drawing/2016/SVG/main" r:embed="rId17"/>
+                </a:ext>
+              </a:extLst>
+            </a:blip>
+            <a:stretch>
+              <a:fillRect/>
+            </a:stretch>
+          </p:blipFill>
+          <p:spPr>
+            <a:xfrm>
+              <a:off x="4319963" y="6057841"/>
+              <a:ext cx="509451" cy="509451"/>
+            </a:xfrm>
+            <a:prstGeom prst="rect">
+              <a:avLst/>
+            </a:prstGeom>
+          </p:spPr>
+        </p:pic>
+        <p:sp>
+          <p:nvSpPr>
+            <p:cNvPr id="103" name="Cylinder 102">
+              <a:extLst>
+                <a:ext uri="{FF2B5EF4-FFF2-40B4-BE49-F238E27FC236}">
+                  <a16:creationId xmlns:a16="http://schemas.microsoft.com/office/drawing/2014/main" id="{E4B4D9B6-CAAC-47B8-B7BE-4C482E70B3F3}"/>
+                </a:ext>
+              </a:extLst>
+            </p:cNvPr>
+            <p:cNvSpPr/>
+            <p:nvPr/>
+          </p:nvSpPr>
+          <p:spPr>
+            <a:xfrm>
+              <a:off x="5341311" y="6098720"/>
+              <a:ext cx="1515536" cy="610267"/>
+            </a:xfrm>
+            <a:prstGeom prst="can">
+              <a:avLst/>
+            </a:prstGeom>
+          </p:spPr>
+          <p:style>
+            <a:lnRef idx="2">
+              <a:schemeClr val="accent1">
+                <a:shade val="50000"/>
+              </a:schemeClr>
+            </a:lnRef>
+            <a:fillRef idx="1">
+              <a:schemeClr val="accent1"/>
+            </a:fillRef>
+            <a:effectRef idx="0">
+              <a:schemeClr val="accent1"/>
+            </a:effectRef>
+            <a:fontRef idx="minor">
+              <a:schemeClr val="lt1"/>
+            </a:fontRef>
+          </p:style>
+          <p:txBody>
+            <a:bodyPr rtlCol="0" anchor="ctr"/>
+            <a:lstStyle/>
+            <a:p>
+              <a:pPr algn="ctr"/>
+              <a:r>
+                <a:rPr lang="en-US" dirty="0"/>
+                <a:t>HDFS</a:t>
+              </a:r>
+            </a:p>
+          </p:txBody>
+        </p:sp>
+        <p:sp>
+          <p:nvSpPr>
+            <p:cNvPr id="104" name="Cylinder 103">
+              <a:extLst>
+                <a:ext uri="{FF2B5EF4-FFF2-40B4-BE49-F238E27FC236}">
+                  <a16:creationId xmlns:a16="http://schemas.microsoft.com/office/drawing/2014/main" id="{52600B4A-747E-4970-AEB0-454BAE8B0985}"/>
+                </a:ext>
+              </a:extLst>
+            </p:cNvPr>
+            <p:cNvSpPr/>
+            <p:nvPr/>
+          </p:nvSpPr>
+          <p:spPr>
+            <a:xfrm>
+              <a:off x="7264246" y="6098721"/>
+              <a:ext cx="694119" cy="610267"/>
+            </a:xfrm>
+            <a:prstGeom prst="can">
+              <a:avLst/>
+            </a:prstGeom>
+          </p:spPr>
+          <p:style>
+            <a:lnRef idx="2">
+              <a:schemeClr val="accent2">
+                <a:shade val="50000"/>
+              </a:schemeClr>
+            </a:lnRef>
+            <a:fillRef idx="1">
+              <a:schemeClr val="accent2"/>
+            </a:fillRef>
+            <a:effectRef idx="0">
+              <a:schemeClr val="accent2"/>
+            </a:effectRef>
+            <a:fontRef idx="minor">
+              <a:schemeClr val="lt1"/>
+            </a:fontRef>
+          </p:style>
+          <p:txBody>
+            <a:bodyPr rtlCol="0" anchor="ctr"/>
+            <a:lstStyle/>
+            <a:p>
+              <a:pPr algn="ctr"/>
+              <a:r>
+                <a:rPr lang="en-US" sz="1200" dirty="0"/>
+                <a:t>RDBMS</a:t>
+              </a:r>
+            </a:p>
+          </p:txBody>
+        </p:sp>
+        <p:sp>
+          <p:nvSpPr>
+            <p:cNvPr id="105" name="TextBox 104">
+              <a:extLst>
+                <a:ext uri="{FF2B5EF4-FFF2-40B4-BE49-F238E27FC236}">
+                  <a16:creationId xmlns:a16="http://schemas.microsoft.com/office/drawing/2014/main" id="{BE06E4A2-1374-4829-94AE-669C27C6FF3F}"/>
+                </a:ext>
+              </a:extLst>
+            </p:cNvPr>
+            <p:cNvSpPr txBox="1"/>
+            <p:nvPr/>
+          </p:nvSpPr>
+          <p:spPr>
+            <a:xfrm>
+              <a:off x="4231302" y="6501627"/>
+              <a:ext cx="671979" cy="307777"/>
+            </a:xfrm>
+            <a:prstGeom prst="rect">
+              <a:avLst/>
+            </a:prstGeom>
+            <a:noFill/>
+          </p:spPr>
+          <p:txBody>
+            <a:bodyPr wrap="none" rtlCol="0">
+              <a:spAutoFit/>
+            </a:bodyPr>
+            <a:lstStyle/>
+            <a:p>
+              <a:r>
+                <a:rPr lang="en-US" sz="1400" dirty="0"/>
+                <a:t>NoSQL</a:t>
+              </a:r>
+            </a:p>
+          </p:txBody>
+        </p:sp>
+      </p:grpSp>
+      <p:sp>
+        <p:nvSpPr>
+          <p:cNvPr id="106" name="Left Brace 105">
+            <a:extLst>
+              <a:ext uri="{FF2B5EF4-FFF2-40B4-BE49-F238E27FC236}">
+                <a16:creationId xmlns:a16="http://schemas.microsoft.com/office/drawing/2014/main" id="{5296C0B4-8C60-481D-B310-EC2525EEC5E1}"/>
+              </a:ext>
+            </a:extLst>
+          </p:cNvPr>
+          <p:cNvSpPr/>
+          <p:nvPr/>
+        </p:nvSpPr>
+        <p:spPr>
+          <a:xfrm rot="5400000">
+            <a:off x="6077480" y="4119147"/>
+            <a:ext cx="134647" cy="3827003"/>
+          </a:xfrm>
+          <a:prstGeom prst="leftBrace">
+            <a:avLst>
+              <a:gd name="adj1" fmla="val 8332"/>
+              <a:gd name="adj2" fmla="val 50213"/>
+            </a:avLst>
+          </a:prstGeom>
+        </p:spPr>
+        <p:style>
+          <a:lnRef idx="3">
+            <a:schemeClr val="accent1"/>
+          </a:lnRef>
+          <a:fillRef idx="0">
+            <a:schemeClr val="accent1"/>
+          </a:fillRef>
+          <a:effectRef idx="2">
+            <a:schemeClr val="accent1"/>
+          </a:effectRef>
+          <a:fontRef idx="minor">
+            <a:schemeClr val="tx1"/>
+          </a:fontRef>
+        </p:style>
+        <p:txBody>
+          <a:bodyPr rtlCol="0" anchor="ctr"/>
+          <a:lstStyle/>
+          <a:p>
+            <a:pPr algn="ctr"/>
+            <a:endParaRPr lang="en-US"/>
+          </a:p>
+        </p:txBody>
+      </p:sp>
+      <p:cxnSp>
+        <p:nvCxnSpPr>
+          <p:cNvPr id="109" name="Straight Connector 108">
+            <a:extLst>
+              <a:ext uri="{FF2B5EF4-FFF2-40B4-BE49-F238E27FC236}">
+                <a16:creationId xmlns:a16="http://schemas.microsoft.com/office/drawing/2014/main" id="{003284D1-F981-425C-867F-8BD92B10376B}"/>
+              </a:ext>
+            </a:extLst>
+          </p:cNvPr>
+          <p:cNvCxnSpPr>
+            <a:stCxn id="88" idx="3"/>
+          </p:cNvCxnSpPr>
+          <p:nvPr/>
+        </p:nvCxnSpPr>
+        <p:spPr>
+          <a:xfrm flipV="1">
+            <a:off x="1360215" y="1567903"/>
+            <a:ext cx="1497285" cy="262406"/>
+          </a:xfrm>
+          <a:prstGeom prst="line">
+            <a:avLst/>
+          </a:prstGeom>
+        </p:spPr>
+        <p:style>
+          <a:lnRef idx="3">
+            <a:schemeClr val="accent1"/>
+          </a:lnRef>
+          <a:fillRef idx="0">
+            <a:schemeClr val="accent1"/>
+          </a:fillRef>
+          <a:effectRef idx="2">
+            <a:schemeClr val="accent1"/>
+          </a:effectRef>
+          <a:fontRef idx="minor">
+            <a:schemeClr val="tx1"/>
+          </a:fontRef>
+        </p:style>
+      </p:cxnSp>
+      <p:cxnSp>
+        <p:nvCxnSpPr>
+          <p:cNvPr id="110" name="Straight Connector 109">
+            <a:extLst>
+              <a:ext uri="{FF2B5EF4-FFF2-40B4-BE49-F238E27FC236}">
+                <a16:creationId xmlns:a16="http://schemas.microsoft.com/office/drawing/2014/main" id="{549B5FD3-DE30-41CF-848A-7D45183CD7B0}"/>
+              </a:ext>
+            </a:extLst>
+          </p:cNvPr>
+          <p:cNvCxnSpPr>
+            <a:cxnSpLocks/>
+            <a:stCxn id="96" idx="3"/>
+          </p:cNvCxnSpPr>
+          <p:nvPr/>
+        </p:nvCxnSpPr>
+        <p:spPr>
+          <a:xfrm flipV="1">
+            <a:off x="1360215" y="3414288"/>
+            <a:ext cx="1497285" cy="216551"/>
+          </a:xfrm>
+          <a:prstGeom prst="line">
+            <a:avLst/>
+          </a:prstGeom>
+        </p:spPr>
+        <p:style>
+          <a:lnRef idx="3">
+            <a:schemeClr val="accent1"/>
+          </a:lnRef>
+          <a:fillRef idx="0">
+            <a:schemeClr val="accent1"/>
+          </a:fillRef>
+          <a:effectRef idx="2">
+            <a:schemeClr val="accent1"/>
+          </a:effectRef>
+          <a:fontRef idx="minor">
+            <a:schemeClr val="tx1"/>
+          </a:fontRef>
+        </p:style>
+      </p:cxnSp>
+      <p:cxnSp>
+        <p:nvCxnSpPr>
+          <p:cNvPr id="114" name="Straight Connector 113">
+            <a:extLst>
+              <a:ext uri="{FF2B5EF4-FFF2-40B4-BE49-F238E27FC236}">
+                <a16:creationId xmlns:a16="http://schemas.microsoft.com/office/drawing/2014/main" id="{D28664F3-2661-41A9-91F9-66C071FFFF96}"/>
+              </a:ext>
+            </a:extLst>
+          </p:cNvPr>
+          <p:cNvCxnSpPr>
+            <a:cxnSpLocks/>
+            <a:endCxn id="90" idx="1"/>
+          </p:cNvCxnSpPr>
+          <p:nvPr/>
+        </p:nvCxnSpPr>
+        <p:spPr>
+          <a:xfrm flipV="1">
+            <a:off x="9229943" y="551122"/>
+            <a:ext cx="546995" cy="164472"/>
+          </a:xfrm>
+          <a:prstGeom prst="line">
+            <a:avLst/>
+          </a:prstGeom>
+        </p:spPr>
+        <p:style>
+          <a:lnRef idx="3">
+            <a:schemeClr val="accent1"/>
+          </a:lnRef>
+          <a:fillRef idx="0">
+            <a:schemeClr val="accent1"/>
+          </a:fillRef>
+          <a:effectRef idx="2">
+            <a:schemeClr val="accent1"/>
+          </a:effectRef>
+          <a:fontRef idx="minor">
+            <a:schemeClr val="tx1"/>
+          </a:fontRef>
+        </p:style>
+      </p:cxnSp>
+      <p:cxnSp>
+        <p:nvCxnSpPr>
+          <p:cNvPr id="117" name="Straight Connector 116">
+            <a:extLst>
+              <a:ext uri="{FF2B5EF4-FFF2-40B4-BE49-F238E27FC236}">
+                <a16:creationId xmlns:a16="http://schemas.microsoft.com/office/drawing/2014/main" id="{17DBE51B-992E-4EE8-8A46-CE49F3B49FAD}"/>
+              </a:ext>
+            </a:extLst>
+          </p:cNvPr>
+          <p:cNvCxnSpPr>
+            <a:cxnSpLocks/>
+            <a:endCxn id="98" idx="1"/>
+          </p:cNvCxnSpPr>
+          <p:nvPr/>
+        </p:nvCxnSpPr>
+        <p:spPr>
+          <a:xfrm>
+            <a:off x="9334499" y="4499270"/>
+            <a:ext cx="361661" cy="192591"/>
+          </a:xfrm>
+          <a:prstGeom prst="line">
+            <a:avLst/>
+          </a:prstGeom>
+        </p:spPr>
+        <p:style>
+          <a:lnRef idx="3">
+            <a:schemeClr val="accent1"/>
+          </a:lnRef>
+          <a:fillRef idx="0">
+            <a:schemeClr val="accent1"/>
+          </a:fillRef>
+          <a:effectRef idx="2">
+            <a:schemeClr val="accent1"/>
+          </a:effectRef>
+          <a:fontRef idx="minor">
+            <a:schemeClr val="tx1"/>
+          </a:fontRef>
+        </p:style>
+      </p:cxnSp>
+    </p:spTree>
+    <p:extLst>
+      <p:ext uri="{BB962C8B-B14F-4D97-AF65-F5344CB8AC3E}">
+        <p14:creationId xmlns:p14="http://schemas.microsoft.com/office/powerpoint/2010/main" val="1205411970"/>
       </p:ext>
     </p:extLst>
   </p:cSld>

--- a/Whiteboard design session/media/diagrams.pptx
+++ b/Whiteboard design session/media/diagrams.pptx
@@ -200,7 +200,7 @@
           <a:p>
             <a:fld id="{90D82B7B-9A37-0949-A600-BA30C7EE531A}" type="datetimeFigureOut">
               <a:rPr lang="en-US" smtClean="0"/>
-              <a:t>6/22/2019</a:t>
+              <a:t>6/23/2019</a:t>
             </a:fld>
             <a:endParaRPr lang="en-US"/>
           </a:p>
@@ -872,7 +872,7 @@
           <a:p>
             <a:fld id="{232015E6-04D3-AA46-8EB6-5FC99D770932}" type="datetimeFigureOut">
               <a:rPr lang="en-US" smtClean="0"/>
-              <a:t>6/22/2019</a:t>
+              <a:t>6/23/2019</a:t>
             </a:fld>
             <a:endParaRPr lang="en-US"/>
           </a:p>
@@ -1040,7 +1040,7 @@
           <a:p>
             <a:fld id="{232015E6-04D3-AA46-8EB6-5FC99D770932}" type="datetimeFigureOut">
               <a:rPr lang="en-US" smtClean="0"/>
-              <a:t>6/22/2019</a:t>
+              <a:t>6/23/2019</a:t>
             </a:fld>
             <a:endParaRPr lang="en-US"/>
           </a:p>
@@ -1218,7 +1218,7 @@
           <a:p>
             <a:fld id="{232015E6-04D3-AA46-8EB6-5FC99D770932}" type="datetimeFigureOut">
               <a:rPr lang="en-US" smtClean="0"/>
-              <a:t>6/22/2019</a:t>
+              <a:t>6/23/2019</a:t>
             </a:fld>
             <a:endParaRPr lang="en-US"/>
           </a:p>
@@ -1386,7 +1386,7 @@
           <a:p>
             <a:fld id="{232015E6-04D3-AA46-8EB6-5FC99D770932}" type="datetimeFigureOut">
               <a:rPr lang="en-US" smtClean="0"/>
-              <a:t>6/22/2019</a:t>
+              <a:t>6/23/2019</a:t>
             </a:fld>
             <a:endParaRPr lang="en-US"/>
           </a:p>
@@ -1631,7 +1631,7 @@
           <a:p>
             <a:fld id="{232015E6-04D3-AA46-8EB6-5FC99D770932}" type="datetimeFigureOut">
               <a:rPr lang="en-US" smtClean="0"/>
-              <a:t>6/22/2019</a:t>
+              <a:t>6/23/2019</a:t>
             </a:fld>
             <a:endParaRPr lang="en-US"/>
           </a:p>
@@ -1860,7 +1860,7 @@
           <a:p>
             <a:fld id="{232015E6-04D3-AA46-8EB6-5FC99D770932}" type="datetimeFigureOut">
               <a:rPr lang="en-US" smtClean="0"/>
-              <a:t>6/22/2019</a:t>
+              <a:t>6/23/2019</a:t>
             </a:fld>
             <a:endParaRPr lang="en-US"/>
           </a:p>
@@ -2224,7 +2224,7 @@
           <a:p>
             <a:fld id="{232015E6-04D3-AA46-8EB6-5FC99D770932}" type="datetimeFigureOut">
               <a:rPr lang="en-US" smtClean="0"/>
-              <a:t>6/22/2019</a:t>
+              <a:t>6/23/2019</a:t>
             </a:fld>
             <a:endParaRPr lang="en-US"/>
           </a:p>
@@ -2341,7 +2341,7 @@
           <a:p>
             <a:fld id="{232015E6-04D3-AA46-8EB6-5FC99D770932}" type="datetimeFigureOut">
               <a:rPr lang="en-US" smtClean="0"/>
-              <a:t>6/22/2019</a:t>
+              <a:t>6/23/2019</a:t>
             </a:fld>
             <a:endParaRPr lang="en-US"/>
           </a:p>
@@ -2436,7 +2436,7 @@
           <a:p>
             <a:fld id="{232015E6-04D3-AA46-8EB6-5FC99D770932}" type="datetimeFigureOut">
               <a:rPr lang="en-US" smtClean="0"/>
-              <a:t>6/22/2019</a:t>
+              <a:t>6/23/2019</a:t>
             </a:fld>
             <a:endParaRPr lang="en-US"/>
           </a:p>
@@ -2711,7 +2711,7 @@
           <a:p>
             <a:fld id="{232015E6-04D3-AA46-8EB6-5FC99D770932}" type="datetimeFigureOut">
               <a:rPr lang="en-US" smtClean="0"/>
-              <a:t>6/22/2019</a:t>
+              <a:t>6/23/2019</a:t>
             </a:fld>
             <a:endParaRPr lang="en-US"/>
           </a:p>
@@ -2963,7 +2963,7 @@
           <a:p>
             <a:fld id="{232015E6-04D3-AA46-8EB6-5FC99D770932}" type="datetimeFigureOut">
               <a:rPr lang="en-US" smtClean="0"/>
-              <a:t>6/22/2019</a:t>
+              <a:t>6/23/2019</a:t>
             </a:fld>
             <a:endParaRPr lang="en-US"/>
           </a:p>
@@ -3174,7 +3174,7 @@
           <a:p>
             <a:fld id="{232015E6-04D3-AA46-8EB6-5FC99D770932}" type="datetimeFigureOut">
               <a:rPr lang="en-US" smtClean="0"/>
-              <a:t>6/22/2019</a:t>
+              <a:t>6/23/2019</a:t>
             </a:fld>
             <a:endParaRPr lang="en-US"/>
           </a:p>
@@ -8959,7 +8959,7 @@
           </p:nvSpPr>
           <p:spPr>
             <a:xfrm>
-              <a:off x="5241850" y="727853"/>
+              <a:off x="5236298" y="551450"/>
               <a:ext cx="1265463" cy="307777"/>
             </a:xfrm>
             <a:prstGeom prst="hexagon">
@@ -11311,7 +11311,7 @@
         </p:nvGrpSpPr>
         <p:grpSpPr>
           <a:xfrm>
-            <a:off x="136211" y="93922"/>
+            <a:off x="9743777" y="5542426"/>
             <a:ext cx="1921075" cy="1064171"/>
             <a:chOff x="136211" y="-26894"/>
             <a:chExt cx="1921075" cy="1064171"/>
@@ -11619,10 +11619,10 @@
       </p:grpSp>
       <p:pic>
         <p:nvPicPr>
-          <p:cNvPr id="88" name="Graphic 87" descr="Internet">
+          <p:cNvPr id="90" name="Graphic 89" descr="City">
             <a:extLst>
               <a:ext uri="{FF2B5EF4-FFF2-40B4-BE49-F238E27FC236}">
-                <a16:creationId xmlns:a16="http://schemas.microsoft.com/office/drawing/2014/main" id="{F5565E34-E2C4-458D-BEA1-7DADC7257CA9}"/>
+                <a16:creationId xmlns:a16="http://schemas.microsoft.com/office/drawing/2014/main" id="{57D966A1-373D-49E1-ABDA-6D238065F52B}"/>
               </a:ext>
             </a:extLst>
           </p:cNvPr>
@@ -11645,7 +11645,7 @@
         </p:blipFill>
         <p:spPr>
           <a:xfrm>
-            <a:off x="445815" y="1373109"/>
+            <a:off x="9776938" y="93922"/>
             <a:ext cx="914400" cy="914400"/>
           </a:xfrm>
           <a:prstGeom prst="rect">
@@ -11653,89 +11653,110 @@
           </a:prstGeom>
         </p:spPr>
       </p:pic>
-      <p:pic>
-        <p:nvPicPr>
-          <p:cNvPr id="90" name="Graphic 89" descr="City">
+      <p:grpSp>
+        <p:nvGrpSpPr>
+          <p:cNvPr id="2" name="Group 1">
             <a:extLst>
               <a:ext uri="{FF2B5EF4-FFF2-40B4-BE49-F238E27FC236}">
-                <a16:creationId xmlns:a16="http://schemas.microsoft.com/office/drawing/2014/main" id="{57D966A1-373D-49E1-ABDA-6D238065F52B}"/>
+                <a16:creationId xmlns:a16="http://schemas.microsoft.com/office/drawing/2014/main" id="{6D1B9144-C550-4920-858A-EB8D456D700A}"/>
               </a:ext>
             </a:extLst>
           </p:cNvPr>
-          <p:cNvPicPr>
-            <a:picLocks noChangeAspect="1"/>
-          </p:cNvPicPr>
+          <p:cNvGrpSpPr/>
           <p:nvPr/>
-        </p:nvPicPr>
-        <p:blipFill>
-          <a:blip r:embed="rId10">
-            <a:extLst>
-              <a:ext uri="{96DAC541-7B7A-43D3-8B79-37D633B846F1}">
-                <asvg:svgBlip xmlns:asvg="http://schemas.microsoft.com/office/drawing/2016/SVG/main" r:embed="rId11"/>
-              </a:ext>
-            </a:extLst>
-          </a:blip>
-          <a:stretch>
-            <a:fillRect/>
-          </a:stretch>
-        </p:blipFill>
-        <p:spPr>
-          <a:xfrm>
-            <a:off x="9776938" y="93922"/>
-            <a:ext cx="914400" cy="914400"/>
-          </a:xfrm>
-          <a:prstGeom prst="rect">
-            <a:avLst/>
-          </a:prstGeom>
-        </p:spPr>
-      </p:pic>
-      <p:sp>
-        <p:nvSpPr>
-          <p:cNvPr id="91" name="TextBox 90">
-            <a:extLst>
-              <a:ext uri="{FF2B5EF4-FFF2-40B4-BE49-F238E27FC236}">
-                <a16:creationId xmlns:a16="http://schemas.microsoft.com/office/drawing/2014/main" id="{8645D067-1D80-4900-81E0-8707314FEE9F}"/>
-              </a:ext>
-            </a:extLst>
-          </p:cNvPr>
-          <p:cNvSpPr txBox="1"/>
-          <p:nvPr/>
-        </p:nvSpPr>
-        <p:spPr>
-          <a:xfrm>
-            <a:off x="385126" y="2141771"/>
-            <a:ext cx="1877502" cy="738664"/>
-          </a:xfrm>
-          <a:prstGeom prst="rect">
-            <a:avLst/>
-          </a:prstGeom>
-          <a:noFill/>
-        </p:spPr>
-        <p:txBody>
-          <a:bodyPr wrap="none" rtlCol="0">
-            <a:spAutoFit/>
-          </a:bodyPr>
-          <a:lstStyle/>
-          <a:p>
-            <a:r>
-              <a:rPr lang="en-US" sz="1400" b="1" dirty="0"/>
-              <a:t>LOB Apps</a:t>
-            </a:r>
-          </a:p>
-          <a:p>
-            <a:r>
-              <a:rPr lang="en-US" sz="1400" dirty="0"/>
-              <a:t>Application calls to SQL</a:t>
-            </a:r>
-          </a:p>
-          <a:p>
-            <a:r>
-              <a:rPr lang="en-US" sz="1400" dirty="0"/>
-              <a:t>Server Master Instance</a:t>
-            </a:r>
-          </a:p>
-        </p:txBody>
-      </p:sp>
+        </p:nvGrpSpPr>
+        <p:grpSpPr>
+          <a:xfrm>
+            <a:off x="381637" y="96755"/>
+            <a:ext cx="1877502" cy="1507326"/>
+            <a:chOff x="385126" y="1373109"/>
+            <a:chExt cx="1877502" cy="1507326"/>
+          </a:xfrm>
+        </p:grpSpPr>
+        <p:pic>
+          <p:nvPicPr>
+            <p:cNvPr id="88" name="Graphic 87" descr="Internet">
+              <a:extLst>
+                <a:ext uri="{FF2B5EF4-FFF2-40B4-BE49-F238E27FC236}">
+                  <a16:creationId xmlns:a16="http://schemas.microsoft.com/office/drawing/2014/main" id="{F5565E34-E2C4-458D-BEA1-7DADC7257CA9}"/>
+                </a:ext>
+              </a:extLst>
+            </p:cNvPr>
+            <p:cNvPicPr>
+              <a:picLocks noChangeAspect="1"/>
+            </p:cNvPicPr>
+            <p:nvPr/>
+          </p:nvPicPr>
+          <p:blipFill>
+            <a:blip r:embed="rId10">
+              <a:extLst>
+                <a:ext uri="{96DAC541-7B7A-43D3-8B79-37D633B846F1}">
+                  <asvg:svgBlip xmlns:asvg="http://schemas.microsoft.com/office/drawing/2016/SVG/main" r:embed="rId11"/>
+                </a:ext>
+              </a:extLst>
+            </a:blip>
+            <a:stretch>
+              <a:fillRect/>
+            </a:stretch>
+          </p:blipFill>
+          <p:spPr>
+            <a:xfrm>
+              <a:off x="445815" y="1373109"/>
+              <a:ext cx="914400" cy="914400"/>
+            </a:xfrm>
+            <a:prstGeom prst="rect">
+              <a:avLst/>
+            </a:prstGeom>
+          </p:spPr>
+        </p:pic>
+        <p:sp>
+          <p:nvSpPr>
+            <p:cNvPr id="91" name="TextBox 90">
+              <a:extLst>
+                <a:ext uri="{FF2B5EF4-FFF2-40B4-BE49-F238E27FC236}">
+                  <a16:creationId xmlns:a16="http://schemas.microsoft.com/office/drawing/2014/main" id="{8645D067-1D80-4900-81E0-8707314FEE9F}"/>
+                </a:ext>
+              </a:extLst>
+            </p:cNvPr>
+            <p:cNvSpPr txBox="1"/>
+            <p:nvPr/>
+          </p:nvSpPr>
+          <p:spPr>
+            <a:xfrm>
+              <a:off x="385126" y="2141771"/>
+              <a:ext cx="1877502" cy="738664"/>
+            </a:xfrm>
+            <a:prstGeom prst="rect">
+              <a:avLst/>
+            </a:prstGeom>
+            <a:noFill/>
+          </p:spPr>
+          <p:txBody>
+            <a:bodyPr wrap="none" rtlCol="0">
+              <a:spAutoFit/>
+            </a:bodyPr>
+            <a:lstStyle/>
+            <a:p>
+              <a:r>
+                <a:rPr lang="en-US" sz="1400" b="1" dirty="0"/>
+                <a:t>LOB Apps</a:t>
+              </a:r>
+            </a:p>
+            <a:p>
+              <a:r>
+                <a:rPr lang="en-US" sz="1400" dirty="0"/>
+                <a:t>Application calls to SQL</a:t>
+              </a:r>
+            </a:p>
+            <a:p>
+              <a:r>
+                <a:rPr lang="en-US" sz="1400" dirty="0"/>
+                <a:t>Server Master Instance</a:t>
+              </a:r>
+            </a:p>
+          </p:txBody>
+        </p:sp>
+      </p:grpSp>
       <p:sp>
         <p:nvSpPr>
           <p:cNvPr id="92" name="TextBox 91">
@@ -11751,7 +11772,7 @@
         <p:spPr>
           <a:xfrm>
             <a:off x="9740632" y="898827"/>
-            <a:ext cx="2066242" cy="1600438"/>
+            <a:ext cx="2066242" cy="1815882"/>
           </a:xfrm>
           <a:prstGeom prst="rect">
             <a:avLst/>
@@ -11772,7 +11793,7 @@
           <a:p>
             <a:r>
               <a:rPr lang="en-US" sz="1400" dirty="0"/>
-              <a:t>Data Virtualization Scale-out calls through SQL Server Master Instance using PolyBase through the Compute Pool to the Data Pool</a:t>
+              <a:t>Data Virtualization Scale-out calls through SQL Server Master Instance using External Tables, through the Compute Pool using PolyBase connectors at the source</a:t>
             </a:r>
           </a:p>
         </p:txBody>
@@ -11791,8 +11812,8 @@
         </p:nvSpPr>
         <p:spPr>
           <a:xfrm>
-            <a:off x="9738954" y="2532642"/>
-            <a:ext cx="2066241" cy="1600438"/>
+            <a:off x="9740095" y="2697174"/>
+            <a:ext cx="2066241" cy="2677656"/>
           </a:xfrm>
           <a:prstGeom prst="rect">
             <a:avLst/>
@@ -11813,17 +11834,17 @@
           <a:p>
             <a:r>
               <a:rPr lang="en-US" sz="1400" dirty="0"/>
-              <a:t>Data Mart Scale-out calls through SQL Server Master Instance using PolyBase into Data Pool. Direct calls to a Data Lake using the Storage Pool</a:t>
+              <a:t>Data Mart Scale-out calls through SQL Server Master Instance using External Tables, through the Compute Pool using PolyBase connectors at the source. Results stored in Shards of the Data Pool. Direct calls to a Data Lake using the Storage Pool</a:t>
             </a:r>
           </a:p>
         </p:txBody>
       </p:sp>
       <p:pic>
         <p:nvPicPr>
-          <p:cNvPr id="96" name="Graphic 95" descr="Head with gears">
+          <p:cNvPr id="98" name="Graphic 97" descr="Female Profile">
             <a:extLst>
               <a:ext uri="{FF2B5EF4-FFF2-40B4-BE49-F238E27FC236}">
-                <a16:creationId xmlns:a16="http://schemas.microsoft.com/office/drawing/2014/main" id="{51EF5915-F4DA-48EC-B9BF-AD4A2336BA12}"/>
+                <a16:creationId xmlns:a16="http://schemas.microsoft.com/office/drawing/2014/main" id="{88333A01-F5F2-426B-9985-DEC6D5973964}"/>
               </a:ext>
             </a:extLst>
           </p:cNvPr>
@@ -11846,7 +11867,7 @@
         </p:blipFill>
         <p:spPr>
           <a:xfrm>
-            <a:off x="445815" y="3173639"/>
+            <a:off x="433800" y="3864660"/>
             <a:ext cx="914400" cy="914400"/>
           </a:xfrm>
           <a:prstGeom prst="rect">
@@ -11854,83 +11875,104 @@
           </a:prstGeom>
         </p:spPr>
       </p:pic>
-      <p:pic>
-        <p:nvPicPr>
-          <p:cNvPr id="98" name="Graphic 97" descr="Female Profile">
+      <p:grpSp>
+        <p:nvGrpSpPr>
+          <p:cNvPr id="12" name="Group 11">
             <a:extLst>
               <a:ext uri="{FF2B5EF4-FFF2-40B4-BE49-F238E27FC236}">
-                <a16:creationId xmlns:a16="http://schemas.microsoft.com/office/drawing/2014/main" id="{88333A01-F5F2-426B-9985-DEC6D5973964}"/>
+                <a16:creationId xmlns:a16="http://schemas.microsoft.com/office/drawing/2014/main" id="{4D035CAE-A4DD-423F-B8C5-0AD889A976E5}"/>
               </a:ext>
             </a:extLst>
           </p:cNvPr>
-          <p:cNvPicPr>
-            <a:picLocks noChangeAspect="1"/>
-          </p:cNvPicPr>
+          <p:cNvGrpSpPr/>
           <p:nvPr/>
-        </p:nvPicPr>
-        <p:blipFill>
-          <a:blip r:embed="rId14">
-            <a:extLst>
-              <a:ext uri="{96DAC541-7B7A-43D3-8B79-37D633B846F1}">
-                <asvg:svgBlip xmlns:asvg="http://schemas.microsoft.com/office/drawing/2016/SVG/main" r:embed="rId15"/>
-              </a:ext>
-            </a:extLst>
-          </a:blip>
-          <a:stretch>
-            <a:fillRect/>
-          </a:stretch>
-        </p:blipFill>
-        <p:spPr>
-          <a:xfrm>
-            <a:off x="9696160" y="4234661"/>
-            <a:ext cx="914400" cy="914400"/>
-          </a:xfrm>
-          <a:prstGeom prst="rect">
-            <a:avLst/>
-          </a:prstGeom>
-        </p:spPr>
-      </p:pic>
-      <p:sp>
-        <p:nvSpPr>
-          <p:cNvPr id="99" name="TextBox 98">
-            <a:extLst>
-              <a:ext uri="{FF2B5EF4-FFF2-40B4-BE49-F238E27FC236}">
-                <a16:creationId xmlns:a16="http://schemas.microsoft.com/office/drawing/2014/main" id="{42B6BD3A-F976-44B2-A5F0-DE9B49278F61}"/>
-              </a:ext>
-            </a:extLst>
-          </p:cNvPr>
-          <p:cNvSpPr txBox="1"/>
-          <p:nvPr/>
-        </p:nvSpPr>
-        <p:spPr>
-          <a:xfrm>
-            <a:off x="381637" y="4102954"/>
-            <a:ext cx="2150132" cy="954107"/>
-          </a:xfrm>
-          <a:prstGeom prst="rect">
-            <a:avLst/>
-          </a:prstGeom>
-          <a:noFill/>
-        </p:spPr>
-        <p:txBody>
-          <a:bodyPr wrap="square" rtlCol="0">
-            <a:spAutoFit/>
-          </a:bodyPr>
-          <a:lstStyle/>
-          <a:p>
-            <a:r>
-              <a:rPr lang="en-US" sz="1400" b="1" dirty="0"/>
-              <a:t>AI Enablement</a:t>
-            </a:r>
-          </a:p>
-          <a:p>
-            <a:r>
-              <a:rPr lang="en-US" sz="1400" dirty="0"/>
-              <a:t>Prediction &amp; classification scoring to AI apps using the App Pool</a:t>
-            </a:r>
-          </a:p>
-        </p:txBody>
-      </p:sp>
+        </p:nvGrpSpPr>
+        <p:grpSpPr>
+          <a:xfrm>
+            <a:off x="385664" y="1817529"/>
+            <a:ext cx="2150132" cy="1883422"/>
+            <a:chOff x="381637" y="3173639"/>
+            <a:chExt cx="2150132" cy="1883422"/>
+          </a:xfrm>
+        </p:grpSpPr>
+        <p:pic>
+          <p:nvPicPr>
+            <p:cNvPr id="96" name="Graphic 95" descr="Head with gears">
+              <a:extLst>
+                <a:ext uri="{FF2B5EF4-FFF2-40B4-BE49-F238E27FC236}">
+                  <a16:creationId xmlns:a16="http://schemas.microsoft.com/office/drawing/2014/main" id="{51EF5915-F4DA-48EC-B9BF-AD4A2336BA12}"/>
+                </a:ext>
+              </a:extLst>
+            </p:cNvPr>
+            <p:cNvPicPr>
+              <a:picLocks noChangeAspect="1"/>
+            </p:cNvPicPr>
+            <p:nvPr/>
+          </p:nvPicPr>
+          <p:blipFill>
+            <a:blip r:embed="rId14">
+              <a:extLst>
+                <a:ext uri="{96DAC541-7B7A-43D3-8B79-37D633B846F1}">
+                  <asvg:svgBlip xmlns:asvg="http://schemas.microsoft.com/office/drawing/2016/SVG/main" r:embed="rId15"/>
+                </a:ext>
+              </a:extLst>
+            </a:blip>
+            <a:stretch>
+              <a:fillRect/>
+            </a:stretch>
+          </p:blipFill>
+          <p:spPr>
+            <a:xfrm>
+              <a:off x="445815" y="3173639"/>
+              <a:ext cx="914400" cy="914400"/>
+            </a:xfrm>
+            <a:prstGeom prst="rect">
+              <a:avLst/>
+            </a:prstGeom>
+          </p:spPr>
+        </p:pic>
+        <p:sp>
+          <p:nvSpPr>
+            <p:cNvPr id="99" name="TextBox 98">
+              <a:extLst>
+                <a:ext uri="{FF2B5EF4-FFF2-40B4-BE49-F238E27FC236}">
+                  <a16:creationId xmlns:a16="http://schemas.microsoft.com/office/drawing/2014/main" id="{42B6BD3A-F976-44B2-A5F0-DE9B49278F61}"/>
+                </a:ext>
+              </a:extLst>
+            </p:cNvPr>
+            <p:cNvSpPr txBox="1"/>
+            <p:nvPr/>
+          </p:nvSpPr>
+          <p:spPr>
+            <a:xfrm>
+              <a:off x="381637" y="4102954"/>
+              <a:ext cx="2150132" cy="954107"/>
+            </a:xfrm>
+            <a:prstGeom prst="rect">
+              <a:avLst/>
+            </a:prstGeom>
+            <a:noFill/>
+          </p:spPr>
+          <p:txBody>
+            <a:bodyPr wrap="square" rtlCol="0">
+              <a:spAutoFit/>
+            </a:bodyPr>
+            <a:lstStyle/>
+            <a:p>
+              <a:r>
+                <a:rPr lang="en-US" sz="1400" b="1" dirty="0"/>
+                <a:t>AI Enablement</a:t>
+              </a:r>
+            </a:p>
+            <a:p>
+              <a:r>
+                <a:rPr lang="en-US" sz="1400" dirty="0"/>
+                <a:t>Prediction &amp; classification scoring to AI apps using the App Pool</a:t>
+              </a:r>
+            </a:p>
+          </p:txBody>
+        </p:sp>
+      </p:grpSp>
       <p:sp>
         <p:nvSpPr>
           <p:cNvPr id="100" name="TextBox 99">
@@ -11945,7 +11987,7 @@
         </p:nvSpPr>
         <p:spPr>
           <a:xfrm>
-            <a:off x="9738913" y="5055078"/>
+            <a:off x="385109" y="4742207"/>
             <a:ext cx="2238094" cy="1600438"/>
           </a:xfrm>
           <a:prstGeom prst="rect">
@@ -12219,14 +12261,15 @@
             </a:extLst>
           </p:cNvPr>
           <p:cNvCxnSpPr>
+            <a:cxnSpLocks/>
             <a:stCxn id="88" idx="3"/>
           </p:cNvCxnSpPr>
           <p:nvPr/>
         </p:nvCxnSpPr>
         <p:spPr>
-          <a:xfrm flipV="1">
-            <a:off x="1360215" y="1567903"/>
-            <a:ext cx="1497285" cy="262406"/>
+          <a:xfrm>
+            <a:off x="1356726" y="553955"/>
+            <a:ext cx="1517579" cy="333455"/>
           </a:xfrm>
           <a:prstGeom prst="line">
             <a:avLst/>
@@ -12264,7 +12307,7 @@
         </p:nvCxnSpPr>
         <p:spPr>
           <a:xfrm flipV="1">
-            <a:off x="1360215" y="3414288"/>
+            <a:off x="1364242" y="2058178"/>
             <a:ext cx="1497285" cy="216551"/>
           </a:xfrm>
           <a:prstGeom prst="line">
@@ -12336,14 +12379,14 @@
           </p:cNvPr>
           <p:cNvCxnSpPr>
             <a:cxnSpLocks/>
-            <a:endCxn id="98" idx="1"/>
+            <a:stCxn id="98" idx="3"/>
           </p:cNvCxnSpPr>
           <p:nvPr/>
         </p:nvCxnSpPr>
         <p:spPr>
-          <a:xfrm>
-            <a:off x="9334499" y="4499270"/>
-            <a:ext cx="361661" cy="192591"/>
+          <a:xfrm flipV="1">
+            <a:off x="1348200" y="4131292"/>
+            <a:ext cx="1513327" cy="190568"/>
           </a:xfrm>
           <a:prstGeom prst="line">
             <a:avLst/>
@@ -12364,6 +12407,55 @@
           </a:fontRef>
         </p:style>
       </p:cxnSp>
+      <p:sp>
+        <p:nvSpPr>
+          <p:cNvPr id="95" name="Hexagon 94">
+            <a:extLst>
+              <a:ext uri="{FF2B5EF4-FFF2-40B4-BE49-F238E27FC236}">
+                <a16:creationId xmlns:a16="http://schemas.microsoft.com/office/drawing/2014/main" id="{2C2F7FB0-9703-4A30-ABF2-E6B509525041}"/>
+              </a:ext>
+            </a:extLst>
+          </p:cNvPr>
+          <p:cNvSpPr/>
+          <p:nvPr/>
+        </p:nvSpPr>
+        <p:spPr>
+          <a:xfrm>
+            <a:off x="5451564" y="1065332"/>
+            <a:ext cx="1265463" cy="307777"/>
+          </a:xfrm>
+          <a:prstGeom prst="hexagon">
+            <a:avLst/>
+          </a:prstGeom>
+        </p:spPr>
+        <p:style>
+          <a:lnRef idx="2">
+            <a:schemeClr val="accent1"/>
+          </a:lnRef>
+          <a:fillRef idx="1">
+            <a:schemeClr val="lt1"/>
+          </a:fillRef>
+          <a:effectRef idx="0">
+            <a:schemeClr val="accent1"/>
+          </a:effectRef>
+          <a:fontRef idx="minor">
+            <a:schemeClr val="dk1"/>
+          </a:fontRef>
+        </p:style>
+        <p:txBody>
+          <a:bodyPr rtlCol="0" anchor="ctr"/>
+          <a:lstStyle/>
+          <a:p>
+            <a:pPr algn="ctr"/>
+            <a:r>
+              <a:rPr lang="en-US" sz="1200" dirty="0">
+                <a:cs typeface="Segoe UI Semibold" panose="020B0702040204020203" pitchFamily="34" charset="0"/>
+              </a:rPr>
+              <a:t>SSIS</a:t>
+            </a:r>
+          </a:p>
+        </p:txBody>
+      </p:sp>
     </p:spTree>
     <p:extLst>
       <p:ext uri="{BB962C8B-B14F-4D97-AF65-F5344CB8AC3E}">

--- a/Whiteboard design session/media/diagrams.pptx
+++ b/Whiteboard design session/media/diagrams.pptx
@@ -200,7 +200,7 @@
           <a:p>
             <a:fld id="{90D82B7B-9A37-0949-A600-BA30C7EE531A}" type="datetimeFigureOut">
               <a:rPr lang="en-US" smtClean="0"/>
-              <a:t>6/23/2019</a:t>
+              <a:t>6/24/2019</a:t>
             </a:fld>
             <a:endParaRPr lang="en-US"/>
           </a:p>
@@ -872,7 +872,7 @@
           <a:p>
             <a:fld id="{232015E6-04D3-AA46-8EB6-5FC99D770932}" type="datetimeFigureOut">
               <a:rPr lang="en-US" smtClean="0"/>
-              <a:t>6/23/2019</a:t>
+              <a:t>6/24/2019</a:t>
             </a:fld>
             <a:endParaRPr lang="en-US"/>
           </a:p>
@@ -1040,7 +1040,7 @@
           <a:p>
             <a:fld id="{232015E6-04D3-AA46-8EB6-5FC99D770932}" type="datetimeFigureOut">
               <a:rPr lang="en-US" smtClean="0"/>
-              <a:t>6/23/2019</a:t>
+              <a:t>6/24/2019</a:t>
             </a:fld>
             <a:endParaRPr lang="en-US"/>
           </a:p>
@@ -1218,7 +1218,7 @@
           <a:p>
             <a:fld id="{232015E6-04D3-AA46-8EB6-5FC99D770932}" type="datetimeFigureOut">
               <a:rPr lang="en-US" smtClean="0"/>
-              <a:t>6/23/2019</a:t>
+              <a:t>6/24/2019</a:t>
             </a:fld>
             <a:endParaRPr lang="en-US"/>
           </a:p>
@@ -1386,7 +1386,7 @@
           <a:p>
             <a:fld id="{232015E6-04D3-AA46-8EB6-5FC99D770932}" type="datetimeFigureOut">
               <a:rPr lang="en-US" smtClean="0"/>
-              <a:t>6/23/2019</a:t>
+              <a:t>6/24/2019</a:t>
             </a:fld>
             <a:endParaRPr lang="en-US"/>
           </a:p>
@@ -1631,7 +1631,7 @@
           <a:p>
             <a:fld id="{232015E6-04D3-AA46-8EB6-5FC99D770932}" type="datetimeFigureOut">
               <a:rPr lang="en-US" smtClean="0"/>
-              <a:t>6/23/2019</a:t>
+              <a:t>6/24/2019</a:t>
             </a:fld>
             <a:endParaRPr lang="en-US"/>
           </a:p>
@@ -1860,7 +1860,7 @@
           <a:p>
             <a:fld id="{232015E6-04D3-AA46-8EB6-5FC99D770932}" type="datetimeFigureOut">
               <a:rPr lang="en-US" smtClean="0"/>
-              <a:t>6/23/2019</a:t>
+              <a:t>6/24/2019</a:t>
             </a:fld>
             <a:endParaRPr lang="en-US"/>
           </a:p>
@@ -2224,7 +2224,7 @@
           <a:p>
             <a:fld id="{232015E6-04D3-AA46-8EB6-5FC99D770932}" type="datetimeFigureOut">
               <a:rPr lang="en-US" smtClean="0"/>
-              <a:t>6/23/2019</a:t>
+              <a:t>6/24/2019</a:t>
             </a:fld>
             <a:endParaRPr lang="en-US"/>
           </a:p>
@@ -2341,7 +2341,7 @@
           <a:p>
             <a:fld id="{232015E6-04D3-AA46-8EB6-5FC99D770932}" type="datetimeFigureOut">
               <a:rPr lang="en-US" smtClean="0"/>
-              <a:t>6/23/2019</a:t>
+              <a:t>6/24/2019</a:t>
             </a:fld>
             <a:endParaRPr lang="en-US"/>
           </a:p>
@@ -2436,7 +2436,7 @@
           <a:p>
             <a:fld id="{232015E6-04D3-AA46-8EB6-5FC99D770932}" type="datetimeFigureOut">
               <a:rPr lang="en-US" smtClean="0"/>
-              <a:t>6/23/2019</a:t>
+              <a:t>6/24/2019</a:t>
             </a:fld>
             <a:endParaRPr lang="en-US"/>
           </a:p>
@@ -2711,7 +2711,7 @@
           <a:p>
             <a:fld id="{232015E6-04D3-AA46-8EB6-5FC99D770932}" type="datetimeFigureOut">
               <a:rPr lang="en-US" smtClean="0"/>
-              <a:t>6/23/2019</a:t>
+              <a:t>6/24/2019</a:t>
             </a:fld>
             <a:endParaRPr lang="en-US"/>
           </a:p>
@@ -2963,7 +2963,7 @@
           <a:p>
             <a:fld id="{232015E6-04D3-AA46-8EB6-5FC99D770932}" type="datetimeFigureOut">
               <a:rPr lang="en-US" smtClean="0"/>
-              <a:t>6/23/2019</a:t>
+              <a:t>6/24/2019</a:t>
             </a:fld>
             <a:endParaRPr lang="en-US"/>
           </a:p>
@@ -3174,7 +3174,7 @@
           <a:p>
             <a:fld id="{232015E6-04D3-AA46-8EB6-5FC99D770932}" type="datetimeFigureOut">
               <a:rPr lang="en-US" smtClean="0"/>
-              <a:t>6/23/2019</a:t>
+              <a:t>6/24/2019</a:t>
             </a:fld>
             <a:endParaRPr lang="en-US"/>
           </a:p>
@@ -4067,7 +4067,7 @@
         </p:nvSpPr>
         <p:spPr>
           <a:xfrm>
-            <a:off x="4696967" y="1948131"/>
+            <a:off x="4696967" y="1948130"/>
             <a:ext cx="1620456" cy="4016415"/>
           </a:xfrm>
           <a:prstGeom prst="rect">
@@ -4441,7 +4441,7 @@
         </p:blipFill>
         <p:spPr>
           <a:xfrm>
-            <a:off x="9445788" y="3395581"/>
+            <a:off x="9435962" y="3010994"/>
             <a:ext cx="418006" cy="418006"/>
           </a:xfrm>
           <a:prstGeom prst="rect">
@@ -4449,178 +4449,205 @@
           </a:prstGeom>
         </p:spPr>
       </p:pic>
+      <p:sp>
+        <p:nvSpPr>
+          <p:cNvPr id="24" name="TextBox 23"/>
+          <p:cNvSpPr txBox="1"/>
+          <p:nvPr/>
+        </p:nvSpPr>
+        <p:spPr>
+          <a:xfrm>
+            <a:off x="4727250" y="3137219"/>
+            <a:ext cx="1628148" cy="707886"/>
+          </a:xfrm>
+          <a:prstGeom prst="rect">
+            <a:avLst/>
+          </a:prstGeom>
+          <a:noFill/>
+        </p:spPr>
+        <p:txBody>
+          <a:bodyPr wrap="square" rtlCol="0">
+            <a:spAutoFit/>
+          </a:bodyPr>
+          <a:lstStyle/>
+          <a:p>
+            <a:pPr algn="ctr"/>
+            <a:r>
+              <a:rPr lang="en-US" sz="2000" dirty="0"/>
+              <a:t>SQL Server</a:t>
+            </a:r>
+          </a:p>
+          <a:p>
+            <a:pPr algn="ctr"/>
+            <a:r>
+              <a:rPr lang="en-US" sz="2000" dirty="0"/>
+              <a:t>data pool</a:t>
+            </a:r>
+          </a:p>
+        </p:txBody>
+      </p:sp>
+      <p:sp>
+        <p:nvSpPr>
+          <p:cNvPr id="25" name="TextBox 24"/>
+          <p:cNvSpPr txBox="1"/>
+          <p:nvPr/>
+        </p:nvSpPr>
+        <p:spPr>
+          <a:xfrm>
+            <a:off x="5168915" y="5137488"/>
+            <a:ext cx="949124" cy="400110"/>
+          </a:xfrm>
+          <a:prstGeom prst="rect">
+            <a:avLst/>
+          </a:prstGeom>
+          <a:noFill/>
+        </p:spPr>
+        <p:txBody>
+          <a:bodyPr wrap="square" rtlCol="0">
+            <a:spAutoFit/>
+          </a:bodyPr>
+          <a:lstStyle/>
+          <a:p>
+            <a:r>
+              <a:rPr lang="en-US" sz="2000" dirty="0"/>
+              <a:t>HDFS</a:t>
+            </a:r>
+          </a:p>
+        </p:txBody>
+      </p:sp>
       <p:grpSp>
         <p:nvGrpSpPr>
-          <p:cNvPr id="20" name="Group 19"/>
+          <p:cNvPr id="2" name="Group 1">
+            <a:extLst>
+              <a:ext uri="{FF2B5EF4-FFF2-40B4-BE49-F238E27FC236}">
+                <a16:creationId xmlns:a16="http://schemas.microsoft.com/office/drawing/2014/main" id="{6F782B75-C39E-4E0C-B568-2ED7A314F3E0}"/>
+              </a:ext>
+            </a:extLst>
+          </p:cNvPr>
           <p:cNvGrpSpPr/>
           <p:nvPr/>
         </p:nvGrpSpPr>
         <p:grpSpPr>
           <a:xfrm>
-            <a:off x="7341875" y="4300977"/>
-            <a:ext cx="509193" cy="509193"/>
-            <a:chOff x="6836849" y="3962545"/>
-            <a:chExt cx="509193" cy="509193"/>
+            <a:off x="6686490" y="4300977"/>
+            <a:ext cx="1757423" cy="1390416"/>
+            <a:chOff x="6686490" y="4300977"/>
+            <a:chExt cx="1757423" cy="1390416"/>
           </a:xfrm>
         </p:grpSpPr>
-        <p:pic>
-          <p:nvPicPr>
-            <p:cNvPr id="19" name="Picture 18"/>
-            <p:cNvPicPr>
-              <a:picLocks noChangeAspect="1"/>
-            </p:cNvPicPr>
+        <p:grpSp>
+          <p:nvGrpSpPr>
+            <p:cNvPr id="20" name="Group 19"/>
+            <p:cNvGrpSpPr/>
             <p:nvPr/>
-          </p:nvPicPr>
-          <p:blipFill>
-            <a:blip r:embed="rId4">
-              <a:extLst>
-                <a:ext uri="{28A0092B-C50C-407E-A947-70E740481C1C}">
-                  <a14:useLocalDpi xmlns:a14="http://schemas.microsoft.com/office/drawing/2010/main" val="0"/>
-                </a:ext>
-              </a:extLst>
-            </a:blip>
-            <a:stretch>
-              <a:fillRect/>
-            </a:stretch>
-          </p:blipFill>
+          </p:nvGrpSpPr>
+          <p:grpSpPr>
+            <a:xfrm>
+              <a:off x="7341875" y="4300977"/>
+              <a:ext cx="509193" cy="509193"/>
+              <a:chOff x="6836849" y="3962545"/>
+              <a:chExt cx="509193" cy="509193"/>
+            </a:xfrm>
+          </p:grpSpPr>
+          <p:pic>
+            <p:nvPicPr>
+              <p:cNvPr id="19" name="Picture 18"/>
+              <p:cNvPicPr>
+                <a:picLocks noChangeAspect="1"/>
+              </p:cNvPicPr>
+              <p:nvPr/>
+            </p:nvPicPr>
+            <p:blipFill>
+              <a:blip r:embed="rId4">
+                <a:extLst>
+                  <a:ext uri="{28A0092B-C50C-407E-A947-70E740481C1C}">
+                    <a14:useLocalDpi xmlns:a14="http://schemas.microsoft.com/office/drawing/2010/main" val="0"/>
+                  </a:ext>
+                </a:extLst>
+              </a:blip>
+              <a:stretch>
+                <a:fillRect/>
+              </a:stretch>
+            </p:blipFill>
+            <p:spPr>
+              <a:xfrm>
+                <a:off x="6836849" y="3962545"/>
+                <a:ext cx="501501" cy="501501"/>
+              </a:xfrm>
+              <a:prstGeom prst="rect">
+                <a:avLst/>
+              </a:prstGeom>
+            </p:spPr>
+          </p:pic>
+          <p:pic>
+            <p:nvPicPr>
+              <p:cNvPr id="18" name="Picture 17"/>
+              <p:cNvPicPr>
+                <a:picLocks noChangeAspect="1"/>
+              </p:cNvPicPr>
+              <p:nvPr/>
+            </p:nvPicPr>
+            <p:blipFill>
+              <a:blip r:embed="rId5">
+                <a:extLst>
+                  <a:ext uri="{28A0092B-C50C-407E-A947-70E740481C1C}">
+                    <a14:useLocalDpi xmlns:a14="http://schemas.microsoft.com/office/drawing/2010/main" val="0"/>
+                  </a:ext>
+                </a:extLst>
+              </a:blip>
+              <a:stretch>
+                <a:fillRect/>
+              </a:stretch>
+            </p:blipFill>
+            <p:spPr>
+              <a:xfrm>
+                <a:off x="7087599" y="4213295"/>
+                <a:ext cx="258443" cy="258443"/>
+              </a:xfrm>
+              <a:prstGeom prst="rect">
+                <a:avLst/>
+              </a:prstGeom>
+            </p:spPr>
+          </p:pic>
+        </p:grpSp>
+        <p:sp>
+          <p:nvSpPr>
+            <p:cNvPr id="26" name="TextBox 25"/>
+            <p:cNvSpPr txBox="1"/>
+            <p:nvPr/>
+          </p:nvSpPr>
           <p:spPr>
             <a:xfrm>
-              <a:off x="6836849" y="3962545"/>
-              <a:ext cx="501501" cy="501501"/>
+              <a:off x="6686490" y="4768063"/>
+              <a:ext cx="1757423" cy="923330"/>
             </a:xfrm>
             <a:prstGeom prst="rect">
               <a:avLst/>
             </a:prstGeom>
+            <a:noFill/>
           </p:spPr>
-        </p:pic>
-        <p:pic>
-          <p:nvPicPr>
-            <p:cNvPr id="18" name="Picture 17"/>
-            <p:cNvPicPr>
-              <a:picLocks noChangeAspect="1"/>
-            </p:cNvPicPr>
-            <p:nvPr/>
-          </p:nvPicPr>
-          <p:blipFill>
-            <a:blip r:embed="rId5">
-              <a:extLst>
-                <a:ext uri="{28A0092B-C50C-407E-A947-70E740481C1C}">
-                  <a14:useLocalDpi xmlns:a14="http://schemas.microsoft.com/office/drawing/2010/main" val="0"/>
-                </a:ext>
-              </a:extLst>
-            </a:blip>
-            <a:stretch>
-              <a:fillRect/>
-            </a:stretch>
-          </p:blipFill>
-          <p:spPr>
-            <a:xfrm>
-              <a:off x="7087599" y="4213295"/>
-              <a:ext cx="258443" cy="258443"/>
-            </a:xfrm>
-            <a:prstGeom prst="rect">
-              <a:avLst/>
-            </a:prstGeom>
-          </p:spPr>
-        </p:pic>
+          <p:txBody>
+            <a:bodyPr wrap="square" rtlCol="0">
+              <a:spAutoFit/>
+            </a:bodyPr>
+            <a:lstStyle/>
+            <a:p>
+              <a:pPr algn="ctr"/>
+              <a:r>
+                <a:rPr lang="en-US" dirty="0"/>
+                <a:t>Machine Learning</a:t>
+              </a:r>
+              <a:br>
+                <a:rPr lang="en-US" dirty="0"/>
+              </a:br>
+              <a:r>
+                <a:rPr lang="en-US" dirty="0"/>
+                <a:t>Services</a:t>
+              </a:r>
+            </a:p>
+          </p:txBody>
+        </p:sp>
       </p:grpSp>
-      <p:sp>
-        <p:nvSpPr>
-          <p:cNvPr id="24" name="TextBox 23"/>
-          <p:cNvSpPr txBox="1"/>
-          <p:nvPr/>
-        </p:nvSpPr>
-        <p:spPr>
-          <a:xfrm>
-            <a:off x="4780896" y="3105602"/>
-            <a:ext cx="1628148" cy="830997"/>
-          </a:xfrm>
-          <a:prstGeom prst="rect">
-            <a:avLst/>
-          </a:prstGeom>
-          <a:noFill/>
-        </p:spPr>
-        <p:txBody>
-          <a:bodyPr wrap="square" rtlCol="0">
-            <a:spAutoFit/>
-          </a:bodyPr>
-          <a:lstStyle/>
-          <a:p>
-            <a:pPr algn="ctr"/>
-            <a:r>
-              <a:rPr lang="en-US" sz="2400" dirty="0"/>
-              <a:t>SQL Server</a:t>
-            </a:r>
-          </a:p>
-          <a:p>
-            <a:pPr algn="ctr"/>
-            <a:r>
-              <a:rPr lang="en-US" sz="2400" dirty="0"/>
-              <a:t>data pools</a:t>
-            </a:r>
-          </a:p>
-        </p:txBody>
-      </p:sp>
-      <p:sp>
-        <p:nvSpPr>
-          <p:cNvPr id="25" name="TextBox 24"/>
-          <p:cNvSpPr txBox="1"/>
-          <p:nvPr/>
-        </p:nvSpPr>
-        <p:spPr>
-          <a:xfrm>
-            <a:off x="5094881" y="5145676"/>
-            <a:ext cx="949124" cy="461665"/>
-          </a:xfrm>
-          <a:prstGeom prst="rect">
-            <a:avLst/>
-          </a:prstGeom>
-          <a:noFill/>
-        </p:spPr>
-        <p:txBody>
-          <a:bodyPr wrap="square" rtlCol="0">
-            <a:spAutoFit/>
-          </a:bodyPr>
-          <a:lstStyle/>
-          <a:p>
-            <a:r>
-              <a:rPr lang="en-US" sz="2400"/>
-              <a:t>HDFS</a:t>
-            </a:r>
-            <a:endParaRPr lang="en-US" sz="2400" dirty="0"/>
-          </a:p>
-        </p:txBody>
-      </p:sp>
-      <p:sp>
-        <p:nvSpPr>
-          <p:cNvPr id="26" name="TextBox 25"/>
-          <p:cNvSpPr txBox="1"/>
-          <p:nvPr/>
-        </p:nvSpPr>
-        <p:spPr>
-          <a:xfrm>
-            <a:off x="6770765" y="4768063"/>
-            <a:ext cx="1725591" cy="1200329"/>
-          </a:xfrm>
-          <a:prstGeom prst="rect">
-            <a:avLst/>
-          </a:prstGeom>
-          <a:noFill/>
-        </p:spPr>
-        <p:txBody>
-          <a:bodyPr wrap="square" rtlCol="0">
-            <a:spAutoFit/>
-          </a:bodyPr>
-          <a:lstStyle/>
-          <a:p>
-            <a:pPr algn="ctr"/>
-            <a:r>
-              <a:rPr lang="en-US" sz="2400" dirty="0"/>
-              <a:t>Machine Learning Services</a:t>
-            </a:r>
-          </a:p>
-        </p:txBody>
-      </p:sp>
       <p:pic>
         <p:nvPicPr>
           <p:cNvPr id="27" name="Picture 26"/>
@@ -4664,8 +4691,8 @@
         </p:nvSpPr>
         <p:spPr>
           <a:xfrm>
-            <a:off x="8806588" y="3834969"/>
-            <a:ext cx="1725591" cy="1200329"/>
+            <a:off x="8796762" y="3450382"/>
+            <a:ext cx="1725591" cy="923330"/>
           </a:xfrm>
           <a:prstGeom prst="rect">
             <a:avLst/>
@@ -4680,21 +4707,21 @@
           <a:p>
             <a:pPr algn="ctr"/>
             <a:r>
-              <a:rPr lang="en-US" sz="2400" dirty="0"/>
+              <a:rPr lang="en-US" dirty="0"/>
               <a:t>SQL Server</a:t>
             </a:r>
           </a:p>
           <a:p>
             <a:pPr algn="ctr"/>
             <a:r>
-              <a:rPr lang="en-US" sz="2400" dirty="0"/>
+              <a:rPr lang="en-US" dirty="0"/>
               <a:t>master</a:t>
             </a:r>
           </a:p>
           <a:p>
             <a:pPr algn="ctr"/>
             <a:r>
-              <a:rPr lang="en-US" sz="2400" dirty="0"/>
+              <a:rPr lang="en-US" dirty="0"/>
               <a:t>instance</a:t>
             </a:r>
           </a:p>
@@ -4788,7 +4815,7 @@
         </p:blipFill>
         <p:spPr>
           <a:xfrm>
-            <a:off x="544351" y="1238042"/>
+            <a:off x="681214" y="1221775"/>
             <a:ext cx="577862" cy="577862"/>
           </a:xfrm>
           <a:prstGeom prst="rect">
@@ -4850,7 +4877,7 @@
         </p:blipFill>
         <p:spPr>
           <a:xfrm>
-            <a:off x="671238" y="5014448"/>
+            <a:off x="698587" y="5014448"/>
             <a:ext cx="543113" cy="543113"/>
           </a:xfrm>
           <a:prstGeom prst="rect">
@@ -4866,7 +4893,7 @@
         </p:nvGrpSpPr>
         <p:grpSpPr>
           <a:xfrm>
-            <a:off x="658973" y="3012675"/>
+            <a:off x="795836" y="2992506"/>
             <a:ext cx="348618" cy="822294"/>
             <a:chOff x="732847" y="2372810"/>
             <a:chExt cx="488701" cy="1152711"/>
@@ -4943,8 +4970,8 @@
         </p:nvSpPr>
         <p:spPr>
           <a:xfrm>
-            <a:off x="71441" y="1796043"/>
-            <a:ext cx="2058302" cy="1200329"/>
+            <a:off x="92078" y="1796043"/>
+            <a:ext cx="1736290" cy="1015663"/>
           </a:xfrm>
           <a:prstGeom prst="rect">
             <a:avLst/>
@@ -4959,21 +4986,21 @@
           <a:p>
             <a:pPr algn="ctr"/>
             <a:r>
-              <a:rPr lang="en-US" sz="2400" dirty="0"/>
+              <a:rPr lang="en-US" sz="2000" dirty="0"/>
               <a:t>Logs, files</a:t>
             </a:r>
           </a:p>
           <a:p>
             <a:pPr algn="ctr"/>
             <a:r>
-              <a:rPr lang="en-US" sz="2400" dirty="0"/>
+              <a:rPr lang="en-US" sz="2000" dirty="0"/>
               <a:t>and media</a:t>
             </a:r>
           </a:p>
           <a:p>
             <a:pPr algn="ctr"/>
             <a:r>
-              <a:rPr lang="en-US" sz="2400" dirty="0"/>
+              <a:rPr lang="en-US" sz="2000" dirty="0"/>
               <a:t>(unstructured)</a:t>
             </a:r>
           </a:p>
@@ -4987,8 +5014,8 @@
         </p:nvSpPr>
         <p:spPr>
           <a:xfrm>
-            <a:off x="96938" y="3711338"/>
-            <a:ext cx="2218000" cy="830997"/>
+            <a:off x="92078" y="3701351"/>
+            <a:ext cx="1817065" cy="707886"/>
           </a:xfrm>
           <a:prstGeom prst="rect">
             <a:avLst/>
@@ -5003,14 +5030,14 @@
           <a:p>
             <a:pPr algn="ctr"/>
             <a:r>
-              <a:rPr lang="en-US" sz="2400" dirty="0"/>
+              <a:rPr lang="en-US" sz="2000" dirty="0"/>
               <a:t>Sensors and IoT</a:t>
             </a:r>
           </a:p>
           <a:p>
             <a:pPr algn="ctr"/>
             <a:r>
-              <a:rPr lang="en-US" sz="2400" dirty="0"/>
+              <a:rPr lang="en-US" sz="2000" dirty="0"/>
               <a:t>(unstructured)</a:t>
             </a:r>
           </a:p>
@@ -5024,8 +5051,8 @@
         </p:nvSpPr>
         <p:spPr>
           <a:xfrm>
-            <a:off x="276175" y="5476113"/>
-            <a:ext cx="1817065" cy="1200329"/>
+            <a:off x="92078" y="5476113"/>
+            <a:ext cx="1721886" cy="1015663"/>
           </a:xfrm>
           <a:prstGeom prst="rect">
             <a:avLst/>
@@ -5040,25 +5067,21 @@
           <a:p>
             <a:pPr algn="ctr"/>
             <a:r>
-              <a:rPr lang="en-US" sz="2400"/>
+              <a:rPr lang="en-US" sz="2000" dirty="0"/>
               <a:t>Business /</a:t>
             </a:r>
             <a:br>
-              <a:rPr lang="en-US" sz="2400"/>
+              <a:rPr lang="en-US" sz="2000" dirty="0"/>
             </a:br>
             <a:r>
-              <a:rPr lang="en-US" sz="2400"/>
-              <a:t>custom </a:t>
-            </a:r>
-            <a:r>
-              <a:rPr lang="en-US" sz="2400" dirty="0"/>
-              <a:t>apps</a:t>
+              <a:rPr lang="en-US" sz="2000" dirty="0"/>
+              <a:t>custom apps</a:t>
             </a:r>
           </a:p>
           <a:p>
             <a:pPr algn="ctr"/>
             <a:r>
-              <a:rPr lang="en-US" sz="2400" dirty="0"/>
+              <a:rPr lang="en-US" sz="2000" dirty="0"/>
               <a:t>(structured)</a:t>
             </a:r>
           </a:p>
@@ -5067,13 +5090,15 @@
       <p:cxnSp>
         <p:nvCxnSpPr>
           <p:cNvPr id="41" name="Straight Arrow Connector 40"/>
-          <p:cNvCxnSpPr/>
+          <p:cNvCxnSpPr>
+            <a:cxnSpLocks/>
+          </p:cNvCxnSpPr>
           <p:nvPr/>
         </p:nvCxnSpPr>
         <p:spPr>
           <a:xfrm>
-            <a:off x="2197127" y="2518809"/>
-            <a:ext cx="534362" cy="29887"/>
+            <a:off x="2207802" y="2548696"/>
+            <a:ext cx="523687" cy="0"/>
           </a:xfrm>
           <a:prstGeom prst="straightConnector1">
             <a:avLst/>
@@ -5173,13 +5198,15 @@
       <p:cxnSp>
         <p:nvCxnSpPr>
           <p:cNvPr id="49" name="Straight Connector 48"/>
-          <p:cNvCxnSpPr/>
+          <p:cNvCxnSpPr>
+            <a:cxnSpLocks/>
+          </p:cNvCxnSpPr>
           <p:nvPr/>
         </p:nvCxnSpPr>
         <p:spPr>
           <a:xfrm flipH="1" flipV="1">
-            <a:off x="1828367" y="4566772"/>
-            <a:ext cx="433563" cy="10092"/>
+            <a:off x="1828368" y="4566772"/>
+            <a:ext cx="405563" cy="6253"/>
           </a:xfrm>
           <a:prstGeom prst="line">
             <a:avLst/>
@@ -5208,13 +5235,15 @@
       <p:cxnSp>
         <p:nvCxnSpPr>
           <p:cNvPr id="52" name="Straight Arrow Connector 51"/>
-          <p:cNvCxnSpPr/>
+          <p:cNvCxnSpPr>
+            <a:cxnSpLocks/>
+          </p:cNvCxnSpPr>
           <p:nvPr/>
         </p:nvCxnSpPr>
         <p:spPr>
           <a:xfrm>
-            <a:off x="2258200" y="5274888"/>
-            <a:ext cx="534362" cy="29887"/>
+            <a:off x="2207802" y="5304775"/>
+            <a:ext cx="584760" cy="0"/>
           </a:xfrm>
           <a:prstGeom prst="straightConnector1">
             <a:avLst/>
@@ -5244,13 +5273,15 @@
       <p:cxnSp>
         <p:nvCxnSpPr>
           <p:cNvPr id="53" name="Straight Connector 52"/>
-          <p:cNvCxnSpPr/>
+          <p:cNvCxnSpPr>
+            <a:cxnSpLocks/>
+          </p:cNvCxnSpPr>
           <p:nvPr/>
         </p:nvCxnSpPr>
         <p:spPr>
           <a:xfrm flipV="1">
-            <a:off x="2185833" y="4809928"/>
-            <a:ext cx="21969" cy="1866514"/>
+            <a:off x="2203884" y="4809928"/>
+            <a:ext cx="3918" cy="1866514"/>
           </a:xfrm>
           <a:prstGeom prst="line">
             <a:avLst/>
@@ -5314,13 +5345,15 @@
       <p:cxnSp>
         <p:nvCxnSpPr>
           <p:cNvPr id="55" name="Straight Connector 54"/>
-          <p:cNvCxnSpPr/>
+          <p:cNvCxnSpPr>
+            <a:cxnSpLocks/>
+          </p:cNvCxnSpPr>
           <p:nvPr/>
         </p:nvCxnSpPr>
         <p:spPr>
-          <a:xfrm flipH="1" flipV="1">
-            <a:off x="1795087" y="6676442"/>
-            <a:ext cx="433563" cy="10092"/>
+          <a:xfrm flipH="1">
+            <a:off x="1795088" y="6676442"/>
+            <a:ext cx="452438" cy="0"/>
           </a:xfrm>
           <a:prstGeom prst="line">
             <a:avLst/>
@@ -5475,6 +5508,242 @@
           </a:prstGeom>
         </p:spPr>
       </p:pic>
+      <p:grpSp>
+        <p:nvGrpSpPr>
+          <p:cNvPr id="46" name="Group 45">
+            <a:extLst>
+              <a:ext uri="{FF2B5EF4-FFF2-40B4-BE49-F238E27FC236}">
+                <a16:creationId xmlns:a16="http://schemas.microsoft.com/office/drawing/2014/main" id="{C80FC3F4-E3DD-4014-A5A8-1247D3228AC9}"/>
+              </a:ext>
+            </a:extLst>
+          </p:cNvPr>
+          <p:cNvGrpSpPr/>
+          <p:nvPr/>
+        </p:nvGrpSpPr>
+        <p:grpSpPr>
+          <a:xfrm>
+            <a:off x="8780459" y="4566772"/>
+            <a:ext cx="1757423" cy="1390416"/>
+            <a:chOff x="6686490" y="4300977"/>
+            <a:chExt cx="1757423" cy="1390416"/>
+          </a:xfrm>
+        </p:grpSpPr>
+        <p:grpSp>
+          <p:nvGrpSpPr>
+            <p:cNvPr id="47" name="Group 46">
+              <a:extLst>
+                <a:ext uri="{FF2B5EF4-FFF2-40B4-BE49-F238E27FC236}">
+                  <a16:creationId xmlns:a16="http://schemas.microsoft.com/office/drawing/2014/main" id="{1EEB94FC-E965-4EC0-8271-2E60CD393FBF}"/>
+                </a:ext>
+              </a:extLst>
+            </p:cNvPr>
+            <p:cNvGrpSpPr/>
+            <p:nvPr/>
+          </p:nvGrpSpPr>
+          <p:grpSpPr>
+            <a:xfrm>
+              <a:off x="7341875" y="4300977"/>
+              <a:ext cx="509193" cy="509193"/>
+              <a:chOff x="6836849" y="3962545"/>
+              <a:chExt cx="509193" cy="509193"/>
+            </a:xfrm>
+          </p:grpSpPr>
+          <p:pic>
+            <p:nvPicPr>
+              <p:cNvPr id="50" name="Picture 49">
+                <a:extLst>
+                  <a:ext uri="{FF2B5EF4-FFF2-40B4-BE49-F238E27FC236}">
+                    <a16:creationId xmlns:a16="http://schemas.microsoft.com/office/drawing/2014/main" id="{C1B8BDBB-C0EF-4DCC-85A0-C73C5C5D6154}"/>
+                  </a:ext>
+                </a:extLst>
+              </p:cNvPr>
+              <p:cNvPicPr>
+                <a:picLocks noChangeAspect="1"/>
+              </p:cNvPicPr>
+              <p:nvPr/>
+            </p:nvPicPr>
+            <p:blipFill>
+              <a:blip r:embed="rId4">
+                <a:extLst>
+                  <a:ext uri="{28A0092B-C50C-407E-A947-70E740481C1C}">
+                    <a14:useLocalDpi xmlns:a14="http://schemas.microsoft.com/office/drawing/2010/main" val="0"/>
+                  </a:ext>
+                </a:extLst>
+              </a:blip>
+              <a:stretch>
+                <a:fillRect/>
+              </a:stretch>
+            </p:blipFill>
+            <p:spPr>
+              <a:xfrm>
+                <a:off x="6836849" y="3962545"/>
+                <a:ext cx="501501" cy="501501"/>
+              </a:xfrm>
+              <a:prstGeom prst="rect">
+                <a:avLst/>
+              </a:prstGeom>
+            </p:spPr>
+          </p:pic>
+          <p:pic>
+            <p:nvPicPr>
+              <p:cNvPr id="51" name="Picture 50">
+                <a:extLst>
+                  <a:ext uri="{FF2B5EF4-FFF2-40B4-BE49-F238E27FC236}">
+                    <a16:creationId xmlns:a16="http://schemas.microsoft.com/office/drawing/2014/main" id="{A23D99E6-4DE1-4E4B-B595-B5A5CFB3DE78}"/>
+                  </a:ext>
+                </a:extLst>
+              </p:cNvPr>
+              <p:cNvPicPr>
+                <a:picLocks noChangeAspect="1"/>
+              </p:cNvPicPr>
+              <p:nvPr/>
+            </p:nvPicPr>
+            <p:blipFill>
+              <a:blip r:embed="rId5">
+                <a:extLst>
+                  <a:ext uri="{28A0092B-C50C-407E-A947-70E740481C1C}">
+                    <a14:useLocalDpi xmlns:a14="http://schemas.microsoft.com/office/drawing/2010/main" val="0"/>
+                  </a:ext>
+                </a:extLst>
+              </a:blip>
+              <a:stretch>
+                <a:fillRect/>
+              </a:stretch>
+            </p:blipFill>
+            <p:spPr>
+              <a:xfrm>
+                <a:off x="7087599" y="4213295"/>
+                <a:ext cx="258443" cy="258443"/>
+              </a:xfrm>
+              <a:prstGeom prst="rect">
+                <a:avLst/>
+              </a:prstGeom>
+            </p:spPr>
+          </p:pic>
+        </p:grpSp>
+        <p:sp>
+          <p:nvSpPr>
+            <p:cNvPr id="48" name="TextBox 47">
+              <a:extLst>
+                <a:ext uri="{FF2B5EF4-FFF2-40B4-BE49-F238E27FC236}">
+                  <a16:creationId xmlns:a16="http://schemas.microsoft.com/office/drawing/2014/main" id="{454BE231-C867-4FA5-A528-85D76C7A0DED}"/>
+                </a:ext>
+              </a:extLst>
+            </p:cNvPr>
+            <p:cNvSpPr txBox="1"/>
+            <p:nvPr/>
+          </p:nvSpPr>
+          <p:spPr>
+            <a:xfrm>
+              <a:off x="6686490" y="4768063"/>
+              <a:ext cx="1757423" cy="923330"/>
+            </a:xfrm>
+            <a:prstGeom prst="rect">
+              <a:avLst/>
+            </a:prstGeom>
+            <a:noFill/>
+          </p:spPr>
+          <p:txBody>
+            <a:bodyPr wrap="square" rtlCol="0">
+              <a:spAutoFit/>
+            </a:bodyPr>
+            <a:lstStyle/>
+            <a:p>
+              <a:pPr algn="ctr"/>
+              <a:r>
+                <a:rPr lang="en-US" dirty="0"/>
+                <a:t>Machine Learning</a:t>
+              </a:r>
+              <a:br>
+                <a:rPr lang="en-US" dirty="0"/>
+              </a:br>
+              <a:r>
+                <a:rPr lang="en-US" dirty="0"/>
+                <a:t>Services</a:t>
+              </a:r>
+            </a:p>
+          </p:txBody>
+        </p:sp>
+      </p:grpSp>
+      <p:pic>
+        <p:nvPicPr>
+          <p:cNvPr id="4" name="Graphic 3">
+            <a:extLst>
+              <a:ext uri="{FF2B5EF4-FFF2-40B4-BE49-F238E27FC236}">
+                <a16:creationId xmlns:a16="http://schemas.microsoft.com/office/drawing/2014/main" id="{84668113-1C44-464D-AEAE-4A45B5B0FFE3}"/>
+              </a:ext>
+            </a:extLst>
+          </p:cNvPr>
+          <p:cNvPicPr>
+            <a:picLocks noChangeAspect="1"/>
+          </p:cNvPicPr>
+          <p:nvPr/>
+        </p:nvPicPr>
+        <p:blipFill>
+          <a:blip r:embed="rId15">
+            <a:extLst>
+              <a:ext uri="{96DAC541-7B7A-43D3-8B79-37D633B846F1}">
+                <asvg:svgBlip xmlns:asvg="http://schemas.microsoft.com/office/drawing/2016/SVG/main" r:embed="rId16"/>
+              </a:ext>
+            </a:extLst>
+          </a:blip>
+          <a:stretch>
+            <a:fillRect/>
+          </a:stretch>
+        </p:blipFill>
+        <p:spPr>
+          <a:xfrm>
+            <a:off x="3224163" y="4708618"/>
+            <a:ext cx="476250" cy="476250"/>
+          </a:xfrm>
+          <a:prstGeom prst="rect">
+            <a:avLst/>
+          </a:prstGeom>
+        </p:spPr>
+      </p:pic>
+      <p:sp>
+        <p:nvSpPr>
+          <p:cNvPr id="56" name="TextBox 55">
+            <a:extLst>
+              <a:ext uri="{FF2B5EF4-FFF2-40B4-BE49-F238E27FC236}">
+                <a16:creationId xmlns:a16="http://schemas.microsoft.com/office/drawing/2014/main" id="{BFE16701-7683-4D0F-B56A-CCA242B230CC}"/>
+              </a:ext>
+            </a:extLst>
+          </p:cNvPr>
+          <p:cNvSpPr txBox="1"/>
+          <p:nvPr/>
+        </p:nvSpPr>
+        <p:spPr>
+          <a:xfrm>
+            <a:off x="2623169" y="5176627"/>
+            <a:ext cx="1757423" cy="646331"/>
+          </a:xfrm>
+          <a:prstGeom prst="rect">
+            <a:avLst/>
+          </a:prstGeom>
+          <a:noFill/>
+        </p:spPr>
+        <p:txBody>
+          <a:bodyPr wrap="square" rtlCol="0">
+            <a:spAutoFit/>
+          </a:bodyPr>
+          <a:lstStyle/>
+          <a:p>
+            <a:pPr algn="ctr"/>
+            <a:r>
+              <a:rPr lang="en-US" dirty="0"/>
+              <a:t>Azure Data</a:t>
+            </a:r>
+            <a:br>
+              <a:rPr lang="en-US" dirty="0"/>
+            </a:br>
+            <a:r>
+              <a:rPr lang="en-US" dirty="0"/>
+              <a:t>Factory</a:t>
+            </a:r>
+          </a:p>
+        </p:txBody>
+      </p:sp>
     </p:spTree>
     <p:extLst>
       <p:ext uri="{BB962C8B-B14F-4D97-AF65-F5344CB8AC3E}">

--- a/Whiteboard design session/media/diagrams.pptx
+++ b/Whiteboard design session/media/diagrams.pptx
@@ -3769,13 +3769,15 @@
       <p:cxnSp>
         <p:nvCxnSpPr>
           <p:cNvPr id="13" name="Straight Connector 12"/>
-          <p:cNvCxnSpPr/>
+          <p:cNvCxnSpPr>
+            <a:cxnSpLocks/>
+          </p:cNvCxnSpPr>
           <p:nvPr/>
         </p:nvCxnSpPr>
         <p:spPr>
           <a:xfrm>
-            <a:off x="4016414" y="3576578"/>
-            <a:ext cx="4054997" cy="0"/>
+            <a:off x="3980622" y="3565004"/>
+            <a:ext cx="4139648" cy="0"/>
           </a:xfrm>
           <a:prstGeom prst="line">
             <a:avLst/>
@@ -3921,7 +3923,7 @@
                   <a:schemeClr val="tx1"/>
                 </a:solidFill>
               </a:rPr>
-              <a:t>Spark</a:t>
+              <a:t>SQL Server</a:t>
             </a:r>
           </a:p>
         </p:txBody>

--- a/Whiteboard design session/media/diagrams.pptx
+++ b/Whiteboard design session/media/diagrams.pptx
@@ -5,13 +5,14 @@
     <p:sldMasterId id="2147483648" r:id="rId1"/>
   </p:sldMasterIdLst>
   <p:notesMasterIdLst>
-    <p:notesMasterId r:id="rId6"/>
+    <p:notesMasterId r:id="rId7"/>
   </p:notesMasterIdLst>
   <p:sldIdLst>
     <p:sldId id="256" r:id="rId2"/>
     <p:sldId id="257" r:id="rId3"/>
     <p:sldId id="258" r:id="rId4"/>
     <p:sldId id="259" r:id="rId5"/>
+    <p:sldId id="260" r:id="rId6"/>
   </p:sldIdLst>
   <p:sldSz cx="12192000" cy="6858000"/>
   <p:notesSz cx="6858000" cy="9144000"/>
@@ -200,7 +201,7 @@
           <a:p>
             <a:fld id="{90D82B7B-9A37-0949-A600-BA30C7EE531A}" type="datetimeFigureOut">
               <a:rPr lang="en-US" smtClean="0"/>
-              <a:t>6/24/2019</a:t>
+              <a:t>7/8/2019</a:t>
             </a:fld>
             <a:endParaRPr lang="en-US"/>
           </a:p>
@@ -743,6 +744,98 @@
 </p:notes>
 </file>
 
+<file path=ppt/notesSlides/notesSlide4.xml><?xml version="1.0" encoding="utf-8"?>
+<p:notes xmlns:a="http://schemas.openxmlformats.org/drawingml/2006/main" xmlns:r="http://schemas.openxmlformats.org/officeDocument/2006/relationships" xmlns:p="http://schemas.openxmlformats.org/presentationml/2006/main">
+  <p:cSld>
+    <p:spTree>
+      <p:nvGrpSpPr>
+        <p:cNvPr id="1" name=""/>
+        <p:cNvGrpSpPr/>
+        <p:nvPr/>
+      </p:nvGrpSpPr>
+      <p:grpSpPr>
+        <a:xfrm>
+          <a:off x="0" y="0"/>
+          <a:ext cx="0" cy="0"/>
+          <a:chOff x="0" y="0"/>
+          <a:chExt cx="0" cy="0"/>
+        </a:xfrm>
+      </p:grpSpPr>
+      <p:sp>
+        <p:nvSpPr>
+          <p:cNvPr id="2" name="Slide Image Placeholder 1"/>
+          <p:cNvSpPr>
+            <a:spLocks noGrp="1" noRot="1" noChangeAspect="1"/>
+          </p:cNvSpPr>
+          <p:nvPr>
+            <p:ph type="sldImg"/>
+          </p:nvPr>
+        </p:nvSpPr>
+        <p:spPr/>
+      </p:sp>
+      <p:sp>
+        <p:nvSpPr>
+          <p:cNvPr id="3" name="Notes Placeholder 2"/>
+          <p:cNvSpPr>
+            <a:spLocks noGrp="1"/>
+          </p:cNvSpPr>
+          <p:nvPr>
+            <p:ph type="body" idx="1"/>
+          </p:nvPr>
+        </p:nvSpPr>
+        <p:spPr/>
+        <p:txBody>
+          <a:bodyPr/>
+          <a:lstStyle/>
+          <a:p>
+            <a:r>
+              <a:rPr lang="en-US" dirty="0"/>
+              <a:t>SQL Server 2019 Integrated AI and Machine</a:t>
+            </a:r>
+            <a:r>
+              <a:rPr lang="en-US" baseline="0" dirty="0"/>
+              <a:t> Learning</a:t>
+            </a:r>
+            <a:endParaRPr lang="en-US" dirty="0"/>
+          </a:p>
+        </p:txBody>
+      </p:sp>
+      <p:sp>
+        <p:nvSpPr>
+          <p:cNvPr id="4" name="Slide Number Placeholder 3"/>
+          <p:cNvSpPr>
+            <a:spLocks noGrp="1"/>
+          </p:cNvSpPr>
+          <p:nvPr>
+            <p:ph type="sldNum" sz="quarter" idx="10"/>
+          </p:nvPr>
+        </p:nvSpPr>
+        <p:spPr/>
+        <p:txBody>
+          <a:bodyPr/>
+          <a:lstStyle/>
+          <a:p>
+            <a:fld id="{CC0E389C-D2BE-6A4B-8B4B-9E18E21C64A4}" type="slidenum">
+              <a:rPr lang="en-US" smtClean="0"/>
+              <a:t>5</a:t>
+            </a:fld>
+            <a:endParaRPr lang="en-US"/>
+          </a:p>
+        </p:txBody>
+      </p:sp>
+    </p:spTree>
+    <p:extLst>
+      <p:ext uri="{BB962C8B-B14F-4D97-AF65-F5344CB8AC3E}">
+        <p14:creationId xmlns:p14="http://schemas.microsoft.com/office/powerpoint/2010/main" val="4113132480"/>
+      </p:ext>
+    </p:extLst>
+  </p:cSld>
+  <p:clrMapOvr>
+    <a:masterClrMapping/>
+  </p:clrMapOvr>
+</p:notes>
+</file>
+
 <file path=ppt/slideLayouts/slideLayout1.xml><?xml version="1.0" encoding="utf-8"?>
 <p:sldLayout xmlns:a="http://schemas.openxmlformats.org/drawingml/2006/main" xmlns:r="http://schemas.openxmlformats.org/officeDocument/2006/relationships" xmlns:p="http://schemas.openxmlformats.org/presentationml/2006/main" type="title" preserve="1">
   <p:cSld name="Title Slide">
@@ -872,7 +965,7 @@
           <a:p>
             <a:fld id="{232015E6-04D3-AA46-8EB6-5FC99D770932}" type="datetimeFigureOut">
               <a:rPr lang="en-US" smtClean="0"/>
-              <a:t>6/24/2019</a:t>
+              <a:t>7/8/2019</a:t>
             </a:fld>
             <a:endParaRPr lang="en-US"/>
           </a:p>
@@ -1040,7 +1133,7 @@
           <a:p>
             <a:fld id="{232015E6-04D3-AA46-8EB6-5FC99D770932}" type="datetimeFigureOut">
               <a:rPr lang="en-US" smtClean="0"/>
-              <a:t>6/24/2019</a:t>
+              <a:t>7/8/2019</a:t>
             </a:fld>
             <a:endParaRPr lang="en-US"/>
           </a:p>
@@ -1218,7 +1311,7 @@
           <a:p>
             <a:fld id="{232015E6-04D3-AA46-8EB6-5FC99D770932}" type="datetimeFigureOut">
               <a:rPr lang="en-US" smtClean="0"/>
-              <a:t>6/24/2019</a:t>
+              <a:t>7/8/2019</a:t>
             </a:fld>
             <a:endParaRPr lang="en-US"/>
           </a:p>
@@ -1386,7 +1479,7 @@
           <a:p>
             <a:fld id="{232015E6-04D3-AA46-8EB6-5FC99D770932}" type="datetimeFigureOut">
               <a:rPr lang="en-US" smtClean="0"/>
-              <a:t>6/24/2019</a:t>
+              <a:t>7/8/2019</a:t>
             </a:fld>
             <a:endParaRPr lang="en-US"/>
           </a:p>
@@ -1631,7 +1724,7 @@
           <a:p>
             <a:fld id="{232015E6-04D3-AA46-8EB6-5FC99D770932}" type="datetimeFigureOut">
               <a:rPr lang="en-US" smtClean="0"/>
-              <a:t>6/24/2019</a:t>
+              <a:t>7/8/2019</a:t>
             </a:fld>
             <a:endParaRPr lang="en-US"/>
           </a:p>
@@ -1860,7 +1953,7 @@
           <a:p>
             <a:fld id="{232015E6-04D3-AA46-8EB6-5FC99D770932}" type="datetimeFigureOut">
               <a:rPr lang="en-US" smtClean="0"/>
-              <a:t>6/24/2019</a:t>
+              <a:t>7/8/2019</a:t>
             </a:fld>
             <a:endParaRPr lang="en-US"/>
           </a:p>
@@ -2224,7 +2317,7 @@
           <a:p>
             <a:fld id="{232015E6-04D3-AA46-8EB6-5FC99D770932}" type="datetimeFigureOut">
               <a:rPr lang="en-US" smtClean="0"/>
-              <a:t>6/24/2019</a:t>
+              <a:t>7/8/2019</a:t>
             </a:fld>
             <a:endParaRPr lang="en-US"/>
           </a:p>
@@ -2341,7 +2434,7 @@
           <a:p>
             <a:fld id="{232015E6-04D3-AA46-8EB6-5FC99D770932}" type="datetimeFigureOut">
               <a:rPr lang="en-US" smtClean="0"/>
-              <a:t>6/24/2019</a:t>
+              <a:t>7/8/2019</a:t>
             </a:fld>
             <a:endParaRPr lang="en-US"/>
           </a:p>
@@ -2436,7 +2529,7 @@
           <a:p>
             <a:fld id="{232015E6-04D3-AA46-8EB6-5FC99D770932}" type="datetimeFigureOut">
               <a:rPr lang="en-US" smtClean="0"/>
-              <a:t>6/24/2019</a:t>
+              <a:t>7/8/2019</a:t>
             </a:fld>
             <a:endParaRPr lang="en-US"/>
           </a:p>
@@ -2711,7 +2804,7 @@
           <a:p>
             <a:fld id="{232015E6-04D3-AA46-8EB6-5FC99D770932}" type="datetimeFigureOut">
               <a:rPr lang="en-US" smtClean="0"/>
-              <a:t>6/24/2019</a:t>
+              <a:t>7/8/2019</a:t>
             </a:fld>
             <a:endParaRPr lang="en-US"/>
           </a:p>
@@ -2963,7 +3056,7 @@
           <a:p>
             <a:fld id="{232015E6-04D3-AA46-8EB6-5FC99D770932}" type="datetimeFigureOut">
               <a:rPr lang="en-US" smtClean="0"/>
-              <a:t>6/24/2019</a:t>
+              <a:t>7/8/2019</a:t>
             </a:fld>
             <a:endParaRPr lang="en-US"/>
           </a:p>
@@ -3174,7 +3267,7 @@
           <a:p>
             <a:fld id="{232015E6-04D3-AA46-8EB6-5FC99D770932}" type="datetimeFigureOut">
               <a:rPr lang="en-US" smtClean="0"/>
-              <a:t>6/24/2019</a:t>
+              <a:t>7/8/2019</a:t>
             </a:fld>
             <a:endParaRPr lang="en-US"/>
           </a:p>
@@ -12740,6 +12833,1517 @@
 </p:sld>
 </file>
 
+<file path=ppt/slides/slide5.xml><?xml version="1.0" encoding="utf-8"?>
+<p:sld xmlns:a="http://schemas.openxmlformats.org/drawingml/2006/main" xmlns:r="http://schemas.openxmlformats.org/officeDocument/2006/relationships" xmlns:p="http://schemas.openxmlformats.org/presentationml/2006/main">
+  <p:cSld>
+    <p:spTree>
+      <p:nvGrpSpPr>
+        <p:cNvPr id="1" name=""/>
+        <p:cNvGrpSpPr/>
+        <p:nvPr/>
+      </p:nvGrpSpPr>
+      <p:grpSpPr>
+        <a:xfrm>
+          <a:off x="0" y="0"/>
+          <a:ext cx="0" cy="0"/>
+          <a:chOff x="0" y="0"/>
+          <a:chExt cx="0" cy="0"/>
+        </a:xfrm>
+      </p:grpSpPr>
+      <p:sp>
+        <p:nvSpPr>
+          <p:cNvPr id="5" name="Rectangle 4"/>
+          <p:cNvSpPr/>
+          <p:nvPr/>
+        </p:nvSpPr>
+        <p:spPr>
+          <a:xfrm>
+            <a:off x="2623169" y="1948131"/>
+            <a:ext cx="1620456" cy="4016415"/>
+          </a:xfrm>
+          <a:prstGeom prst="rect">
+            <a:avLst/>
+          </a:prstGeom>
+          <a:solidFill>
+            <a:schemeClr val="bg2"/>
+          </a:solidFill>
+          <a:ln w="38100">
+            <a:solidFill>
+              <a:schemeClr val="tx1"/>
+            </a:solidFill>
+          </a:ln>
+        </p:spPr>
+        <p:style>
+          <a:lnRef idx="2">
+            <a:schemeClr val="accent1">
+              <a:shade val="50000"/>
+            </a:schemeClr>
+          </a:lnRef>
+          <a:fillRef idx="1">
+            <a:schemeClr val="accent1"/>
+          </a:fillRef>
+          <a:effectRef idx="0">
+            <a:schemeClr val="accent1"/>
+          </a:effectRef>
+          <a:fontRef idx="minor">
+            <a:schemeClr val="lt1"/>
+          </a:fontRef>
+        </p:style>
+        <p:txBody>
+          <a:bodyPr rtlCol="0" anchor="ctr"/>
+          <a:lstStyle/>
+          <a:p>
+            <a:pPr algn="ctr"/>
+            <a:endParaRPr lang="en-US"/>
+          </a:p>
+        </p:txBody>
+      </p:sp>
+      <p:sp>
+        <p:nvSpPr>
+          <p:cNvPr id="6" name="Rectangle 5"/>
+          <p:cNvSpPr/>
+          <p:nvPr/>
+        </p:nvSpPr>
+        <p:spPr>
+          <a:xfrm>
+            <a:off x="4696967" y="1948130"/>
+            <a:ext cx="1620456" cy="4016415"/>
+          </a:xfrm>
+          <a:prstGeom prst="rect">
+            <a:avLst/>
+          </a:prstGeom>
+          <a:solidFill>
+            <a:schemeClr val="bg2"/>
+          </a:solidFill>
+          <a:ln w="38100">
+            <a:solidFill>
+              <a:schemeClr val="tx1"/>
+            </a:solidFill>
+          </a:ln>
+        </p:spPr>
+        <p:style>
+          <a:lnRef idx="2">
+            <a:schemeClr val="accent1">
+              <a:shade val="50000"/>
+            </a:schemeClr>
+          </a:lnRef>
+          <a:fillRef idx="1">
+            <a:schemeClr val="accent1"/>
+          </a:fillRef>
+          <a:effectRef idx="0">
+            <a:schemeClr val="accent1"/>
+          </a:effectRef>
+          <a:fontRef idx="minor">
+            <a:schemeClr val="lt1"/>
+          </a:fontRef>
+        </p:style>
+        <p:txBody>
+          <a:bodyPr rtlCol="0" anchor="ctr"/>
+          <a:lstStyle/>
+          <a:p>
+            <a:pPr algn="ctr"/>
+            <a:endParaRPr lang="en-US"/>
+          </a:p>
+        </p:txBody>
+      </p:sp>
+      <p:sp>
+        <p:nvSpPr>
+          <p:cNvPr id="7" name="Rectangle 6"/>
+          <p:cNvSpPr/>
+          <p:nvPr/>
+        </p:nvSpPr>
+        <p:spPr>
+          <a:xfrm>
+            <a:off x="6770765" y="1948131"/>
+            <a:ext cx="1620456" cy="4016415"/>
+          </a:xfrm>
+          <a:prstGeom prst="rect">
+            <a:avLst/>
+          </a:prstGeom>
+          <a:solidFill>
+            <a:schemeClr val="bg2"/>
+          </a:solidFill>
+          <a:ln w="38100">
+            <a:solidFill>
+              <a:schemeClr val="tx1"/>
+            </a:solidFill>
+          </a:ln>
+        </p:spPr>
+        <p:style>
+          <a:lnRef idx="2">
+            <a:schemeClr val="accent1">
+              <a:shade val="50000"/>
+            </a:schemeClr>
+          </a:lnRef>
+          <a:fillRef idx="1">
+            <a:schemeClr val="accent1"/>
+          </a:fillRef>
+          <a:effectRef idx="0">
+            <a:schemeClr val="accent1"/>
+          </a:effectRef>
+          <a:fontRef idx="minor">
+            <a:schemeClr val="lt1"/>
+          </a:fontRef>
+        </p:style>
+        <p:txBody>
+          <a:bodyPr rtlCol="0" anchor="ctr"/>
+          <a:lstStyle/>
+          <a:p>
+            <a:pPr algn="ctr"/>
+            <a:endParaRPr lang="en-US"/>
+          </a:p>
+        </p:txBody>
+      </p:sp>
+      <p:sp>
+        <p:nvSpPr>
+          <p:cNvPr id="8" name="Rectangle 7"/>
+          <p:cNvSpPr/>
+          <p:nvPr/>
+        </p:nvSpPr>
+        <p:spPr>
+          <a:xfrm>
+            <a:off x="8844563" y="1948131"/>
+            <a:ext cx="1620456" cy="4016415"/>
+          </a:xfrm>
+          <a:prstGeom prst="rect">
+            <a:avLst/>
+          </a:prstGeom>
+          <a:solidFill>
+            <a:schemeClr val="bg2"/>
+          </a:solidFill>
+          <a:ln w="38100">
+            <a:solidFill>
+              <a:schemeClr val="tx1"/>
+            </a:solidFill>
+          </a:ln>
+        </p:spPr>
+        <p:style>
+          <a:lnRef idx="2">
+            <a:schemeClr val="accent1">
+              <a:shade val="50000"/>
+            </a:schemeClr>
+          </a:lnRef>
+          <a:fillRef idx="1">
+            <a:schemeClr val="accent1"/>
+          </a:fillRef>
+          <a:effectRef idx="0">
+            <a:schemeClr val="accent1"/>
+          </a:effectRef>
+          <a:fontRef idx="minor">
+            <a:schemeClr val="lt1"/>
+          </a:fontRef>
+        </p:style>
+        <p:txBody>
+          <a:bodyPr rtlCol="0" anchor="ctr"/>
+          <a:lstStyle/>
+          <a:p>
+            <a:pPr algn="ctr"/>
+            <a:endParaRPr lang="en-US"/>
+          </a:p>
+        </p:txBody>
+      </p:sp>
+      <p:sp>
+        <p:nvSpPr>
+          <p:cNvPr id="10" name="TextBox 9"/>
+          <p:cNvSpPr txBox="1"/>
+          <p:nvPr/>
+        </p:nvSpPr>
+        <p:spPr>
+          <a:xfrm>
+            <a:off x="2967667" y="2094128"/>
+            <a:ext cx="949124" cy="461665"/>
+          </a:xfrm>
+          <a:prstGeom prst="rect">
+            <a:avLst/>
+          </a:prstGeom>
+          <a:noFill/>
+        </p:spPr>
+        <p:txBody>
+          <a:bodyPr wrap="square" rtlCol="0">
+            <a:spAutoFit/>
+          </a:bodyPr>
+          <a:lstStyle/>
+          <a:p>
+            <a:pPr algn="ctr"/>
+            <a:r>
+              <a:rPr lang="en-US" sz="2400" dirty="0"/>
+              <a:t>Ingest</a:t>
+            </a:r>
+          </a:p>
+        </p:txBody>
+      </p:sp>
+      <p:sp>
+        <p:nvSpPr>
+          <p:cNvPr id="11" name="TextBox 10"/>
+          <p:cNvSpPr txBox="1"/>
+          <p:nvPr/>
+        </p:nvSpPr>
+        <p:spPr>
+          <a:xfrm>
+            <a:off x="5041465" y="2094128"/>
+            <a:ext cx="949124" cy="461665"/>
+          </a:xfrm>
+          <a:prstGeom prst="rect">
+            <a:avLst/>
+          </a:prstGeom>
+          <a:noFill/>
+        </p:spPr>
+        <p:txBody>
+          <a:bodyPr wrap="square" rtlCol="0">
+            <a:spAutoFit/>
+          </a:bodyPr>
+          <a:lstStyle/>
+          <a:p>
+            <a:pPr algn="ctr"/>
+            <a:r>
+              <a:rPr lang="en-US" sz="2400" dirty="0"/>
+              <a:t>Store</a:t>
+            </a:r>
+          </a:p>
+        </p:txBody>
+      </p:sp>
+      <p:sp>
+        <p:nvSpPr>
+          <p:cNvPr id="12" name="TextBox 11"/>
+          <p:cNvSpPr txBox="1"/>
+          <p:nvPr/>
+        </p:nvSpPr>
+        <p:spPr>
+          <a:xfrm>
+            <a:off x="6736708" y="2087031"/>
+            <a:ext cx="1812400" cy="461665"/>
+          </a:xfrm>
+          <a:prstGeom prst="rect">
+            <a:avLst/>
+          </a:prstGeom>
+          <a:noFill/>
+        </p:spPr>
+        <p:txBody>
+          <a:bodyPr wrap="square" rtlCol="0">
+            <a:spAutoFit/>
+          </a:bodyPr>
+          <a:lstStyle/>
+          <a:p>
+            <a:r>
+              <a:rPr lang="en-US" sz="2400" dirty="0"/>
+              <a:t>Prep &amp; train</a:t>
+            </a:r>
+          </a:p>
+        </p:txBody>
+      </p:sp>
+      <p:sp>
+        <p:nvSpPr>
+          <p:cNvPr id="13" name="TextBox 12"/>
+          <p:cNvSpPr txBox="1"/>
+          <p:nvPr/>
+        </p:nvSpPr>
+        <p:spPr>
+          <a:xfrm>
+            <a:off x="8830726" y="2087031"/>
+            <a:ext cx="1620456" cy="830997"/>
+          </a:xfrm>
+          <a:prstGeom prst="rect">
+            <a:avLst/>
+          </a:prstGeom>
+          <a:noFill/>
+        </p:spPr>
+        <p:txBody>
+          <a:bodyPr wrap="square" rtlCol="0">
+            <a:spAutoFit/>
+          </a:bodyPr>
+          <a:lstStyle/>
+          <a:p>
+            <a:pPr algn="ctr"/>
+            <a:r>
+              <a:rPr lang="en-US" sz="2400" dirty="0"/>
+              <a:t>Model &amp;</a:t>
+            </a:r>
+          </a:p>
+          <a:p>
+            <a:pPr algn="ctr"/>
+            <a:r>
+              <a:rPr lang="en-US" sz="2400" dirty="0"/>
+              <a:t>serve</a:t>
+            </a:r>
+          </a:p>
+        </p:txBody>
+      </p:sp>
+      <p:pic>
+        <p:nvPicPr>
+          <p:cNvPr id="14" name="Picture 13"/>
+          <p:cNvPicPr>
+            <a:picLocks noChangeAspect="1"/>
+          </p:cNvPicPr>
+          <p:nvPr/>
+        </p:nvPicPr>
+        <p:blipFill>
+          <a:blip r:embed="rId3">
+            <a:extLst>
+              <a:ext uri="{28A0092B-C50C-407E-A947-70E740481C1C}">
+                <a14:useLocalDpi xmlns:a14="http://schemas.microsoft.com/office/drawing/2010/main" val="0"/>
+              </a:ext>
+            </a:extLst>
+          </a:blip>
+          <a:stretch>
+            <a:fillRect/>
+          </a:stretch>
+        </p:blipFill>
+        <p:spPr>
+          <a:xfrm>
+            <a:off x="4873430" y="2687596"/>
+            <a:ext cx="418006" cy="418006"/>
+          </a:xfrm>
+          <a:prstGeom prst="rect">
+            <a:avLst/>
+          </a:prstGeom>
+        </p:spPr>
+      </p:pic>
+      <p:pic>
+        <p:nvPicPr>
+          <p:cNvPr id="15" name="Picture 14"/>
+          <p:cNvPicPr>
+            <a:picLocks noChangeAspect="1"/>
+          </p:cNvPicPr>
+          <p:nvPr/>
+        </p:nvPicPr>
+        <p:blipFill>
+          <a:blip r:embed="rId3">
+            <a:extLst>
+              <a:ext uri="{28A0092B-C50C-407E-A947-70E740481C1C}">
+                <a14:useLocalDpi xmlns:a14="http://schemas.microsoft.com/office/drawing/2010/main" val="0"/>
+              </a:ext>
+            </a:extLst>
+          </a:blip>
+          <a:stretch>
+            <a:fillRect/>
+          </a:stretch>
+        </p:blipFill>
+        <p:spPr>
+          <a:xfrm>
+            <a:off x="5288366" y="2687596"/>
+            <a:ext cx="418006" cy="418006"/>
+          </a:xfrm>
+          <a:prstGeom prst="rect">
+            <a:avLst/>
+          </a:prstGeom>
+        </p:spPr>
+      </p:pic>
+      <p:pic>
+        <p:nvPicPr>
+          <p:cNvPr id="16" name="Picture 15"/>
+          <p:cNvPicPr>
+            <a:picLocks noChangeAspect="1"/>
+          </p:cNvPicPr>
+          <p:nvPr/>
+        </p:nvPicPr>
+        <p:blipFill>
+          <a:blip r:embed="rId3">
+            <a:extLst>
+              <a:ext uri="{28A0092B-C50C-407E-A947-70E740481C1C}">
+                <a14:useLocalDpi xmlns:a14="http://schemas.microsoft.com/office/drawing/2010/main" val="0"/>
+              </a:ext>
+            </a:extLst>
+          </a:blip>
+          <a:stretch>
+            <a:fillRect/>
+          </a:stretch>
+        </p:blipFill>
+        <p:spPr>
+          <a:xfrm>
+            <a:off x="5706372" y="2687596"/>
+            <a:ext cx="418006" cy="418006"/>
+          </a:xfrm>
+          <a:prstGeom prst="rect">
+            <a:avLst/>
+          </a:prstGeom>
+        </p:spPr>
+      </p:pic>
+      <p:sp>
+        <p:nvSpPr>
+          <p:cNvPr id="24" name="TextBox 23"/>
+          <p:cNvSpPr txBox="1"/>
+          <p:nvPr/>
+        </p:nvSpPr>
+        <p:spPr>
+          <a:xfrm>
+            <a:off x="4689275" y="3137219"/>
+            <a:ext cx="1628148" cy="1015663"/>
+          </a:xfrm>
+          <a:prstGeom prst="rect">
+            <a:avLst/>
+          </a:prstGeom>
+          <a:noFill/>
+        </p:spPr>
+        <p:txBody>
+          <a:bodyPr wrap="square" rtlCol="0">
+            <a:spAutoFit/>
+          </a:bodyPr>
+          <a:lstStyle/>
+          <a:p>
+            <a:pPr algn="ctr"/>
+            <a:r>
+              <a:rPr lang="en-US" sz="2000" dirty="0"/>
+              <a:t>Database</a:t>
+            </a:r>
+          </a:p>
+          <a:p>
+            <a:pPr algn="ctr"/>
+            <a:r>
+              <a:rPr lang="en-US" sz="2000" dirty="0"/>
+              <a:t>cluster or pool</a:t>
+            </a:r>
+          </a:p>
+        </p:txBody>
+      </p:sp>
+      <p:sp>
+        <p:nvSpPr>
+          <p:cNvPr id="25" name="TextBox 24"/>
+          <p:cNvSpPr txBox="1"/>
+          <p:nvPr/>
+        </p:nvSpPr>
+        <p:spPr>
+          <a:xfrm>
+            <a:off x="5150957" y="5116114"/>
+            <a:ext cx="949124" cy="400110"/>
+          </a:xfrm>
+          <a:prstGeom prst="rect">
+            <a:avLst/>
+          </a:prstGeom>
+          <a:noFill/>
+        </p:spPr>
+        <p:txBody>
+          <a:bodyPr wrap="square" rtlCol="0">
+            <a:spAutoFit/>
+          </a:bodyPr>
+          <a:lstStyle/>
+          <a:p>
+            <a:r>
+              <a:rPr lang="en-US" sz="2000" dirty="0"/>
+              <a:t>HDFS</a:t>
+            </a:r>
+          </a:p>
+        </p:txBody>
+      </p:sp>
+      <p:pic>
+        <p:nvPicPr>
+          <p:cNvPr id="29" name="Picture 28"/>
+          <p:cNvPicPr>
+            <a:picLocks noChangeAspect="1"/>
+          </p:cNvPicPr>
+          <p:nvPr/>
+        </p:nvPicPr>
+        <p:blipFill>
+          <a:blip r:embed="rId4">
+            <a:clrChange>
+              <a:clrFrom>
+                <a:srgbClr val="F8F8F8"/>
+              </a:clrFrom>
+              <a:clrTo>
+                <a:srgbClr val="F8F8F8">
+                  <a:alpha val="0"/>
+                </a:srgbClr>
+              </a:clrTo>
+            </a:clrChange>
+          </a:blip>
+          <a:stretch>
+            <a:fillRect/>
+          </a:stretch>
+        </p:blipFill>
+        <p:spPr>
+          <a:xfrm>
+            <a:off x="2710669" y="2597750"/>
+            <a:ext cx="1469002" cy="1343981"/>
+          </a:xfrm>
+          <a:prstGeom prst="rect">
+            <a:avLst/>
+          </a:prstGeom>
+        </p:spPr>
+      </p:pic>
+      <p:sp>
+        <p:nvSpPr>
+          <p:cNvPr id="30" name="TextBox 29"/>
+          <p:cNvSpPr txBox="1"/>
+          <p:nvPr/>
+        </p:nvSpPr>
+        <p:spPr>
+          <a:xfrm>
+            <a:off x="2970608" y="3922049"/>
+            <a:ext cx="949124" cy="461665"/>
+          </a:xfrm>
+          <a:prstGeom prst="rect">
+            <a:avLst/>
+          </a:prstGeom>
+          <a:noFill/>
+        </p:spPr>
+        <p:txBody>
+          <a:bodyPr wrap="square" rtlCol="0">
+            <a:spAutoFit/>
+          </a:bodyPr>
+          <a:lstStyle/>
+          <a:p>
+            <a:r>
+              <a:rPr lang="en-US" sz="2400" dirty="0"/>
+              <a:t>Kafka</a:t>
+            </a:r>
+          </a:p>
+        </p:txBody>
+      </p:sp>
+      <p:pic>
+        <p:nvPicPr>
+          <p:cNvPr id="31" name="Picture 30"/>
+          <p:cNvPicPr>
+            <a:picLocks noChangeAspect="1"/>
+          </p:cNvPicPr>
+          <p:nvPr/>
+        </p:nvPicPr>
+        <p:blipFill>
+          <a:blip r:embed="rId5">
+            <a:biLevel thresh="75000"/>
+            <a:extLst>
+              <a:ext uri="{28A0092B-C50C-407E-A947-70E740481C1C}">
+                <a14:useLocalDpi xmlns:a14="http://schemas.microsoft.com/office/drawing/2010/main" val="0"/>
+              </a:ext>
+            </a:extLst>
+          </a:blip>
+          <a:stretch>
+            <a:fillRect/>
+          </a:stretch>
+        </p:blipFill>
+        <p:spPr>
+          <a:xfrm>
+            <a:off x="681214" y="1221775"/>
+            <a:ext cx="577862" cy="577862"/>
+          </a:xfrm>
+          <a:prstGeom prst="rect">
+            <a:avLst/>
+          </a:prstGeom>
+        </p:spPr>
+      </p:pic>
+      <p:pic>
+        <p:nvPicPr>
+          <p:cNvPr id="32" name="Picture 31"/>
+          <p:cNvPicPr>
+            <a:picLocks noChangeAspect="1"/>
+          </p:cNvPicPr>
+          <p:nvPr/>
+        </p:nvPicPr>
+        <p:blipFill>
+          <a:blip r:embed="rId6">
+            <a:biLevel thresh="75000"/>
+            <a:extLst>
+              <a:ext uri="{28A0092B-C50C-407E-A947-70E740481C1C}">
+                <a14:useLocalDpi xmlns:a14="http://schemas.microsoft.com/office/drawing/2010/main" val="0"/>
+              </a:ext>
+            </a:extLst>
+          </a:blip>
+          <a:stretch>
+            <a:fillRect/>
+          </a:stretch>
+        </p:blipFill>
+        <p:spPr>
+          <a:xfrm>
+            <a:off x="5120408" y="4406996"/>
+            <a:ext cx="780288" cy="780288"/>
+          </a:xfrm>
+          <a:prstGeom prst="rect">
+            <a:avLst/>
+          </a:prstGeom>
+        </p:spPr>
+      </p:pic>
+      <p:pic>
+        <p:nvPicPr>
+          <p:cNvPr id="33" name="Picture 32"/>
+          <p:cNvPicPr>
+            <a:picLocks noChangeAspect="1"/>
+          </p:cNvPicPr>
+          <p:nvPr/>
+        </p:nvPicPr>
+        <p:blipFill>
+          <a:blip r:embed="rId7">
+            <a:biLevel thresh="75000"/>
+            <a:extLst>
+              <a:ext uri="{28A0092B-C50C-407E-A947-70E740481C1C}">
+                <a14:useLocalDpi xmlns:a14="http://schemas.microsoft.com/office/drawing/2010/main" val="0"/>
+              </a:ext>
+            </a:extLst>
+          </a:blip>
+          <a:stretch>
+            <a:fillRect/>
+          </a:stretch>
+        </p:blipFill>
+        <p:spPr>
+          <a:xfrm>
+            <a:off x="698587" y="5014448"/>
+            <a:ext cx="543113" cy="543113"/>
+          </a:xfrm>
+          <a:prstGeom prst="rect">
+            <a:avLst/>
+          </a:prstGeom>
+        </p:spPr>
+      </p:pic>
+      <p:grpSp>
+        <p:nvGrpSpPr>
+          <p:cNvPr id="37" name="Group 36"/>
+          <p:cNvGrpSpPr/>
+          <p:nvPr/>
+        </p:nvGrpSpPr>
+        <p:grpSpPr>
+          <a:xfrm>
+            <a:off x="795836" y="2992506"/>
+            <a:ext cx="348618" cy="822294"/>
+            <a:chOff x="732847" y="2372810"/>
+            <a:chExt cx="488701" cy="1152711"/>
+          </a:xfrm>
+        </p:grpSpPr>
+        <p:pic>
+          <p:nvPicPr>
+            <p:cNvPr id="34" name="Picture 33"/>
+            <p:cNvPicPr>
+              <a:picLocks noChangeAspect="1"/>
+            </p:cNvPicPr>
+            <p:nvPr/>
+          </p:nvPicPr>
+          <p:blipFill>
+            <a:blip r:embed="rId8">
+              <a:biLevel thresh="75000"/>
+              <a:extLst>
+                <a:ext uri="{28A0092B-C50C-407E-A947-70E740481C1C}">
+                  <a14:useLocalDpi xmlns:a14="http://schemas.microsoft.com/office/drawing/2010/main" val="0"/>
+                </a:ext>
+              </a:extLst>
+            </a:blip>
+            <a:stretch>
+              <a:fillRect/>
+            </a:stretch>
+          </p:blipFill>
+          <p:spPr>
+            <a:xfrm>
+              <a:off x="732847" y="2372810"/>
+              <a:ext cx="488701" cy="1152711"/>
+            </a:xfrm>
+            <a:prstGeom prst="rect">
+              <a:avLst/>
+            </a:prstGeom>
+          </p:spPr>
+        </p:pic>
+        <p:pic>
+          <p:nvPicPr>
+            <p:cNvPr id="36" name="Picture 35"/>
+            <p:cNvPicPr>
+              <a:picLocks noChangeAspect="1"/>
+            </p:cNvPicPr>
+            <p:nvPr/>
+          </p:nvPicPr>
+          <p:blipFill>
+            <a:blip r:embed="rId9">
+              <a:biLevel thresh="75000"/>
+              <a:extLst>
+                <a:ext uri="{28A0092B-C50C-407E-A947-70E740481C1C}">
+                  <a14:useLocalDpi xmlns:a14="http://schemas.microsoft.com/office/drawing/2010/main" val="0"/>
+                </a:ext>
+              </a:extLst>
+            </a:blip>
+            <a:stretch>
+              <a:fillRect/>
+            </a:stretch>
+          </p:blipFill>
+          <p:spPr>
+            <a:xfrm>
+              <a:off x="789477" y="2761445"/>
+              <a:ext cx="375439" cy="375439"/>
+            </a:xfrm>
+            <a:prstGeom prst="rect">
+              <a:avLst/>
+            </a:prstGeom>
+          </p:spPr>
+        </p:pic>
+      </p:grpSp>
+      <p:sp>
+        <p:nvSpPr>
+          <p:cNvPr id="38" name="TextBox 37"/>
+          <p:cNvSpPr txBox="1"/>
+          <p:nvPr/>
+        </p:nvSpPr>
+        <p:spPr>
+          <a:xfrm>
+            <a:off x="92078" y="1796043"/>
+            <a:ext cx="1736290" cy="1015663"/>
+          </a:xfrm>
+          <a:prstGeom prst="rect">
+            <a:avLst/>
+          </a:prstGeom>
+          <a:noFill/>
+        </p:spPr>
+        <p:txBody>
+          <a:bodyPr wrap="square" rtlCol="0">
+            <a:spAutoFit/>
+          </a:bodyPr>
+          <a:lstStyle/>
+          <a:p>
+            <a:pPr algn="ctr"/>
+            <a:r>
+              <a:rPr lang="en-US" sz="2000" dirty="0"/>
+              <a:t>Logs, files</a:t>
+            </a:r>
+          </a:p>
+          <a:p>
+            <a:pPr algn="ctr"/>
+            <a:r>
+              <a:rPr lang="en-US" sz="2000" dirty="0"/>
+              <a:t>and media</a:t>
+            </a:r>
+          </a:p>
+          <a:p>
+            <a:pPr algn="ctr"/>
+            <a:r>
+              <a:rPr lang="en-US" sz="2000" dirty="0"/>
+              <a:t>(unstructured)</a:t>
+            </a:r>
+          </a:p>
+        </p:txBody>
+      </p:sp>
+      <p:sp>
+        <p:nvSpPr>
+          <p:cNvPr id="39" name="TextBox 38"/>
+          <p:cNvSpPr txBox="1"/>
+          <p:nvPr/>
+        </p:nvSpPr>
+        <p:spPr>
+          <a:xfrm>
+            <a:off x="92078" y="3701351"/>
+            <a:ext cx="1817065" cy="707886"/>
+          </a:xfrm>
+          <a:prstGeom prst="rect">
+            <a:avLst/>
+          </a:prstGeom>
+          <a:noFill/>
+        </p:spPr>
+        <p:txBody>
+          <a:bodyPr wrap="square" rtlCol="0">
+            <a:spAutoFit/>
+          </a:bodyPr>
+          <a:lstStyle/>
+          <a:p>
+            <a:pPr algn="ctr"/>
+            <a:r>
+              <a:rPr lang="en-US" sz="2000" dirty="0"/>
+              <a:t>Sensors and IoT</a:t>
+            </a:r>
+          </a:p>
+          <a:p>
+            <a:pPr algn="ctr"/>
+            <a:r>
+              <a:rPr lang="en-US" sz="2000" dirty="0"/>
+              <a:t>(unstructured)</a:t>
+            </a:r>
+          </a:p>
+        </p:txBody>
+      </p:sp>
+      <p:sp>
+        <p:nvSpPr>
+          <p:cNvPr id="40" name="TextBox 39"/>
+          <p:cNvSpPr txBox="1"/>
+          <p:nvPr/>
+        </p:nvSpPr>
+        <p:spPr>
+          <a:xfrm>
+            <a:off x="92078" y="5476113"/>
+            <a:ext cx="1721886" cy="1015663"/>
+          </a:xfrm>
+          <a:prstGeom prst="rect">
+            <a:avLst/>
+          </a:prstGeom>
+          <a:noFill/>
+        </p:spPr>
+        <p:txBody>
+          <a:bodyPr wrap="square" rtlCol="0">
+            <a:spAutoFit/>
+          </a:bodyPr>
+          <a:lstStyle/>
+          <a:p>
+            <a:pPr algn="ctr"/>
+            <a:r>
+              <a:rPr lang="en-US" sz="2000" dirty="0"/>
+              <a:t>Business /</a:t>
+            </a:r>
+            <a:br>
+              <a:rPr lang="en-US" sz="2000" dirty="0"/>
+            </a:br>
+            <a:r>
+              <a:rPr lang="en-US" sz="2000" dirty="0"/>
+              <a:t>custom apps</a:t>
+            </a:r>
+          </a:p>
+          <a:p>
+            <a:pPr algn="ctr"/>
+            <a:r>
+              <a:rPr lang="en-US" sz="2000" dirty="0"/>
+              <a:t>(structured)</a:t>
+            </a:r>
+          </a:p>
+        </p:txBody>
+      </p:sp>
+      <p:cxnSp>
+        <p:nvCxnSpPr>
+          <p:cNvPr id="41" name="Straight Arrow Connector 40"/>
+          <p:cNvCxnSpPr>
+            <a:cxnSpLocks/>
+          </p:cNvCxnSpPr>
+          <p:nvPr/>
+        </p:nvCxnSpPr>
+        <p:spPr>
+          <a:xfrm>
+            <a:off x="2207802" y="2548696"/>
+            <a:ext cx="523687" cy="0"/>
+          </a:xfrm>
+          <a:prstGeom prst="straightConnector1">
+            <a:avLst/>
+          </a:prstGeom>
+          <a:ln w="101600">
+            <a:solidFill>
+              <a:srgbClr val="0070C0"/>
+            </a:solidFill>
+            <a:tailEnd type="triangle"/>
+          </a:ln>
+        </p:spPr>
+        <p:style>
+          <a:lnRef idx="1">
+            <a:schemeClr val="accent1"/>
+          </a:lnRef>
+          <a:fillRef idx="0">
+            <a:schemeClr val="accent1"/>
+          </a:fillRef>
+          <a:effectRef idx="0">
+            <a:schemeClr val="accent1"/>
+          </a:effectRef>
+          <a:fontRef idx="minor">
+            <a:schemeClr val="tx1"/>
+          </a:fontRef>
+        </p:style>
+      </p:cxnSp>
+      <p:cxnSp>
+        <p:nvCxnSpPr>
+          <p:cNvPr id="43" name="Straight Connector 42"/>
+          <p:cNvCxnSpPr/>
+          <p:nvPr/>
+        </p:nvCxnSpPr>
+        <p:spPr>
+          <a:xfrm flipH="1" flipV="1">
+            <a:off x="2197127" y="1081077"/>
+            <a:ext cx="6757" cy="3519161"/>
+          </a:xfrm>
+          <a:prstGeom prst="line">
+            <a:avLst/>
+          </a:prstGeom>
+          <a:ln w="101600">
+            <a:solidFill>
+              <a:srgbClr val="0070C0"/>
+            </a:solidFill>
+          </a:ln>
+        </p:spPr>
+        <p:style>
+          <a:lnRef idx="1">
+            <a:schemeClr val="accent1"/>
+          </a:lnRef>
+          <a:fillRef idx="0">
+            <a:schemeClr val="accent1"/>
+          </a:fillRef>
+          <a:effectRef idx="0">
+            <a:schemeClr val="accent1"/>
+          </a:effectRef>
+          <a:fontRef idx="minor">
+            <a:schemeClr val="tx1"/>
+          </a:fontRef>
+        </p:style>
+      </p:cxnSp>
+      <p:cxnSp>
+        <p:nvCxnSpPr>
+          <p:cNvPr id="44" name="Straight Connector 43"/>
+          <p:cNvCxnSpPr/>
+          <p:nvPr/>
+        </p:nvCxnSpPr>
+        <p:spPr>
+          <a:xfrm flipH="1" flipV="1">
+            <a:off x="1813963" y="1081077"/>
+            <a:ext cx="433563" cy="10092"/>
+          </a:xfrm>
+          <a:prstGeom prst="line">
+            <a:avLst/>
+          </a:prstGeom>
+          <a:ln w="101600">
+            <a:solidFill>
+              <a:srgbClr val="0070C0"/>
+            </a:solidFill>
+          </a:ln>
+        </p:spPr>
+        <p:style>
+          <a:lnRef idx="1">
+            <a:schemeClr val="accent1"/>
+          </a:lnRef>
+          <a:fillRef idx="0">
+            <a:schemeClr val="accent1"/>
+          </a:fillRef>
+          <a:effectRef idx="0">
+            <a:schemeClr val="accent1"/>
+          </a:effectRef>
+          <a:fontRef idx="minor">
+            <a:schemeClr val="tx1"/>
+          </a:fontRef>
+        </p:style>
+      </p:cxnSp>
+      <p:cxnSp>
+        <p:nvCxnSpPr>
+          <p:cNvPr id="49" name="Straight Connector 48"/>
+          <p:cNvCxnSpPr>
+            <a:cxnSpLocks/>
+          </p:cNvCxnSpPr>
+          <p:nvPr/>
+        </p:nvCxnSpPr>
+        <p:spPr>
+          <a:xfrm flipH="1" flipV="1">
+            <a:off x="1828368" y="4566772"/>
+            <a:ext cx="405563" cy="6253"/>
+          </a:xfrm>
+          <a:prstGeom prst="line">
+            <a:avLst/>
+          </a:prstGeom>
+          <a:ln w="101600">
+            <a:solidFill>
+              <a:srgbClr val="0070C0"/>
+            </a:solidFill>
+          </a:ln>
+        </p:spPr>
+        <p:style>
+          <a:lnRef idx="1">
+            <a:schemeClr val="accent1"/>
+          </a:lnRef>
+          <a:fillRef idx="0">
+            <a:schemeClr val="accent1"/>
+          </a:fillRef>
+          <a:effectRef idx="0">
+            <a:schemeClr val="accent1"/>
+          </a:effectRef>
+          <a:fontRef idx="minor">
+            <a:schemeClr val="tx1"/>
+          </a:fontRef>
+        </p:style>
+      </p:cxnSp>
+      <p:cxnSp>
+        <p:nvCxnSpPr>
+          <p:cNvPr id="52" name="Straight Arrow Connector 51"/>
+          <p:cNvCxnSpPr>
+            <a:cxnSpLocks/>
+          </p:cNvCxnSpPr>
+          <p:nvPr/>
+        </p:nvCxnSpPr>
+        <p:spPr>
+          <a:xfrm>
+            <a:off x="2207802" y="5304775"/>
+            <a:ext cx="584760" cy="0"/>
+          </a:xfrm>
+          <a:prstGeom prst="straightConnector1">
+            <a:avLst/>
+          </a:prstGeom>
+          <a:ln w="101600">
+            <a:solidFill>
+              <a:srgbClr val="0070C0"/>
+            </a:solidFill>
+            <a:tailEnd type="triangle"/>
+          </a:ln>
+        </p:spPr>
+        <p:style>
+          <a:lnRef idx="1">
+            <a:schemeClr val="accent1"/>
+          </a:lnRef>
+          <a:fillRef idx="0">
+            <a:schemeClr val="accent1"/>
+          </a:fillRef>
+          <a:effectRef idx="0">
+            <a:schemeClr val="accent1"/>
+          </a:effectRef>
+          <a:fontRef idx="minor">
+            <a:schemeClr val="tx1"/>
+          </a:fontRef>
+        </p:style>
+      </p:cxnSp>
+      <p:cxnSp>
+        <p:nvCxnSpPr>
+          <p:cNvPr id="53" name="Straight Connector 52"/>
+          <p:cNvCxnSpPr>
+            <a:cxnSpLocks/>
+          </p:cNvCxnSpPr>
+          <p:nvPr/>
+        </p:nvCxnSpPr>
+        <p:spPr>
+          <a:xfrm flipV="1">
+            <a:off x="2203884" y="4809928"/>
+            <a:ext cx="3918" cy="1866514"/>
+          </a:xfrm>
+          <a:prstGeom prst="line">
+            <a:avLst/>
+          </a:prstGeom>
+          <a:ln w="101600">
+            <a:solidFill>
+              <a:srgbClr val="0070C0"/>
+            </a:solidFill>
+          </a:ln>
+        </p:spPr>
+        <p:style>
+          <a:lnRef idx="1">
+            <a:schemeClr val="accent1"/>
+          </a:lnRef>
+          <a:fillRef idx="0">
+            <a:schemeClr val="accent1"/>
+          </a:fillRef>
+          <a:effectRef idx="0">
+            <a:schemeClr val="accent1"/>
+          </a:effectRef>
+          <a:fontRef idx="minor">
+            <a:schemeClr val="tx1"/>
+          </a:fontRef>
+        </p:style>
+      </p:cxnSp>
+      <p:cxnSp>
+        <p:nvCxnSpPr>
+          <p:cNvPr id="54" name="Straight Connector 53"/>
+          <p:cNvCxnSpPr/>
+          <p:nvPr/>
+        </p:nvCxnSpPr>
+        <p:spPr>
+          <a:xfrm flipH="1" flipV="1">
+            <a:off x="1824637" y="4809927"/>
+            <a:ext cx="433563" cy="10092"/>
+          </a:xfrm>
+          <a:prstGeom prst="line">
+            <a:avLst/>
+          </a:prstGeom>
+          <a:ln w="101600">
+            <a:solidFill>
+              <a:srgbClr val="0070C0"/>
+            </a:solidFill>
+          </a:ln>
+        </p:spPr>
+        <p:style>
+          <a:lnRef idx="1">
+            <a:schemeClr val="accent1"/>
+          </a:lnRef>
+          <a:fillRef idx="0">
+            <a:schemeClr val="accent1"/>
+          </a:fillRef>
+          <a:effectRef idx="0">
+            <a:schemeClr val="accent1"/>
+          </a:effectRef>
+          <a:fontRef idx="minor">
+            <a:schemeClr val="tx1"/>
+          </a:fontRef>
+        </p:style>
+      </p:cxnSp>
+      <p:cxnSp>
+        <p:nvCxnSpPr>
+          <p:cNvPr id="55" name="Straight Connector 54"/>
+          <p:cNvCxnSpPr>
+            <a:cxnSpLocks/>
+          </p:cNvCxnSpPr>
+          <p:nvPr/>
+        </p:nvCxnSpPr>
+        <p:spPr>
+          <a:xfrm flipH="1">
+            <a:off x="1795088" y="6676442"/>
+            <a:ext cx="452438" cy="0"/>
+          </a:xfrm>
+          <a:prstGeom prst="line">
+            <a:avLst/>
+          </a:prstGeom>
+          <a:ln w="101600">
+            <a:solidFill>
+              <a:srgbClr val="0070C0"/>
+            </a:solidFill>
+          </a:ln>
+        </p:spPr>
+        <p:style>
+          <a:lnRef idx="1">
+            <a:schemeClr val="accent1"/>
+          </a:lnRef>
+          <a:fillRef idx="0">
+            <a:schemeClr val="accent1"/>
+          </a:fillRef>
+          <a:effectRef idx="0">
+            <a:schemeClr val="accent1"/>
+          </a:effectRef>
+          <a:fontRef idx="minor">
+            <a:schemeClr val="tx1"/>
+          </a:fontRef>
+        </p:style>
+      </p:cxnSp>
+      <p:sp>
+        <p:nvSpPr>
+          <p:cNvPr id="57" name="TextBox 56"/>
+          <p:cNvSpPr txBox="1"/>
+          <p:nvPr/>
+        </p:nvSpPr>
+        <p:spPr>
+          <a:xfrm>
+            <a:off x="10307310" y="2967881"/>
+            <a:ext cx="2058302" cy="830997"/>
+          </a:xfrm>
+          <a:prstGeom prst="rect">
+            <a:avLst/>
+          </a:prstGeom>
+          <a:noFill/>
+        </p:spPr>
+        <p:txBody>
+          <a:bodyPr wrap="square" rtlCol="0">
+            <a:spAutoFit/>
+          </a:bodyPr>
+          <a:lstStyle/>
+          <a:p>
+            <a:pPr algn="ctr"/>
+            <a:r>
+              <a:rPr lang="en-US" sz="2400" dirty="0"/>
+              <a:t>Predictive</a:t>
+            </a:r>
+          </a:p>
+          <a:p>
+            <a:pPr algn="ctr"/>
+            <a:r>
+              <a:rPr lang="en-US" sz="2400" dirty="0"/>
+              <a:t>apps</a:t>
+            </a:r>
+          </a:p>
+        </p:txBody>
+      </p:sp>
+      <p:sp>
+        <p:nvSpPr>
+          <p:cNvPr id="58" name="TextBox 57"/>
+          <p:cNvSpPr txBox="1"/>
+          <p:nvPr/>
+        </p:nvSpPr>
+        <p:spPr>
+          <a:xfrm>
+            <a:off x="10307310" y="4894895"/>
+            <a:ext cx="2058302" cy="461665"/>
+          </a:xfrm>
+          <a:prstGeom prst="rect">
+            <a:avLst/>
+          </a:prstGeom>
+          <a:noFill/>
+        </p:spPr>
+        <p:txBody>
+          <a:bodyPr wrap="square" rtlCol="0">
+            <a:spAutoFit/>
+          </a:bodyPr>
+          <a:lstStyle/>
+          <a:p>
+            <a:pPr algn="ctr"/>
+            <a:r>
+              <a:rPr lang="en-US" sz="2400" dirty="0"/>
+              <a:t>BI tools</a:t>
+            </a:r>
+          </a:p>
+        </p:txBody>
+      </p:sp>
+      <p:pic>
+        <p:nvPicPr>
+          <p:cNvPr id="59" name="Picture 58"/>
+          <p:cNvPicPr>
+            <a:picLocks noChangeAspect="1"/>
+          </p:cNvPicPr>
+          <p:nvPr/>
+        </p:nvPicPr>
+        <p:blipFill>
+          <a:blip r:embed="rId10">
+            <a:biLevel thresh="75000"/>
+            <a:extLst>
+              <a:ext uri="{28A0092B-C50C-407E-A947-70E740481C1C}">
+                <a14:useLocalDpi xmlns:a14="http://schemas.microsoft.com/office/drawing/2010/main" val="0"/>
+              </a:ext>
+            </a:extLst>
+          </a:blip>
+          <a:stretch>
+            <a:fillRect/>
+          </a:stretch>
+        </p:blipFill>
+        <p:spPr>
+          <a:xfrm>
+            <a:off x="11068835" y="4371299"/>
+            <a:ext cx="535251" cy="535251"/>
+          </a:xfrm>
+          <a:prstGeom prst="rect">
+            <a:avLst/>
+          </a:prstGeom>
+        </p:spPr>
+      </p:pic>
+      <p:pic>
+        <p:nvPicPr>
+          <p:cNvPr id="60" name="Picture 59"/>
+          <p:cNvPicPr>
+            <a:picLocks noChangeAspect="1"/>
+          </p:cNvPicPr>
+          <p:nvPr/>
+        </p:nvPicPr>
+        <p:blipFill>
+          <a:blip r:embed="rId11">
+            <a:biLevel thresh="75000"/>
+            <a:extLst>
+              <a:ext uri="{28A0092B-C50C-407E-A947-70E740481C1C}">
+                <a14:useLocalDpi xmlns:a14="http://schemas.microsoft.com/office/drawing/2010/main" val="0"/>
+              </a:ext>
+            </a:extLst>
+          </a:blip>
+          <a:stretch>
+            <a:fillRect/>
+          </a:stretch>
+        </p:blipFill>
+        <p:spPr>
+          <a:xfrm>
+            <a:off x="11060526" y="2517871"/>
+            <a:ext cx="543560" cy="543560"/>
+          </a:xfrm>
+          <a:prstGeom prst="rect">
+            <a:avLst/>
+          </a:prstGeom>
+        </p:spPr>
+      </p:pic>
+      <p:pic>
+        <p:nvPicPr>
+          <p:cNvPr id="4" name="Graphic 3">
+            <a:extLst>
+              <a:ext uri="{FF2B5EF4-FFF2-40B4-BE49-F238E27FC236}">
+                <a16:creationId xmlns:a16="http://schemas.microsoft.com/office/drawing/2014/main" id="{84668113-1C44-464D-AEAE-4A45B5B0FFE3}"/>
+              </a:ext>
+            </a:extLst>
+          </p:cNvPr>
+          <p:cNvPicPr>
+            <a:picLocks noChangeAspect="1"/>
+          </p:cNvPicPr>
+          <p:nvPr/>
+        </p:nvPicPr>
+        <p:blipFill>
+          <a:blip r:embed="rId12">
+            <a:extLst>
+              <a:ext uri="{96DAC541-7B7A-43D3-8B79-37D633B846F1}">
+                <asvg:svgBlip xmlns:asvg="http://schemas.microsoft.com/office/drawing/2016/SVG/main" r:embed="rId13"/>
+              </a:ext>
+            </a:extLst>
+          </a:blip>
+          <a:stretch>
+            <a:fillRect/>
+          </a:stretch>
+        </p:blipFill>
+        <p:spPr>
+          <a:xfrm>
+            <a:off x="3220045" y="4478460"/>
+            <a:ext cx="476250" cy="476250"/>
+          </a:xfrm>
+          <a:prstGeom prst="rect">
+            <a:avLst/>
+          </a:prstGeom>
+        </p:spPr>
+      </p:pic>
+      <p:sp>
+        <p:nvSpPr>
+          <p:cNvPr id="56" name="TextBox 55">
+            <a:extLst>
+              <a:ext uri="{FF2B5EF4-FFF2-40B4-BE49-F238E27FC236}">
+                <a16:creationId xmlns:a16="http://schemas.microsoft.com/office/drawing/2014/main" id="{BFE16701-7683-4D0F-B56A-CCA242B230CC}"/>
+              </a:ext>
+            </a:extLst>
+          </p:cNvPr>
+          <p:cNvSpPr txBox="1"/>
+          <p:nvPr/>
+        </p:nvSpPr>
+        <p:spPr>
+          <a:xfrm>
+            <a:off x="2619051" y="4946469"/>
+            <a:ext cx="1757423" cy="923330"/>
+          </a:xfrm>
+          <a:prstGeom prst="rect">
+            <a:avLst/>
+          </a:prstGeom>
+          <a:noFill/>
+        </p:spPr>
+        <p:txBody>
+          <a:bodyPr wrap="square" rtlCol="0">
+            <a:spAutoFit/>
+          </a:bodyPr>
+          <a:lstStyle/>
+          <a:p>
+            <a:pPr algn="ctr"/>
+            <a:r>
+              <a:rPr lang="en-US" dirty="0"/>
+              <a:t>Scheduled data movement orchestration</a:t>
+            </a:r>
+          </a:p>
+        </p:txBody>
+      </p:sp>
+      <p:sp>
+        <p:nvSpPr>
+          <p:cNvPr id="3" name="TextBox 2">
+            <a:extLst>
+              <a:ext uri="{FF2B5EF4-FFF2-40B4-BE49-F238E27FC236}">
+                <a16:creationId xmlns:a16="http://schemas.microsoft.com/office/drawing/2014/main" id="{1992EA4B-2C4A-47E9-9CBC-BEFAE0172812}"/>
+              </a:ext>
+            </a:extLst>
+          </p:cNvPr>
+          <p:cNvSpPr txBox="1"/>
+          <p:nvPr/>
+        </p:nvSpPr>
+        <p:spPr>
+          <a:xfrm>
+            <a:off x="476828" y="42007"/>
+            <a:ext cx="5799601" cy="584775"/>
+          </a:xfrm>
+          <a:prstGeom prst="rect">
+            <a:avLst/>
+          </a:prstGeom>
+          <a:noFill/>
+        </p:spPr>
+        <p:txBody>
+          <a:bodyPr wrap="none" rtlCol="0">
+            <a:spAutoFit/>
+          </a:bodyPr>
+          <a:lstStyle/>
+          <a:p>
+            <a:r>
+              <a:rPr lang="en-US" sz="3200" dirty="0">
+                <a:latin typeface="+mj-lt"/>
+              </a:rPr>
+              <a:t>Infographic for common scenarios</a:t>
+            </a:r>
+          </a:p>
+        </p:txBody>
+      </p:sp>
+      <p:sp>
+        <p:nvSpPr>
+          <p:cNvPr id="61" name="TextBox 60">
+            <a:extLst>
+              <a:ext uri="{FF2B5EF4-FFF2-40B4-BE49-F238E27FC236}">
+                <a16:creationId xmlns:a16="http://schemas.microsoft.com/office/drawing/2014/main" id="{A6633C8F-DF5C-4C3A-BFC6-51A792F0D8E2}"/>
+              </a:ext>
+            </a:extLst>
+          </p:cNvPr>
+          <p:cNvSpPr txBox="1"/>
+          <p:nvPr/>
+        </p:nvSpPr>
+        <p:spPr>
+          <a:xfrm>
+            <a:off x="6749236" y="2892367"/>
+            <a:ext cx="1628148" cy="2616101"/>
+          </a:xfrm>
+          <a:prstGeom prst="rect">
+            <a:avLst/>
+          </a:prstGeom>
+          <a:noFill/>
+        </p:spPr>
+        <p:txBody>
+          <a:bodyPr wrap="square" rtlCol="0">
+            <a:spAutoFit/>
+          </a:bodyPr>
+          <a:lstStyle/>
+          <a:p>
+            <a:pPr algn="ctr"/>
+            <a:r>
+              <a:rPr lang="en-US" sz="2000" dirty="0"/>
+              <a:t>Machine learning services and libraries</a:t>
+            </a:r>
+            <a:br>
+              <a:rPr lang="en-US" sz="2000" dirty="0"/>
+            </a:br>
+            <a:br>
+              <a:rPr lang="en-US" sz="2000" dirty="0"/>
+            </a:br>
+            <a:r>
+              <a:rPr lang="en-US" sz="1600" dirty="0"/>
+              <a:t>(Python, Scala, Java, R, Spark, Hadoop, SQL ML Services)</a:t>
+            </a:r>
+          </a:p>
+        </p:txBody>
+      </p:sp>
+      <p:sp>
+        <p:nvSpPr>
+          <p:cNvPr id="62" name="TextBox 61">
+            <a:extLst>
+              <a:ext uri="{FF2B5EF4-FFF2-40B4-BE49-F238E27FC236}">
+                <a16:creationId xmlns:a16="http://schemas.microsoft.com/office/drawing/2014/main" id="{8BC33E6D-E5A7-4830-8434-195F64C5BF14}"/>
+              </a:ext>
+            </a:extLst>
+          </p:cNvPr>
+          <p:cNvSpPr txBox="1"/>
+          <p:nvPr/>
+        </p:nvSpPr>
+        <p:spPr>
+          <a:xfrm>
+            <a:off x="8823034" y="3240766"/>
+            <a:ext cx="1628148" cy="1815882"/>
+          </a:xfrm>
+          <a:prstGeom prst="rect">
+            <a:avLst/>
+          </a:prstGeom>
+          <a:noFill/>
+        </p:spPr>
+        <p:txBody>
+          <a:bodyPr wrap="square" rtlCol="0">
+            <a:spAutoFit/>
+          </a:bodyPr>
+          <a:lstStyle/>
+          <a:p>
+            <a:pPr algn="ctr"/>
+            <a:r>
+              <a:rPr lang="en-US" sz="1600" dirty="0"/>
+              <a:t>Operationalized model served by ML service hosted in container, web service, or database service</a:t>
+            </a:r>
+          </a:p>
+        </p:txBody>
+      </p:sp>
+      <p:sp>
+        <p:nvSpPr>
+          <p:cNvPr id="63" name="TextBox 62">
+            <a:extLst>
+              <a:ext uri="{FF2B5EF4-FFF2-40B4-BE49-F238E27FC236}">
+                <a16:creationId xmlns:a16="http://schemas.microsoft.com/office/drawing/2014/main" id="{5FDA957E-92E4-4ADC-9690-0CD76CD8B3DA}"/>
+              </a:ext>
+            </a:extLst>
+          </p:cNvPr>
+          <p:cNvSpPr txBox="1"/>
+          <p:nvPr/>
+        </p:nvSpPr>
+        <p:spPr>
+          <a:xfrm>
+            <a:off x="4683525" y="5454736"/>
+            <a:ext cx="1628148" cy="430887"/>
+          </a:xfrm>
+          <a:prstGeom prst="rect">
+            <a:avLst/>
+          </a:prstGeom>
+          <a:noFill/>
+        </p:spPr>
+        <p:txBody>
+          <a:bodyPr wrap="square" rtlCol="0">
+            <a:spAutoFit/>
+          </a:bodyPr>
+          <a:lstStyle/>
+          <a:p>
+            <a:pPr algn="ctr"/>
+            <a:r>
+              <a:rPr lang="en-US" sz="1100" dirty="0"/>
+              <a:t>Access through PolyBase or Apache Spark</a:t>
+            </a:r>
+          </a:p>
+        </p:txBody>
+      </p:sp>
+    </p:spTree>
+    <p:extLst>
+      <p:ext uri="{BB962C8B-B14F-4D97-AF65-F5344CB8AC3E}">
+        <p14:creationId xmlns:p14="http://schemas.microsoft.com/office/powerpoint/2010/main" val="300566555"/>
+      </p:ext>
+    </p:extLst>
+  </p:cSld>
+  <p:clrMapOvr>
+    <a:masterClrMapping/>
+  </p:clrMapOvr>
+</p:sld>
+</file>
+
 <file path=ppt/theme/theme1.xml><?xml version="1.0" encoding="utf-8"?>
 <a:theme xmlns:a="http://schemas.openxmlformats.org/drawingml/2006/main" name="Office Theme">
   <a:themeElements>
